--- a/Lecture Slides/VideoLectureSlides/13.2.pptx
+++ b/Lecture Slides/VideoLectureSlides/13.2.pptx
@@ -5,20 +5,18 @@
     <p:sldMasterId id="2147483660" r:id="rId4"/>
   </p:sldMasterIdLst>
   <p:notesMasterIdLst>
-    <p:notesMasterId r:id="rId16"/>
+    <p:notesMasterId r:id="rId14"/>
   </p:notesMasterIdLst>
   <p:sldIdLst>
     <p:sldId id="256" r:id="rId5"/>
-    <p:sldId id="298" r:id="rId6"/>
-    <p:sldId id="258" r:id="rId7"/>
-    <p:sldId id="300" r:id="rId8"/>
-    <p:sldId id="303" r:id="rId9"/>
-    <p:sldId id="301" r:id="rId10"/>
-    <p:sldId id="304" r:id="rId11"/>
-    <p:sldId id="305" r:id="rId12"/>
-    <p:sldId id="302" r:id="rId13"/>
-    <p:sldId id="287" r:id="rId14"/>
-    <p:sldId id="264" r:id="rId15"/>
+    <p:sldId id="263" r:id="rId6"/>
+    <p:sldId id="283" r:id="rId7"/>
+    <p:sldId id="274" r:id="rId8"/>
+    <p:sldId id="285" r:id="rId9"/>
+    <p:sldId id="282" r:id="rId10"/>
+    <p:sldId id="287" r:id="rId11"/>
+    <p:sldId id="271" r:id="rId12"/>
+    <p:sldId id="272" r:id="rId13"/>
   </p:sldIdLst>
   <p:sldSz cx="9144000" cy="6858000" type="screen4x3"/>
   <p:notesSz cx="6858000" cy="9144000"/>
@@ -3682,7 +3680,7 @@
           <a:p>
             <a:r>
               <a:rPr lang="en-US" dirty="0"/>
-              <a:t>Power and Efficiency in Rigid Bodies</a:t>
+              <a:t>Kinetics in Fixed Axis Rotation Systems</a:t>
             </a:r>
           </a:p>
         </p:txBody>
@@ -3736,81 +3734,7 @@
 </p:sld>
 </file>
 
-<file path=ppt/slides/slide10.xml><?xml version="1.0" encoding="utf-8"?>
-<p:sld xmlns:a="http://schemas.openxmlformats.org/drawingml/2006/main" xmlns:r="http://schemas.openxmlformats.org/officeDocument/2006/relationships" xmlns:p="http://schemas.openxmlformats.org/presentationml/2006/main">
-  <p:cSld>
-    <p:spTree>
-      <p:nvGrpSpPr>
-        <p:cNvPr id="1" name=""/>
-        <p:cNvGrpSpPr/>
-        <p:nvPr/>
-      </p:nvGrpSpPr>
-      <p:grpSpPr>
-        <a:xfrm>
-          <a:off x="0" y="0"/>
-          <a:ext cx="0" cy="0"/>
-          <a:chOff x="0" y="0"/>
-          <a:chExt cx="0" cy="0"/>
-        </a:xfrm>
-      </p:grpSpPr>
-      <p:sp>
-        <p:nvSpPr>
-          <p:cNvPr id="2" name="Title 1"/>
-          <p:cNvSpPr>
-            <a:spLocks noGrp="1"/>
-          </p:cNvSpPr>
-          <p:nvPr>
-            <p:ph type="ctrTitle"/>
-          </p:nvPr>
-        </p:nvSpPr>
-        <p:spPr/>
-        <p:txBody>
-          <a:bodyPr/>
-          <a:lstStyle/>
-          <a:p>
-            <a:r>
-              <a:rPr lang="en-US" dirty="0"/>
-              <a:t>Thanks for Watching</a:t>
-            </a:r>
-          </a:p>
-        </p:txBody>
-      </p:sp>
-      <p:sp>
-        <p:nvSpPr>
-          <p:cNvPr id="3" name="Subtitle 2"/>
-          <p:cNvSpPr>
-            <a:spLocks noGrp="1"/>
-          </p:cNvSpPr>
-          <p:nvPr>
-            <p:ph type="subTitle" idx="1"/>
-          </p:nvPr>
-        </p:nvSpPr>
-        <p:spPr/>
-        <p:txBody>
-          <a:bodyPr/>
-          <a:lstStyle/>
-          <a:p>
-            <a:r>
-              <a:rPr lang="en-US" dirty="0"/>
-              <a:t>See other engineering mechanics videos and access the full tool at…</a:t>
-            </a:r>
-          </a:p>
-        </p:txBody>
-      </p:sp>
-    </p:spTree>
-    <p:extLst>
-      <p:ext uri="{BB962C8B-B14F-4D97-AF65-F5344CB8AC3E}">
-        <p14:creationId xmlns:p14="http://schemas.microsoft.com/office/powerpoint/2010/main" val="3129637585"/>
-      </p:ext>
-    </p:extLst>
-  </p:cSld>
-  <p:clrMapOvr>
-    <a:masterClrMapping/>
-  </p:clrMapOvr>
-</p:sld>
-</file>
-
-<file path=ppt/slides/slide11.xml><?xml version="1.0" encoding="utf-8"?>
+<file path=ppt/slides/slide2.xml><?xml version="1.0" encoding="utf-8"?>
 <p:sld xmlns:a="http://schemas.openxmlformats.org/drawingml/2006/main" xmlns:r="http://schemas.openxmlformats.org/officeDocument/2006/relationships" xmlns:p="http://schemas.openxmlformats.org/presentationml/2006/main">
   <p:cSld>
     <p:spTree>
@@ -3839,190 +3763,14 @@
         </p:nvSpPr>
         <p:spPr/>
         <p:txBody>
-          <a:bodyPr/>
-          <a:lstStyle/>
-          <a:p>
-            <a:r>
-              <a:rPr lang="en-US" dirty="0"/>
-              <a:t>Worked Example</a:t>
-            </a:r>
-          </a:p>
-        </p:txBody>
-      </p:sp>
-      <p:sp>
-        <p:nvSpPr>
-          <p:cNvPr id="3" name="Content Placeholder 2"/>
-          <p:cNvSpPr>
-            <a:spLocks noGrp="1"/>
-          </p:cNvSpPr>
-          <p:nvPr>
-            <p:ph idx="1"/>
-          </p:nvPr>
-        </p:nvSpPr>
-        <p:spPr>
-          <a:xfrm>
-            <a:off x="457200" y="1600201"/>
-            <a:ext cx="8229600" cy="2362200"/>
-          </a:xfrm>
-        </p:spPr>
-        <p:txBody>
           <a:bodyPr>
-            <a:normAutofit fontScale="85000" lnSpcReduction="20000"/>
+            <a:normAutofit/>
           </a:bodyPr>
           <a:lstStyle/>
           <a:p>
             <a:r>
               <a:rPr lang="en-US" dirty="0"/>
-              <a:t>The input to a gearbox has a measured 32 ft lbs of torque at 700 rpm.  The output has 207 ft lbs of torque at 100 rpm.  </a:t>
-            </a:r>
-          </a:p>
-          <a:p>
-            <a:pPr lvl="1"/>
-            <a:r>
-              <a:rPr lang="en-US" dirty="0"/>
-              <a:t>What is the power input?</a:t>
-            </a:r>
-          </a:p>
-          <a:p>
-            <a:pPr lvl="1"/>
-            <a:r>
-              <a:rPr lang="en-US" dirty="0"/>
-              <a:t>What is the power output?</a:t>
-            </a:r>
-          </a:p>
-          <a:p>
-            <a:pPr lvl="1"/>
-            <a:r>
-              <a:rPr lang="en-US" dirty="0"/>
-              <a:t>What is the efficiency of the gear train?</a:t>
-            </a:r>
-          </a:p>
-        </p:txBody>
-      </p:sp>
-      <p:sp>
-        <p:nvSpPr>
-          <p:cNvPr id="4" name="Slide Number Placeholder 3"/>
-          <p:cNvSpPr>
-            <a:spLocks noGrp="1"/>
-          </p:cNvSpPr>
-          <p:nvPr>
-            <p:ph type="sldNum" sz="quarter" idx="12"/>
-          </p:nvPr>
-        </p:nvSpPr>
-        <p:spPr/>
-        <p:txBody>
-          <a:bodyPr/>
-          <a:lstStyle/>
-          <a:p>
-            <a:fld id="{929262FE-7F58-4A1E-8AF3-5A510A86DEBD}" type="slidenum">
-              <a:rPr lang="en-US" smtClean="0"/>
-              <a:t>11</a:t>
-            </a:fld>
-            <a:endParaRPr lang="en-US"/>
-          </a:p>
-        </p:txBody>
-      </p:sp>
-      <p:pic>
-        <p:nvPicPr>
-          <p:cNvPr id="3074" name="Picture 2" descr="crafts, gearbox, gears">
-            <a:extLst>
-              <a:ext uri="{FF2B5EF4-FFF2-40B4-BE49-F238E27FC236}">
-                <a16:creationId xmlns:a16="http://schemas.microsoft.com/office/drawing/2014/main" id="{6619458D-97A6-4BB8-8885-5A76929939A3}"/>
-              </a:ext>
-            </a:extLst>
-          </p:cNvPr>
-          <p:cNvPicPr>
-            <a:picLocks noChangeAspect="1" noChangeArrowheads="1"/>
-          </p:cNvPicPr>
-          <p:nvPr/>
-        </p:nvPicPr>
-        <p:blipFill>
-          <a:blip r:embed="rId2" cstate="print">
-            <a:extLst>
-              <a:ext uri="{28A0092B-C50C-407E-A947-70E740481C1C}">
-                <a14:useLocalDpi xmlns:a14="http://schemas.microsoft.com/office/drawing/2010/main" val="0"/>
-              </a:ext>
-            </a:extLst>
-          </a:blip>
-          <a:srcRect/>
-          <a:stretch>
-            <a:fillRect/>
-          </a:stretch>
-        </p:blipFill>
-        <p:spPr bwMode="auto">
-          <a:xfrm>
-            <a:off x="2476500" y="3962401"/>
-            <a:ext cx="4191000" cy="2788906"/>
-          </a:xfrm>
-          <a:prstGeom prst="rect">
-            <a:avLst/>
-          </a:prstGeom>
-          <a:noFill/>
-          <a:extLst>
-            <a:ext uri="{909E8E84-426E-40DD-AFC4-6F175D3DCCD1}">
-              <a14:hiddenFill xmlns:a14="http://schemas.microsoft.com/office/drawing/2010/main">
-                <a:solidFill>
-                  <a:srgbClr val="FFFFFF"/>
-                </a:solidFill>
-              </a14:hiddenFill>
-            </a:ext>
-          </a:extLst>
-        </p:spPr>
-      </p:pic>
-    </p:spTree>
-    <p:extLst>
-      <p:ext uri="{BB962C8B-B14F-4D97-AF65-F5344CB8AC3E}">
-        <p14:creationId xmlns:p14="http://schemas.microsoft.com/office/powerpoint/2010/main" val="2144110765"/>
-      </p:ext>
-    </p:extLst>
-  </p:cSld>
-  <p:clrMapOvr>
-    <a:masterClrMapping/>
-  </p:clrMapOvr>
-</p:sld>
-</file>
-
-<file path=ppt/slides/slide2.xml><?xml version="1.0" encoding="utf-8"?>
-<p:sld xmlns:a="http://schemas.openxmlformats.org/drawingml/2006/main" xmlns:r="http://schemas.openxmlformats.org/officeDocument/2006/relationships" xmlns:p="http://schemas.openxmlformats.org/presentationml/2006/main">
-  <p:cSld>
-    <p:spTree>
-      <p:nvGrpSpPr>
-        <p:cNvPr id="1" name=""/>
-        <p:cNvGrpSpPr/>
-        <p:nvPr/>
-      </p:nvGrpSpPr>
-      <p:grpSpPr>
-        <a:xfrm>
-          <a:off x="0" y="0"/>
-          <a:ext cx="0" cy="0"/>
-          <a:chOff x="0" y="0"/>
-          <a:chExt cx="0" cy="0"/>
-        </a:xfrm>
-      </p:grpSpPr>
-      <p:sp>
-        <p:nvSpPr>
-          <p:cNvPr id="2" name="Title 1">
-            <a:extLst>
-              <a:ext uri="{FF2B5EF4-FFF2-40B4-BE49-F238E27FC236}">
-                <a16:creationId xmlns:a16="http://schemas.microsoft.com/office/drawing/2014/main" id="{03A2256D-408D-4D01-BBB8-EEE1C5E7378B}"/>
-              </a:ext>
-            </a:extLst>
-          </p:cNvPr>
-          <p:cNvSpPr>
-            <a:spLocks noGrp="1"/>
-          </p:cNvSpPr>
-          <p:nvPr>
-            <p:ph type="title"/>
-          </p:nvPr>
-        </p:nvSpPr>
-        <p:spPr/>
-        <p:txBody>
-          <a:bodyPr/>
-          <a:lstStyle/>
-          <a:p>
-            <a:r>
-              <a:rPr lang="en-US" dirty="0"/>
-              <a:t>Power</a:t>
+              <a:t>Newton’s Second Law and Kinetics</a:t>
             </a:r>
           </a:p>
         </p:txBody>
@@ -4031,13 +3779,7 @@
         <mc:Choice xmlns:a14="http://schemas.microsoft.com/office/drawing/2010/main" Requires="a14">
           <p:sp>
             <p:nvSpPr>
-              <p:cNvPr id="3" name="Content Placeholder 2">
-                <a:extLst>
-                  <a:ext uri="{FF2B5EF4-FFF2-40B4-BE49-F238E27FC236}">
-                    <a16:creationId xmlns:a16="http://schemas.microsoft.com/office/drawing/2014/main" id="{21A52C65-EBDF-415B-A90C-25E73480269E}"/>
-                  </a:ext>
-                </a:extLst>
-              </p:cNvPr>
+              <p:cNvPr id="3" name="Content Placeholder 2"/>
               <p:cNvSpPr>
                 <a:spLocks noGrp="1"/>
               </p:cNvSpPr>
@@ -4047,33 +3789,91 @@
             </p:nvSpPr>
             <p:spPr/>
             <p:txBody>
-              <a:bodyPr/>
+              <a:bodyPr>
+                <a:normAutofit fontScale="77500" lnSpcReduction="20000"/>
+              </a:bodyPr>
               <a:lstStyle/>
               <a:p>
                 <a:r>
                   <a:rPr lang="en-US" dirty="0"/>
-                  <a:t>The concept of power is simply the </a:t>
-                </a:r>
-                <a:r>
-                  <a:rPr lang="en-US" b="1" dirty="0"/>
-                  <a:t>rate at which you can perform work</a:t>
-                </a:r>
-                <a:r>
-                  <a:rPr lang="en-US" dirty="0"/>
-                  <a:t>.</a:t>
+                  <a:t>In kinetics, we can build directly on Newton’s second law which states that...</a:t>
                 </a:r>
               </a:p>
               <a:p>
-                <a:pPr lvl="1"/>
-                <a:r>
-                  <a:rPr lang="en-US" dirty="0"/>
-                  <a:t>Because of the conservation of energy relationship, this is equal to the rate at which energy is changing.</a:t>
-                </a:r>
+                <a:pPr marL="0" indent="0" algn="ctr">
+                  <a:buNone/>
+                </a:pPr>
+                <a14:m>
+                  <m:oMathPara xmlns:m="http://schemas.openxmlformats.org/officeDocument/2006/math">
+                    <m:oMathParaPr>
+                      <m:jc m:val="centerGroup"/>
+                    </m:oMathParaPr>
+                    <m:oMath xmlns:m="http://schemas.openxmlformats.org/officeDocument/2006/math">
+                      <m:acc>
+                        <m:accPr>
+                          <m:chr m:val="⃑"/>
+                          <m:ctrlPr>
+                            <a:rPr lang="en-US" b="0" i="1" smtClean="0">
+                              <a:latin typeface="Cambria Math" panose="02040503050406030204" pitchFamily="18" charset="0"/>
+                            </a:rPr>
+                          </m:ctrlPr>
+                        </m:accPr>
+                        <m:e>
+                          <m:r>
+                            <a:rPr lang="en-US" b="0" i="1" smtClean="0">
+                              <a:latin typeface="Cambria Math" panose="02040503050406030204" pitchFamily="18" charset="0"/>
+                            </a:rPr>
+                            <m:t>𝐹</m:t>
+                          </m:r>
+                        </m:e>
+                      </m:acc>
+                      <m:r>
+                        <a:rPr lang="en-US" b="0" i="1" smtClean="0">
+                          <a:latin typeface="Cambria Math"/>
+                        </a:rPr>
+                        <m:t>=</m:t>
+                      </m:r>
+                      <m:r>
+                        <a:rPr lang="en-US" b="0" i="1" smtClean="0">
+                          <a:latin typeface="Cambria Math"/>
+                        </a:rPr>
+                        <m:t>𝑚</m:t>
+                      </m:r>
+                      <m:acc>
+                        <m:accPr>
+                          <m:chr m:val="⃑"/>
+                          <m:ctrlPr>
+                            <a:rPr lang="en-US" b="0" i="1" smtClean="0">
+                              <a:latin typeface="Cambria Math" panose="02040503050406030204" pitchFamily="18" charset="0"/>
+                            </a:rPr>
+                          </m:ctrlPr>
+                        </m:accPr>
+                        <m:e>
+                          <m:r>
+                            <a:rPr lang="en-US" b="0" i="1" smtClean="0">
+                              <a:latin typeface="Cambria Math" panose="02040503050406030204" pitchFamily="18" charset="0"/>
+                            </a:rPr>
+                            <m:t>𝑎</m:t>
+                          </m:r>
+                        </m:e>
+                      </m:acc>
+                    </m:oMath>
+                  </m:oMathPara>
+                </a14:m>
+                <a:endParaRPr lang="en-US" b="1" dirty="0"/>
               </a:p>
               <a:p>
                 <a:r>
                   <a:rPr lang="en-US" dirty="0"/>
-                  <a:t>Putting this into an equation, we arrive at the following</a:t>
+                  <a:t>In </a:t>
+                </a:r>
+                <a:r>
+                  <a:rPr lang="en-US" b="1" dirty="0"/>
+                  <a:t>rigid body </a:t>
+                </a:r>
+                <a:r>
+                  <a:rPr lang="en-US" dirty="0"/>
+                  <a:t>kinetics, we can additionally apply the rotational version of Newton’s second law…</a:t>
                 </a:r>
               </a:p>
               <a:p>
@@ -4086,15 +3886,27 @@
                       <m:jc m:val="centerGroup"/>
                     </m:oMathParaPr>
                     <m:oMath xmlns:m="http://schemas.openxmlformats.org/officeDocument/2006/math">
+                      <m:acc>
+                        <m:accPr>
+                          <m:chr m:val="⃑"/>
+                          <m:ctrlPr>
+                            <a:rPr lang="en-US" i="1">
+                              <a:latin typeface="Cambria Math" panose="02040503050406030204" pitchFamily="18" charset="0"/>
+                            </a:rPr>
+                          </m:ctrlPr>
+                        </m:accPr>
+                        <m:e>
+                          <m:r>
+                            <a:rPr lang="en-US" i="1">
+                              <a:latin typeface="Cambria Math" panose="02040503050406030204" pitchFamily="18" charset="0"/>
+                            </a:rPr>
+                            <m:t>𝑀</m:t>
+                          </m:r>
+                        </m:e>
+                      </m:acc>
                       <m:r>
-                        <a:rPr lang="en-US" b="0" i="1" smtClean="0">
-                          <a:latin typeface="Cambria Math" panose="02040503050406030204" pitchFamily="18" charset="0"/>
-                        </a:rPr>
-                        <m:t>𝑃𝑜𝑤𝑒𝑟</m:t>
-                      </m:r>
-                      <m:r>
-                        <a:rPr lang="en-US" b="0" i="1" smtClean="0">
-                          <a:latin typeface="Cambria Math" panose="02040503050406030204" pitchFamily="18" charset="0"/>
+                        <a:rPr lang="en-US" i="1">
+                          <a:latin typeface="Cambria Math"/>
                         </a:rPr>
                         <m:t>=</m:t>
                       </m:r>
@@ -4102,76 +3914,24 @@
                         <a:rPr lang="en-US" i="1">
                           <a:latin typeface="Cambria Math" panose="02040503050406030204" pitchFamily="18" charset="0"/>
                         </a:rPr>
-                        <m:t>𝑃</m:t>
+                        <m:t>𝐼</m:t>
                       </m:r>
-                      <m:r>
-                        <a:rPr lang="en-US" i="1">
-                          <a:latin typeface="Cambria Math"/>
-                        </a:rPr>
-                        <m:t>= </m:t>
-                      </m:r>
-                      <m:f>
-                        <m:fPr>
+                      <m:acc>
+                        <m:accPr>
+                          <m:chr m:val="⃑"/>
                           <m:ctrlPr>
                             <a:rPr lang="en-US" i="1">
                               <a:latin typeface="Cambria Math" panose="02040503050406030204" pitchFamily="18" charset="0"/>
                             </a:rPr>
                           </m:ctrlPr>
-                        </m:fPr>
-                        <m:num>
-                          <m:r>
-                            <a:rPr lang="en-US" b="0" i="1" smtClean="0">
-                              <a:latin typeface="Cambria Math" panose="02040503050406030204" pitchFamily="18" charset="0"/>
-                            </a:rPr>
-                            <m:t>𝑑</m:t>
-                          </m:r>
-                          <m:r>
-                            <a:rPr lang="en-US" i="1">
-                              <a:latin typeface="Cambria Math"/>
-                            </a:rPr>
-                            <m:t>𝑊</m:t>
-                          </m:r>
-                        </m:num>
-                        <m:den>
-                          <m:r>
-                            <a:rPr lang="en-US" b="0" i="1" smtClean="0">
-                              <a:latin typeface="Cambria Math" panose="02040503050406030204" pitchFamily="18" charset="0"/>
-                            </a:rPr>
-                            <m:t>𝑑</m:t>
-                          </m:r>
-                          <m:r>
-                            <a:rPr lang="en-US" i="1">
-                              <a:latin typeface="Cambria Math"/>
-                              <a:ea typeface="Cambria Math"/>
-                            </a:rPr>
-                            <m:t>𝑡</m:t>
-                          </m:r>
-                        </m:den>
-                      </m:f>
-                      <m:r>
-                        <a:rPr lang="en-US" b="0" i="1" smtClean="0">
-                          <a:latin typeface="Cambria Math" panose="02040503050406030204" pitchFamily="18" charset="0"/>
-                          <a:ea typeface="Cambria Math"/>
-                        </a:rPr>
-                        <m:t>=</m:t>
-                      </m:r>
-                      <m:acc>
-                        <m:accPr>
-                          <m:chr m:val="̇"/>
-                          <m:ctrlPr>
-                            <a:rPr lang="en-US" b="0" i="1" smtClean="0">
-                              <a:latin typeface="Cambria Math" panose="02040503050406030204" pitchFamily="18" charset="0"/>
-                              <a:ea typeface="Cambria Math"/>
-                            </a:rPr>
-                          </m:ctrlPr>
                         </m:accPr>
                         <m:e>
                           <m:r>
-                            <a:rPr lang="en-US" b="0" i="1" smtClean="0">
+                            <a:rPr lang="en-US" i="1">
                               <a:latin typeface="Cambria Math" panose="02040503050406030204" pitchFamily="18" charset="0"/>
-                              <a:ea typeface="Cambria Math"/>
+                              <a:ea typeface="Cambria Math" panose="02040503050406030204" pitchFamily="18" charset="0"/>
                             </a:rPr>
-                            <m:t>𝑊</m:t>
+                            <m:t>𝛼</m:t>
                           </m:r>
                         </m:e>
                       </m:acc>
@@ -4180,19 +3940,33 @@
                 </a14:m>
                 <a:endParaRPr lang="en-US" dirty="0"/>
               </a:p>
+              <a:p>
+                <a:r>
+                  <a:rPr lang="en-US" dirty="0"/>
+                  <a:t>If we put known forces, moments, masses, mass moments of inertia and accelerations into these equations for a given system, we have the  </a:t>
+                </a:r>
+                <a:r>
+                  <a:rPr lang="en-US" b="1" dirty="0"/>
+                  <a:t>equations of motion </a:t>
+                </a:r>
+                <a:r>
+                  <a:rPr lang="en-US" dirty="0"/>
+                  <a:t>for that object.  </a:t>
+                </a:r>
+              </a:p>
+              <a:p>
+                <a:r>
+                  <a:rPr lang="en-US" dirty="0"/>
+                  <a:t>By solving these equations, we can find either the forces or moments given the accelerations, or the accelerations given the forces and moments.</a:t>
+                </a:r>
+              </a:p>
             </p:txBody>
           </p:sp>
         </mc:Choice>
         <mc:Fallback>
           <p:sp>
             <p:nvSpPr>
-              <p:cNvPr id="3" name="Content Placeholder 2">
-                <a:extLst>
-                  <a:ext uri="{FF2B5EF4-FFF2-40B4-BE49-F238E27FC236}">
-                    <a16:creationId xmlns:a16="http://schemas.microsoft.com/office/drawing/2014/main" id="{21A52C65-EBDF-415B-A90C-25E73480269E}"/>
-                  </a:ext>
-                </a:extLst>
-              </p:cNvPr>
+              <p:cNvPr id="3" name="Content Placeholder 2"/>
               <p:cNvSpPr>
                 <a:spLocks noGrp="1" noRot="1" noChangeAspect="1" noMove="1" noResize="1" noEditPoints="1" noAdjustHandles="1" noChangeArrowheads="1" noChangeShapeType="1" noTextEdit="1"/>
               </p:cNvSpPr>
@@ -4204,7 +3978,7 @@
               <a:blipFill>
                 <a:blip r:embed="rId2"/>
                 <a:stretch>
-                  <a:fillRect l="-1704" t="-1752" r="-444"/>
+                  <a:fillRect l="-1037" t="-2561" r="-1333"/>
                 </a:stretch>
               </a:blipFill>
             </p:spPr>
@@ -4223,10 +3997,33 @@
           </p:sp>
         </mc:Fallback>
       </mc:AlternateContent>
+      <p:sp>
+        <p:nvSpPr>
+          <p:cNvPr id="4" name="Slide Number Placeholder 3"/>
+          <p:cNvSpPr>
+            <a:spLocks noGrp="1"/>
+          </p:cNvSpPr>
+          <p:nvPr>
+            <p:ph type="sldNum" sz="quarter" idx="12"/>
+          </p:nvPr>
+        </p:nvSpPr>
+        <p:spPr/>
+        <p:txBody>
+          <a:bodyPr/>
+          <a:lstStyle/>
+          <a:p>
+            <a:fld id="{929262FE-7F58-4A1E-8AF3-5A510A86DEBD}" type="slidenum">
+              <a:rPr lang="en-US" smtClean="0"/>
+              <a:t>2</a:t>
+            </a:fld>
+            <a:endParaRPr lang="en-US" dirty="0"/>
+          </a:p>
+        </p:txBody>
+      </p:sp>
     </p:spTree>
     <p:extLst>
       <p:ext uri="{BB962C8B-B14F-4D97-AF65-F5344CB8AC3E}">
-        <p14:creationId xmlns:p14="http://schemas.microsoft.com/office/powerpoint/2010/main" val="991979740"/>
+        <p14:creationId xmlns:p14="http://schemas.microsoft.com/office/powerpoint/2010/main" val="4145160990"/>
       </p:ext>
     </p:extLst>
   </p:cSld>
@@ -4437,6 +4234,104 @@
                       </p:childTnLst>
                     </p:cTn>
                   </p:par>
+                  <p:par>
+                    <p:cTn id="19" fill="hold">
+                      <p:stCondLst>
+                        <p:cond delay="indefinite"/>
+                      </p:stCondLst>
+                      <p:childTnLst>
+                        <p:par>
+                          <p:cTn id="20" fill="hold">
+                            <p:stCondLst>
+                              <p:cond delay="0"/>
+                            </p:stCondLst>
+                            <p:childTnLst>
+                              <p:par>
+                                <p:cTn id="21" presetID="1" presetClass="entr" presetSubtype="0" fill="hold" grpId="0" nodeType="clickEffect">
+                                  <p:stCondLst>
+                                    <p:cond delay="0"/>
+                                  </p:stCondLst>
+                                  <p:childTnLst>
+                                    <p:set>
+                                      <p:cBhvr>
+                                        <p:cTn id="22" dur="1" fill="hold">
+                                          <p:stCondLst>
+                                            <p:cond delay="0"/>
+                                          </p:stCondLst>
+                                        </p:cTn>
+                                        <p:tgtEl>
+                                          <p:spTgt spid="3">
+                                            <p:txEl>
+                                              <p:pRg st="4" end="4"/>
+                                            </p:txEl>
+                                          </p:spTgt>
+                                        </p:tgtEl>
+                                        <p:attrNameLst>
+                                          <p:attrName>style.visibility</p:attrName>
+                                        </p:attrNameLst>
+                                      </p:cBhvr>
+                                      <p:to>
+                                        <p:strVal val="visible"/>
+                                      </p:to>
+                                    </p:set>
+                                  </p:childTnLst>
+                                </p:cTn>
+                              </p:par>
+                            </p:childTnLst>
+                          </p:cTn>
+                        </p:par>
+                      </p:childTnLst>
+                    </p:cTn>
+                  </p:par>
+                  <p:par>
+                    <p:cTn id="23" fill="hold">
+                      <p:stCondLst>
+                        <p:cond delay="indefinite"/>
+                      </p:stCondLst>
+                      <p:childTnLst>
+                        <p:par>
+                          <p:cTn id="24" fill="hold">
+                            <p:stCondLst>
+                              <p:cond delay="0"/>
+                            </p:stCondLst>
+                            <p:childTnLst>
+                              <p:par>
+                                <p:cTn id="25" presetID="1" presetClass="entr" presetSubtype="0" fill="hold" grpId="0" nodeType="clickEffect">
+                                  <p:stCondLst>
+                                    <p:cond delay="0"/>
+                                  </p:stCondLst>
+                                  <p:childTnLst>
+                                    <p:set>
+                                      <p:cBhvr>
+                                        <p:cTn id="26" dur="1" fill="hold">
+                                          <p:stCondLst>
+                                            <p:cond delay="0"/>
+                                          </p:stCondLst>
+                                        </p:cTn>
+                                        <p:tgtEl>
+                                          <p:spTgt spid="3">
+                                            <p:txEl>
+                                              <p:pRg st="5" end="5"/>
+                                            </p:txEl>
+                                          </p:spTgt>
+                                        </p:tgtEl>
+                                        <p:attrNameLst>
+                                          <p:attrName>style.visibility</p:attrName>
+                                        </p:attrNameLst>
+                                      </p:cBhvr>
+                                      <p:to>
+                                        <p:strVal val="visible"/>
+                                      </p:to>
+                                    </p:set>
+                                  </p:childTnLst>
+                                </p:cTn>
+                              </p:par>
+                            </p:childTnLst>
+                          </p:cTn>
+                        </p:par>
+                      </p:childTnLst>
+                    </p:cTn>
+                  </p:par>
                 </p:childTnLst>
               </p:cTn>
               <p:prevCondLst>
@@ -4459,7 +4354,7 @@
       </p:par>
     </p:tnLst>
     <p:bldLst>
-      <p:bldP spid="3" grpId="0" uiExpand="1" build="p"/>
+      <p:bldP spid="3" grpId="0" build="p"/>
     </p:bldLst>
   </p:timing>
 </p:sld>
@@ -4484,7 +4379,13 @@
       </p:grpSpPr>
       <p:sp>
         <p:nvSpPr>
-          <p:cNvPr id="2" name="Title 1"/>
+          <p:cNvPr id="2" name="Title 1">
+            <a:extLst>
+              <a:ext uri="{FF2B5EF4-FFF2-40B4-BE49-F238E27FC236}">
+                <a16:creationId xmlns:a16="http://schemas.microsoft.com/office/drawing/2014/main" id="{560E3DDD-F3EE-48A3-9DC0-B786CD622315}"/>
+              </a:ext>
+            </a:extLst>
+          </p:cNvPr>
           <p:cNvSpPr>
             <a:spLocks noGrp="1"/>
           </p:cNvSpPr>
@@ -4494,21 +4395,29 @@
         </p:nvSpPr>
         <p:spPr/>
         <p:txBody>
-          <a:bodyPr/>
+          <a:bodyPr>
+            <a:normAutofit fontScale="90000"/>
+          </a:bodyPr>
           <a:lstStyle/>
           <a:p>
             <a:r>
               <a:rPr lang="en-US" dirty="0"/>
-              <a:t>Power</a:t>
+              <a:t>Fixed Axis Rotation and the Mass Moment of Inertia</a:t>
             </a:r>
           </a:p>
         </p:txBody>
       </p:sp>
-      <mc:AlternateContent xmlns:mc="http://schemas.openxmlformats.org/markup-compatibility/2006" xmlns:a14="http://schemas.microsoft.com/office/drawing/2010/main">
-        <mc:Choice Requires="a14">
+      <mc:AlternateContent xmlns:mc="http://schemas.openxmlformats.org/markup-compatibility/2006">
+        <mc:Choice xmlns:a14="http://schemas.microsoft.com/office/drawing/2010/main" Requires="a14">
           <p:sp>
             <p:nvSpPr>
-              <p:cNvPr id="3" name="Content Placeholder 2"/>
+              <p:cNvPr id="3" name="Content Placeholder 2">
+                <a:extLst>
+                  <a:ext uri="{FF2B5EF4-FFF2-40B4-BE49-F238E27FC236}">
+                    <a16:creationId xmlns:a16="http://schemas.microsoft.com/office/drawing/2014/main" id="{8B90CC87-1C81-4600-B095-F211CF6AEA67}"/>
+                  </a:ext>
+                </a:extLst>
+              </p:cNvPr>
               <p:cNvSpPr>
                 <a:spLocks noGrp="1"/>
               </p:cNvSpPr>
@@ -4516,183 +4425,105 @@
                 <p:ph idx="1"/>
               </p:nvPr>
             </p:nvSpPr>
-            <p:spPr/>
+            <p:spPr>
+              <a:xfrm>
+                <a:off x="457200" y="1600199"/>
+                <a:ext cx="8229600" cy="2782419"/>
+              </a:xfrm>
+            </p:spPr>
             <p:txBody>
               <a:bodyPr>
-                <a:normAutofit fontScale="92500"/>
+                <a:normAutofit fontScale="77500" lnSpcReduction="20000"/>
               </a:bodyPr>
               <a:lstStyle/>
               <a:p>
                 <a:r>
                   <a:rPr lang="en-US" dirty="0"/>
-                  <a:t>If we look at the average power exerted over a set period of time, we can simply divide the work done (or change in energy) by the time it took to do that work</a:t>
+                  <a:t>Despite its simplicity, fixed axis rotation very common in engineered systems.</a:t>
                 </a:r>
-              </a:p>
-              <a:p>
-                <a:pPr marL="0" indent="0">
-                  <a:buNone/>
-                </a:pPr>
-                <a14:m>
-                  <m:oMathPara xmlns:m="http://schemas.openxmlformats.org/officeDocument/2006/math">
-                    <m:oMathParaPr>
-                      <m:jc m:val="centerGroup"/>
-                    </m:oMathParaPr>
-                    <m:oMath xmlns:m="http://schemas.openxmlformats.org/officeDocument/2006/math">
-                      <m:sSub>
-                        <m:sSubPr>
-                          <m:ctrlPr>
-                            <a:rPr lang="en-US" b="0" i="1" smtClean="0">
-                              <a:latin typeface="Cambria Math" panose="02040503050406030204" pitchFamily="18" charset="0"/>
-                            </a:rPr>
-                          </m:ctrlPr>
-                        </m:sSubPr>
-                        <m:e>
-                          <m:r>
-                            <a:rPr lang="en-US" b="0" i="1" smtClean="0">
-                              <a:latin typeface="Cambria Math" panose="02040503050406030204" pitchFamily="18" charset="0"/>
-                            </a:rPr>
-                            <m:t>𝑃</m:t>
-                          </m:r>
-                        </m:e>
-                        <m:sub>
-                          <m:r>
-                            <a:rPr lang="en-US" b="0" i="1" smtClean="0">
-                              <a:latin typeface="Cambria Math" panose="02040503050406030204" pitchFamily="18" charset="0"/>
-                            </a:rPr>
-                            <m:t>𝑎𝑣𝑒</m:t>
-                          </m:r>
-                        </m:sub>
-                      </m:sSub>
-                      <m:r>
-                        <a:rPr lang="en-US" b="0" i="1" smtClean="0">
-                          <a:latin typeface="Cambria Math"/>
-                        </a:rPr>
-                        <m:t>= </m:t>
-                      </m:r>
-                      <m:f>
-                        <m:fPr>
-                          <m:ctrlPr>
-                            <a:rPr lang="en-US" b="0" i="1" smtClean="0">
-                              <a:latin typeface="Cambria Math" panose="02040503050406030204" pitchFamily="18" charset="0"/>
-                            </a:rPr>
-                          </m:ctrlPr>
-                        </m:fPr>
-                        <m:num>
-                          <m:r>
-                            <a:rPr lang="en-US" b="0" i="1" smtClean="0">
-                              <a:latin typeface="Cambria Math"/>
-                            </a:rPr>
-                            <m:t>𝑊</m:t>
-                          </m:r>
-                        </m:num>
-                        <m:den>
-                          <m:r>
-                            <a:rPr lang="en-US" b="0" i="1" smtClean="0">
-                              <a:latin typeface="Cambria Math"/>
-                              <a:ea typeface="Cambria Math"/>
-                            </a:rPr>
-                            <m:t>𝑡</m:t>
-                          </m:r>
-                        </m:den>
-                      </m:f>
-                    </m:oMath>
-                  </m:oMathPara>
-                </a14:m>
-                <a:endParaRPr lang="en-US" dirty="0"/>
               </a:p>
               <a:p>
                 <a:r>
                   <a:rPr lang="en-US" dirty="0"/>
-                  <a:t>Working in the other direction, we can also define work as the average power times the time</a:t>
+                  <a:t>Within the moment equation (</a:t>
+                </a:r>
+                <a14:m>
+                  <m:oMath xmlns:m="http://schemas.openxmlformats.org/officeDocument/2006/math">
+                    <m:acc>
+                      <m:accPr>
+                        <m:chr m:val="⃑"/>
+                        <m:ctrlPr>
+                          <a:rPr lang="en-US" i="1">
+                            <a:latin typeface="Cambria Math" panose="02040503050406030204" pitchFamily="18" charset="0"/>
+                          </a:rPr>
+                        </m:ctrlPr>
+                      </m:accPr>
+                      <m:e>
+                        <m:r>
+                          <a:rPr lang="en-US" i="1">
+                            <a:latin typeface="Cambria Math" panose="02040503050406030204" pitchFamily="18" charset="0"/>
+                          </a:rPr>
+                          <m:t>𝑀</m:t>
+                        </m:r>
+                      </m:e>
+                    </m:acc>
+                    <m:r>
+                      <a:rPr lang="en-US" i="1">
+                        <a:latin typeface="Cambria Math"/>
+                      </a:rPr>
+                      <m:t>=</m:t>
+                    </m:r>
+                    <m:r>
+                      <a:rPr lang="en-US" i="1">
+                        <a:latin typeface="Cambria Math" panose="02040503050406030204" pitchFamily="18" charset="0"/>
+                      </a:rPr>
+                      <m:t>𝐼</m:t>
+                    </m:r>
+                    <m:acc>
+                      <m:accPr>
+                        <m:chr m:val="⃑"/>
+                        <m:ctrlPr>
+                          <a:rPr lang="en-US" i="1">
+                            <a:latin typeface="Cambria Math" panose="02040503050406030204" pitchFamily="18" charset="0"/>
+                          </a:rPr>
+                        </m:ctrlPr>
+                      </m:accPr>
+                      <m:e>
+                        <m:r>
+                          <a:rPr lang="en-US" i="1">
+                            <a:latin typeface="Cambria Math" panose="02040503050406030204" pitchFamily="18" charset="0"/>
+                            <a:ea typeface="Cambria Math" panose="02040503050406030204" pitchFamily="18" charset="0"/>
+                          </a:rPr>
+                          <m:t>𝛼</m:t>
+                        </m:r>
+                      </m:e>
+                    </m:acc>
+                  </m:oMath>
+                </a14:m>
+                <a:r>
+                  <a:rPr lang="en-US" dirty="0"/>
+                  <a:t>) the new term is the mass moment of inertia, where the mass moment of inertia represents an objects resistance to rotation about a given axis.</a:t>
                 </a:r>
               </a:p>
               <a:p>
-                <a:pPr marL="0" indent="0">
-                  <a:buNone/>
-                </a:pPr>
-                <a14:m>
-                  <m:oMathPara xmlns:m="http://schemas.openxmlformats.org/officeDocument/2006/math">
-                    <m:oMathParaPr>
-                      <m:jc m:val="centerGroup"/>
-                    </m:oMathParaPr>
-                    <m:oMath xmlns:m="http://schemas.openxmlformats.org/officeDocument/2006/math">
-                      <m:r>
-                        <a:rPr lang="en-US" b="0" i="1" smtClean="0">
-                          <a:latin typeface="Cambria Math"/>
-                          <a:ea typeface="Cambria Math"/>
-                        </a:rPr>
-                        <m:t>(</m:t>
-                      </m:r>
-                      <m:sSub>
-                        <m:sSubPr>
-                          <m:ctrlPr>
-                            <a:rPr lang="en-US" i="1">
-                              <a:latin typeface="Cambria Math" panose="02040503050406030204" pitchFamily="18" charset="0"/>
-                            </a:rPr>
-                          </m:ctrlPr>
-                        </m:sSubPr>
-                        <m:e>
-                          <m:r>
-                            <a:rPr lang="en-US" i="1">
-                              <a:latin typeface="Cambria Math" panose="02040503050406030204" pitchFamily="18" charset="0"/>
-                            </a:rPr>
-                            <m:t>𝑃</m:t>
-                          </m:r>
-                        </m:e>
-                        <m:sub>
-                          <m:r>
-                            <a:rPr lang="en-US" i="1">
-                              <a:latin typeface="Cambria Math" panose="02040503050406030204" pitchFamily="18" charset="0"/>
-                            </a:rPr>
-                            <m:t>𝑎𝑣𝑒</m:t>
-                          </m:r>
-                        </m:sub>
-                      </m:sSub>
-                      <m:r>
-                        <a:rPr lang="en-US" b="0" i="1" smtClean="0">
-                          <a:latin typeface="Cambria Math"/>
-                          <a:ea typeface="Cambria Math"/>
-                        </a:rPr>
-                        <m:t>)(</m:t>
-                      </m:r>
-                      <m:r>
-                        <a:rPr lang="en-US" i="1">
-                          <a:latin typeface="Cambria Math"/>
-                          <a:ea typeface="Cambria Math"/>
-                        </a:rPr>
-                        <m:t>𝑡</m:t>
-                      </m:r>
-                      <m:r>
-                        <a:rPr lang="en-US" b="0" i="1" smtClean="0">
-                          <a:latin typeface="Cambria Math"/>
-                          <a:ea typeface="Cambria Math"/>
-                        </a:rPr>
-                        <m:t>)</m:t>
-                      </m:r>
-                      <m:r>
-                        <a:rPr lang="en-US" i="1">
-                          <a:latin typeface="Cambria Math"/>
-                        </a:rPr>
-                        <m:t>=</m:t>
-                      </m:r>
-                      <m:r>
-                        <a:rPr lang="en-US" i="1">
-                          <a:latin typeface="Cambria Math"/>
-                        </a:rPr>
-                        <m:t>𝑊</m:t>
-                      </m:r>
-                    </m:oMath>
-                  </m:oMathPara>
-                </a14:m>
-                <a:endParaRPr lang="en-US" dirty="0"/>
+                <a:r>
+                  <a:rPr lang="en-US" dirty="0"/>
+                  <a:t>Details on how to calculate the mass moment of inertia are in Appendix 2</a:t>
+                </a:r>
               </a:p>
             </p:txBody>
           </p:sp>
         </mc:Choice>
-        <mc:Fallback xmlns="">
+        <mc:Fallback>
           <p:sp>
             <p:nvSpPr>
-              <p:cNvPr id="3" name="Content Placeholder 2"/>
+              <p:cNvPr id="3" name="Content Placeholder 2">
+                <a:extLst>
+                  <a:ext uri="{FF2B5EF4-FFF2-40B4-BE49-F238E27FC236}">
+                    <a16:creationId xmlns:a16="http://schemas.microsoft.com/office/drawing/2014/main" id="{8B90CC87-1C81-4600-B095-F211CF6AEA67}"/>
+                  </a:ext>
+                </a:extLst>
+              </p:cNvPr>
               <p:cNvSpPr>
                 <a:spLocks noGrp="1" noRot="1" noChangeAspect="1" noMove="1" noResize="1" noEditPoints="1" noAdjustHandles="1" noChangeArrowheads="1" noChangeShapeType="1" noTextEdit="1"/>
               </p:cNvSpPr>
@@ -4701,10 +4532,14 @@
               </p:nvPr>
             </p:nvSpPr>
             <p:spPr>
+              <a:xfrm>
+                <a:off x="457200" y="1600199"/>
+                <a:ext cx="8229600" cy="2782419"/>
+              </a:xfrm>
               <a:blipFill>
                 <a:blip r:embed="rId2"/>
                 <a:stretch>
-                  <a:fillRect l="-1481" t="-1617" r="-1407"/>
+                  <a:fillRect l="-1037" t="-3939" r="-1926" b="-3501"/>
                 </a:stretch>
               </a:blipFill>
             </p:spPr>
@@ -4723,97 +4558,149 @@
           </p:sp>
         </mc:Fallback>
       </mc:AlternateContent>
-      <p:sp>
-        <p:nvSpPr>
-          <p:cNvPr id="4" name="Slide Number Placeholder 3"/>
-          <p:cNvSpPr>
-            <a:spLocks noGrp="1"/>
-          </p:cNvSpPr>
-          <p:nvPr>
-            <p:ph type="sldNum" sz="quarter" idx="12"/>
-          </p:nvPr>
-        </p:nvSpPr>
-        <p:spPr/>
-        <p:txBody>
-          <a:bodyPr/>
-          <a:lstStyle/>
-          <a:p>
-            <a:pPr marL="0" marR="0" lvl="0" indent="0" algn="r" defTabSz="914400" rtl="0" eaLnBrk="1" fontAlgn="auto" latinLnBrk="0" hangingPunct="1">
-              <a:lnSpc>
-                <a:spcPct val="100000"/>
-              </a:lnSpc>
-              <a:spcBef>
-                <a:spcPts val="0"/>
-              </a:spcBef>
-              <a:spcAft>
-                <a:spcPts val="0"/>
-              </a:spcAft>
-              <a:buClrTx/>
-              <a:buSzTx/>
-              <a:buFontTx/>
-              <a:buNone/>
-              <a:tabLst/>
-              <a:defRPr/>
-            </a:pPr>
-            <a:fld id="{929262FE-7F58-4A1E-8AF3-5A510A86DEBD}" type="slidenum">
-              <a:rPr kumimoji="0" lang="en-US" sz="1200" b="0" i="0" u="none" strike="noStrike" kern="1200" cap="none" spc="0" normalizeH="0" baseline="0" noProof="0" smtClean="0">
-                <a:ln>
-                  <a:noFill/>
-                </a:ln>
+      <p:pic>
+        <p:nvPicPr>
+          <p:cNvPr id="1026" name="Picture 2" descr="A pitching machine">
+            <a:extLst>
+              <a:ext uri="{FF2B5EF4-FFF2-40B4-BE49-F238E27FC236}">
+                <a16:creationId xmlns:a16="http://schemas.microsoft.com/office/drawing/2014/main" id="{61DA4B69-2555-47EF-B41F-290C551A40E9}"/>
+              </a:ext>
+            </a:extLst>
+          </p:cNvPr>
+          <p:cNvPicPr>
+            <a:picLocks noChangeAspect="1" noChangeArrowheads="1"/>
+          </p:cNvPicPr>
+          <p:nvPr/>
+        </p:nvPicPr>
+        <p:blipFill>
+          <a:blip r:embed="rId3">
+            <a:extLst>
+              <a:ext uri="{28A0092B-C50C-407E-A947-70E740481C1C}">
+                <a14:useLocalDpi xmlns:a14="http://schemas.microsoft.com/office/drawing/2010/main" val="0"/>
+              </a:ext>
+            </a:extLst>
+          </a:blip>
+          <a:srcRect/>
+          <a:stretch>
+            <a:fillRect/>
+          </a:stretch>
+        </p:blipFill>
+        <p:spPr bwMode="auto">
+          <a:xfrm>
+            <a:off x="304800" y="4695825"/>
+            <a:ext cx="2842676" cy="1887537"/>
+          </a:xfrm>
+          <a:prstGeom prst="rect">
+            <a:avLst/>
+          </a:prstGeom>
+          <a:noFill/>
+          <a:extLst>
+            <a:ext uri="{909E8E84-426E-40DD-AFC4-6F175D3DCCD1}">
+              <a14:hiddenFill xmlns:a14="http://schemas.microsoft.com/office/drawing/2010/main">
                 <a:solidFill>
-                  <a:srgbClr val="4F81BD">
-                    <a:lumMod val="50000"/>
-                  </a:srgbClr>
+                  <a:srgbClr val="FFFFFF"/>
                 </a:solidFill>
-                <a:effectLst/>
-                <a:uLnTx/>
-                <a:uFillTx/>
-                <a:latin typeface="Calibri"/>
-                <a:ea typeface="+mn-ea"/>
-                <a:cs typeface="+mn-cs"/>
-              </a:rPr>
-              <a:pPr marL="0" marR="0" lvl="0" indent="0" algn="r" defTabSz="914400" rtl="0" eaLnBrk="1" fontAlgn="auto" latinLnBrk="0" hangingPunct="1">
-                <a:lnSpc>
-                  <a:spcPct val="100000"/>
-                </a:lnSpc>
-                <a:spcBef>
-                  <a:spcPts val="0"/>
-                </a:spcBef>
-                <a:spcAft>
-                  <a:spcPts val="0"/>
-                </a:spcAft>
-                <a:buClrTx/>
-                <a:buSzTx/>
-                <a:buFontTx/>
-                <a:buNone/>
-                <a:tabLst/>
-                <a:defRPr/>
-              </a:pPr>
-              <a:t>3</a:t>
-            </a:fld>
-            <a:endParaRPr kumimoji="0" lang="en-US" sz="1200" b="0" i="0" u="none" strike="noStrike" kern="1200" cap="none" spc="0" normalizeH="0" baseline="0" noProof="0">
-              <a:ln>
-                <a:noFill/>
-              </a:ln>
-              <a:solidFill>
-                <a:srgbClr val="4F81BD">
-                  <a:lumMod val="50000"/>
-                </a:srgbClr>
-              </a:solidFill>
-              <a:effectLst/>
-              <a:uLnTx/>
-              <a:uFillTx/>
-              <a:latin typeface="Calibri"/>
-              <a:ea typeface="+mn-ea"/>
-              <a:cs typeface="+mn-cs"/>
-            </a:endParaRPr>
-          </a:p>
-        </p:txBody>
-      </p:sp>
+              </a14:hiddenFill>
+            </a:ext>
+          </a:extLst>
+        </p:spPr>
+      </p:pic>
+      <p:pic>
+        <p:nvPicPr>
+          <p:cNvPr id="5" name="Picture 4" descr="computer writing technology equipment memory product flash electronics digital memories usb connection accessory portable open hard drive data transfer storage hardware tray and visible playhead external hard drive external hard disk drive hard disk drive electronic device data storage device">
+            <a:extLst>
+              <a:ext uri="{FF2B5EF4-FFF2-40B4-BE49-F238E27FC236}">
+                <a16:creationId xmlns:a16="http://schemas.microsoft.com/office/drawing/2014/main" id="{A3FE679E-9C90-42AE-B534-A9210A88D09D}"/>
+              </a:ext>
+            </a:extLst>
+          </p:cNvPr>
+          <p:cNvPicPr>
+            <a:picLocks noChangeAspect="1" noChangeArrowheads="1"/>
+          </p:cNvPicPr>
+          <p:nvPr/>
+        </p:nvPicPr>
+        <p:blipFill>
+          <a:blip r:embed="rId4" cstate="print">
+            <a:extLst>
+              <a:ext uri="{28A0092B-C50C-407E-A947-70E740481C1C}">
+                <a14:useLocalDpi xmlns:a14="http://schemas.microsoft.com/office/drawing/2010/main" val="0"/>
+              </a:ext>
+            </a:extLst>
+          </a:blip>
+          <a:srcRect/>
+          <a:stretch>
+            <a:fillRect/>
+          </a:stretch>
+        </p:blipFill>
+        <p:spPr bwMode="auto">
+          <a:xfrm>
+            <a:off x="3185576" y="4382619"/>
+            <a:ext cx="2842677" cy="2475381"/>
+          </a:xfrm>
+          <a:prstGeom prst="rect">
+            <a:avLst/>
+          </a:prstGeom>
+          <a:noFill/>
+          <a:extLst>
+            <a:ext uri="{909E8E84-426E-40DD-AFC4-6F175D3DCCD1}">
+              <a14:hiddenFill xmlns:a14="http://schemas.microsoft.com/office/drawing/2010/main">
+                <a:solidFill>
+                  <a:srgbClr val="FFFFFF"/>
+                </a:solidFill>
+              </a14:hiddenFill>
+            </a:ext>
+          </a:extLst>
+        </p:spPr>
+      </p:pic>
+      <p:pic>
+        <p:nvPicPr>
+          <p:cNvPr id="6" name="Picture 2" descr="washing machine clothes dryer major appliance home appliances">
+            <a:extLst>
+              <a:ext uri="{FF2B5EF4-FFF2-40B4-BE49-F238E27FC236}">
+                <a16:creationId xmlns:a16="http://schemas.microsoft.com/office/drawing/2014/main" id="{3E4962FF-7DC4-47C3-98AD-7177324C357B}"/>
+              </a:ext>
+            </a:extLst>
+          </p:cNvPr>
+          <p:cNvPicPr>
+            <a:picLocks noChangeAspect="1" noChangeArrowheads="1"/>
+          </p:cNvPicPr>
+          <p:nvPr/>
+        </p:nvPicPr>
+        <p:blipFill rotWithShape="1">
+          <a:blip r:embed="rId5" cstate="print">
+            <a:extLst>
+              <a:ext uri="{28A0092B-C50C-407E-A947-70E740481C1C}">
+                <a14:useLocalDpi xmlns:a14="http://schemas.microsoft.com/office/drawing/2010/main" val="0"/>
+              </a:ext>
+            </a:extLst>
+          </a:blip>
+          <a:srcRect l="4075" t="8888" b="22223"/>
+          <a:stretch/>
+        </p:blipFill>
+        <p:spPr bwMode="auto">
+          <a:xfrm>
+            <a:off x="6353175" y="4267200"/>
+            <a:ext cx="2505075" cy="2398682"/>
+          </a:xfrm>
+          <a:prstGeom prst="rect">
+            <a:avLst/>
+          </a:prstGeom>
+          <a:noFill/>
+          <a:extLst>
+            <a:ext uri="{909E8E84-426E-40DD-AFC4-6F175D3DCCD1}">
+              <a14:hiddenFill xmlns:a14="http://schemas.microsoft.com/office/drawing/2010/main">
+                <a:solidFill>
+                  <a:srgbClr val="FFFFFF"/>
+                </a:solidFill>
+              </a14:hiddenFill>
+            </a:ext>
+          </a:extLst>
+        </p:spPr>
+      </p:pic>
     </p:spTree>
     <p:extLst>
       <p:ext uri="{BB962C8B-B14F-4D97-AF65-F5344CB8AC3E}">
-        <p14:creationId xmlns:p14="http://schemas.microsoft.com/office/powerpoint/2010/main" val="91193279"/>
+        <p14:creationId xmlns:p14="http://schemas.microsoft.com/office/powerpoint/2010/main" val="1932397424"/>
       </p:ext>
     </p:extLst>
   </p:cSld>
@@ -4890,7 +4777,7 @@
                             </p:stCondLst>
                             <p:childTnLst>
                               <p:par>
-                                <p:cTn id="9" presetID="1" presetClass="entr" presetSubtype="0" fill="hold" grpId="0" nodeType="clickEffect">
+                                <p:cTn id="9" presetID="10" presetClass="entr" presetSubtype="0" fill="hold" nodeType="clickEffect">
                                   <p:stCondLst>
                                     <p:cond delay="0"/>
                                   </p:stCondLst>
@@ -4898,6 +4785,165 @@
                                     <p:set>
                                       <p:cBhvr>
                                         <p:cTn id="10" dur="1" fill="hold">
+                                          <p:stCondLst>
+                                            <p:cond delay="0"/>
+                                          </p:stCondLst>
+                                        </p:cTn>
+                                        <p:tgtEl>
+                                          <p:spTgt spid="1026"/>
+                                        </p:tgtEl>
+                                        <p:attrNameLst>
+                                          <p:attrName>style.visibility</p:attrName>
+                                        </p:attrNameLst>
+                                      </p:cBhvr>
+                                      <p:to>
+                                        <p:strVal val="visible"/>
+                                      </p:to>
+                                    </p:set>
+                                    <p:animEffect transition="in" filter="fade">
+                                      <p:cBhvr>
+                                        <p:cTn id="11" dur="500"/>
+                                        <p:tgtEl>
+                                          <p:spTgt spid="1026"/>
+                                        </p:tgtEl>
+                                      </p:cBhvr>
+                                    </p:animEffect>
+                                  </p:childTnLst>
+                                </p:cTn>
+                              </p:par>
+                            </p:childTnLst>
+                          </p:cTn>
+                        </p:par>
+                      </p:childTnLst>
+                    </p:cTn>
+                  </p:par>
+                  <p:par>
+                    <p:cTn id="12" fill="hold">
+                      <p:stCondLst>
+                        <p:cond delay="indefinite"/>
+                      </p:stCondLst>
+                      <p:childTnLst>
+                        <p:par>
+                          <p:cTn id="13" fill="hold">
+                            <p:stCondLst>
+                              <p:cond delay="0"/>
+                            </p:stCondLst>
+                            <p:childTnLst>
+                              <p:par>
+                                <p:cTn id="14" presetID="10" presetClass="entr" presetSubtype="0" fill="hold" nodeType="clickEffect">
+                                  <p:stCondLst>
+                                    <p:cond delay="0"/>
+                                  </p:stCondLst>
+                                  <p:childTnLst>
+                                    <p:set>
+                                      <p:cBhvr>
+                                        <p:cTn id="15" dur="1" fill="hold">
+                                          <p:stCondLst>
+                                            <p:cond delay="0"/>
+                                          </p:stCondLst>
+                                        </p:cTn>
+                                        <p:tgtEl>
+                                          <p:spTgt spid="5"/>
+                                        </p:tgtEl>
+                                        <p:attrNameLst>
+                                          <p:attrName>style.visibility</p:attrName>
+                                        </p:attrNameLst>
+                                      </p:cBhvr>
+                                      <p:to>
+                                        <p:strVal val="visible"/>
+                                      </p:to>
+                                    </p:set>
+                                    <p:animEffect transition="in" filter="fade">
+                                      <p:cBhvr>
+                                        <p:cTn id="16" dur="500"/>
+                                        <p:tgtEl>
+                                          <p:spTgt spid="5"/>
+                                        </p:tgtEl>
+                                      </p:cBhvr>
+                                    </p:animEffect>
+                                  </p:childTnLst>
+                                </p:cTn>
+                              </p:par>
+                            </p:childTnLst>
+                          </p:cTn>
+                        </p:par>
+                      </p:childTnLst>
+                    </p:cTn>
+                  </p:par>
+                  <p:par>
+                    <p:cTn id="17" fill="hold">
+                      <p:stCondLst>
+                        <p:cond delay="indefinite"/>
+                      </p:stCondLst>
+                      <p:childTnLst>
+                        <p:par>
+                          <p:cTn id="18" fill="hold">
+                            <p:stCondLst>
+                              <p:cond delay="0"/>
+                            </p:stCondLst>
+                            <p:childTnLst>
+                              <p:par>
+                                <p:cTn id="19" presetID="10" presetClass="entr" presetSubtype="0" fill="hold" nodeType="clickEffect">
+                                  <p:stCondLst>
+                                    <p:cond delay="0"/>
+                                  </p:stCondLst>
+                                  <p:childTnLst>
+                                    <p:set>
+                                      <p:cBhvr>
+                                        <p:cTn id="20" dur="1" fill="hold">
+                                          <p:stCondLst>
+                                            <p:cond delay="0"/>
+                                          </p:stCondLst>
+                                        </p:cTn>
+                                        <p:tgtEl>
+                                          <p:spTgt spid="6"/>
+                                        </p:tgtEl>
+                                        <p:attrNameLst>
+                                          <p:attrName>style.visibility</p:attrName>
+                                        </p:attrNameLst>
+                                      </p:cBhvr>
+                                      <p:to>
+                                        <p:strVal val="visible"/>
+                                      </p:to>
+                                    </p:set>
+                                    <p:animEffect transition="in" filter="fade">
+                                      <p:cBhvr>
+                                        <p:cTn id="21" dur="500"/>
+                                        <p:tgtEl>
+                                          <p:spTgt spid="6"/>
+                                        </p:tgtEl>
+                                      </p:cBhvr>
+                                    </p:animEffect>
+                                  </p:childTnLst>
+                                </p:cTn>
+                              </p:par>
+                            </p:childTnLst>
+                          </p:cTn>
+                        </p:par>
+                      </p:childTnLst>
+                    </p:cTn>
+                  </p:par>
+                  <p:par>
+                    <p:cTn id="22" fill="hold">
+                      <p:stCondLst>
+                        <p:cond delay="indefinite"/>
+                      </p:stCondLst>
+                      <p:childTnLst>
+                        <p:par>
+                          <p:cTn id="23" fill="hold">
+                            <p:stCondLst>
+                              <p:cond delay="0"/>
+                            </p:stCondLst>
+                            <p:childTnLst>
+                              <p:par>
+                                <p:cTn id="24" presetID="1" presetClass="entr" presetSubtype="0" fill="hold" grpId="0" nodeType="clickEffect">
+                                  <p:stCondLst>
+                                    <p:cond delay="0"/>
+                                  </p:stCondLst>
+                                  <p:childTnLst>
+                                    <p:set>
+                                      <p:cBhvr>
+                                        <p:cTn id="25" dur="1" fill="hold">
                                           <p:stCondLst>
                                             <p:cond delay="0"/>
                                           </p:stCondLst>
@@ -4927,26 +4973,26 @@
                     </p:cTn>
                   </p:par>
                   <p:par>
-                    <p:cTn id="11" fill="hold">
+                    <p:cTn id="26" fill="hold">
                       <p:stCondLst>
                         <p:cond delay="indefinite"/>
                       </p:stCondLst>
                       <p:childTnLst>
                         <p:par>
-                          <p:cTn id="12" fill="hold">
+                          <p:cTn id="27" fill="hold">
                             <p:stCondLst>
                               <p:cond delay="0"/>
                             </p:stCondLst>
                             <p:childTnLst>
                               <p:par>
-                                <p:cTn id="13" presetID="1" presetClass="entr" presetSubtype="0" fill="hold" grpId="0" nodeType="clickEffect">
+                                <p:cTn id="28" presetID="1" presetClass="entr" presetSubtype="0" fill="hold" grpId="0" nodeType="clickEffect">
                                   <p:stCondLst>
                                     <p:cond delay="0"/>
                                   </p:stCondLst>
                                   <p:childTnLst>
                                     <p:set>
                                       <p:cBhvr>
-                                        <p:cTn id="14" dur="1" fill="hold">
+                                        <p:cTn id="29" dur="1" fill="hold">
                                           <p:stCondLst>
                                             <p:cond delay="0"/>
                                           </p:stCondLst>
@@ -4955,55 +5001,6 @@
                                           <p:spTgt spid="3">
                                             <p:txEl>
                                               <p:pRg st="2" end="2"/>
-                                            </p:txEl>
-                                          </p:spTgt>
-                                        </p:tgtEl>
-                                        <p:attrNameLst>
-                                          <p:attrName>style.visibility</p:attrName>
-                                        </p:attrNameLst>
-                                      </p:cBhvr>
-                                      <p:to>
-                                        <p:strVal val="visible"/>
-                                      </p:to>
-                                    </p:set>
-                                  </p:childTnLst>
-                                </p:cTn>
-                              </p:par>
-                            </p:childTnLst>
-                          </p:cTn>
-                        </p:par>
-                      </p:childTnLst>
-                    </p:cTn>
-                  </p:par>
-                  <p:par>
-                    <p:cTn id="15" fill="hold">
-                      <p:stCondLst>
-                        <p:cond delay="indefinite"/>
-                      </p:stCondLst>
-                      <p:childTnLst>
-                        <p:par>
-                          <p:cTn id="16" fill="hold">
-                            <p:stCondLst>
-                              <p:cond delay="0"/>
-                            </p:stCondLst>
-                            <p:childTnLst>
-                              <p:par>
-                                <p:cTn id="17" presetID="1" presetClass="entr" presetSubtype="0" fill="hold" grpId="0" nodeType="clickEffect">
-                                  <p:stCondLst>
-                                    <p:cond delay="0"/>
-                                  </p:stCondLst>
-                                  <p:childTnLst>
-                                    <p:set>
-                                      <p:cBhvr>
-                                        <p:cTn id="18" dur="1" fill="hold">
-                                          <p:stCondLst>
-                                            <p:cond delay="0"/>
-                                          </p:stCondLst>
-                                        </p:cTn>
-                                        <p:tgtEl>
-                                          <p:spTgt spid="3">
-                                            <p:txEl>
-                                              <p:pRg st="3" end="3"/>
                                             </p:txEl>
                                           </p:spTgt>
                                         </p:tgtEl>
@@ -5046,578 +5043,13 @@
       </p:par>
     </p:tnLst>
     <p:bldLst>
-      <p:bldP spid="3" grpId="0" build="p"/>
+      <p:bldP spid="3" grpId="0" uiExpand="1" build="p"/>
     </p:bldLst>
   </p:timing>
 </p:sld>
 </file>
 
 <file path=ppt/slides/slide4.xml><?xml version="1.0" encoding="utf-8"?>
-<p:sld xmlns:a="http://schemas.openxmlformats.org/drawingml/2006/main" xmlns:r="http://schemas.openxmlformats.org/officeDocument/2006/relationships" xmlns:p="http://schemas.openxmlformats.org/presentationml/2006/main">
-  <p:cSld>
-    <p:spTree>
-      <p:nvGrpSpPr>
-        <p:cNvPr id="1" name=""/>
-        <p:cNvGrpSpPr/>
-        <p:nvPr/>
-      </p:nvGrpSpPr>
-      <p:grpSpPr>
-        <a:xfrm>
-          <a:off x="0" y="0"/>
-          <a:ext cx="0" cy="0"/>
-          <a:chOff x="0" y="0"/>
-          <a:chExt cx="0" cy="0"/>
-        </a:xfrm>
-      </p:grpSpPr>
-      <p:sp>
-        <p:nvSpPr>
-          <p:cNvPr id="2" name="Title 1">
-            <a:extLst>
-              <a:ext uri="{FF2B5EF4-FFF2-40B4-BE49-F238E27FC236}">
-                <a16:creationId xmlns:a16="http://schemas.microsoft.com/office/drawing/2014/main" id="{729FF1B4-342B-464B-A19C-5AF17511C42B}"/>
-              </a:ext>
-            </a:extLst>
-          </p:cNvPr>
-          <p:cNvSpPr>
-            <a:spLocks noGrp="1"/>
-          </p:cNvSpPr>
-          <p:nvPr>
-            <p:ph type="title"/>
-          </p:nvPr>
-        </p:nvSpPr>
-        <p:spPr/>
-        <p:txBody>
-          <a:bodyPr/>
-          <a:lstStyle/>
-          <a:p>
-            <a:r>
-              <a:rPr lang="en-US" dirty="0"/>
-              <a:t>Power in Translational Systems</a:t>
-            </a:r>
-          </a:p>
-        </p:txBody>
-      </p:sp>
-      <mc:AlternateContent xmlns:mc="http://schemas.openxmlformats.org/markup-compatibility/2006" xmlns:a14="http://schemas.microsoft.com/office/drawing/2010/main">
-        <mc:Choice Requires="a14">
-          <p:sp>
-            <p:nvSpPr>
-              <p:cNvPr id="3" name="Content Placeholder 2">
-                <a:extLst>
-                  <a:ext uri="{FF2B5EF4-FFF2-40B4-BE49-F238E27FC236}">
-                    <a16:creationId xmlns:a16="http://schemas.microsoft.com/office/drawing/2014/main" id="{4928666C-8925-4E91-9338-43C62A3BF668}"/>
-                  </a:ext>
-                </a:extLst>
-              </p:cNvPr>
-              <p:cNvSpPr>
-                <a:spLocks noGrp="1"/>
-              </p:cNvSpPr>
-              <p:nvPr>
-                <p:ph idx="1"/>
-              </p:nvPr>
-            </p:nvSpPr>
-            <p:spPr/>
-            <p:txBody>
-              <a:bodyPr/>
-              <a:lstStyle/>
-              <a:p>
-                <a:r>
-                  <a:rPr lang="en-US" dirty="0"/>
-                  <a:t>Expanding upon our original relationship will also lead to the following possibilities for equations</a:t>
-                </a:r>
-              </a:p>
-              <a:p>
-                <a:endParaRPr lang="en-US" dirty="0"/>
-              </a:p>
-              <a:p>
-                <a:pPr marL="0" indent="0">
-                  <a:buNone/>
-                </a:pPr>
-                <a14:m>
-                  <m:oMathPara xmlns:m="http://schemas.openxmlformats.org/officeDocument/2006/math">
-                    <m:oMathParaPr>
-                      <m:jc m:val="centerGroup"/>
-                    </m:oMathParaPr>
-                    <m:oMath xmlns:m="http://schemas.openxmlformats.org/officeDocument/2006/math">
-                      <m:sSub>
-                        <m:sSubPr>
-                          <m:ctrlPr>
-                            <a:rPr lang="en-US" i="1">
-                              <a:latin typeface="Cambria Math" panose="02040503050406030204" pitchFamily="18" charset="0"/>
-                            </a:rPr>
-                          </m:ctrlPr>
-                        </m:sSubPr>
-                        <m:e>
-                          <m:r>
-                            <a:rPr lang="en-US" i="1">
-                              <a:latin typeface="Cambria Math" panose="02040503050406030204" pitchFamily="18" charset="0"/>
-                            </a:rPr>
-                            <m:t>𝑃</m:t>
-                          </m:r>
-                        </m:e>
-                        <m:sub>
-                          <m:r>
-                            <a:rPr lang="en-US" i="1">
-                              <a:latin typeface="Cambria Math" panose="02040503050406030204" pitchFamily="18" charset="0"/>
-                            </a:rPr>
-                            <m:t>𝑎𝑣𝑒</m:t>
-                          </m:r>
-                        </m:sub>
-                      </m:sSub>
-                      <m:r>
-                        <a:rPr lang="en-US" i="1">
-                          <a:latin typeface="Cambria Math"/>
-                        </a:rPr>
-                        <m:t>= </m:t>
-                      </m:r>
-                      <m:f>
-                        <m:fPr>
-                          <m:ctrlPr>
-                            <a:rPr lang="en-US" i="1">
-                              <a:latin typeface="Cambria Math" panose="02040503050406030204" pitchFamily="18" charset="0"/>
-                            </a:rPr>
-                          </m:ctrlPr>
-                        </m:fPr>
-                        <m:num>
-                          <m:r>
-                            <a:rPr lang="en-US" i="1">
-                              <a:latin typeface="Cambria Math"/>
-                            </a:rPr>
-                            <m:t>𝑊</m:t>
-                          </m:r>
-                        </m:num>
-                        <m:den>
-                          <m:r>
-                            <a:rPr lang="en-US" i="1">
-                              <a:latin typeface="Cambria Math"/>
-                              <a:ea typeface="Cambria Math"/>
-                            </a:rPr>
-                            <m:t>𝑡</m:t>
-                          </m:r>
-                        </m:den>
-                      </m:f>
-                      <m:r>
-                        <a:rPr lang="en-US" b="0" i="1" smtClean="0">
-                          <a:latin typeface="Cambria Math" panose="02040503050406030204" pitchFamily="18" charset="0"/>
-                          <a:ea typeface="Cambria Math"/>
-                        </a:rPr>
-                        <m:t>=</m:t>
-                      </m:r>
-                      <m:f>
-                        <m:fPr>
-                          <m:ctrlPr>
-                            <a:rPr lang="en-US" i="1">
-                              <a:latin typeface="Cambria Math" panose="02040503050406030204" pitchFamily="18" charset="0"/>
-                            </a:rPr>
-                          </m:ctrlPr>
-                        </m:fPr>
-                        <m:num>
-                          <m:r>
-                            <a:rPr lang="en-US" b="0" i="1" smtClean="0">
-                              <a:latin typeface="Cambria Math" panose="02040503050406030204" pitchFamily="18" charset="0"/>
-                            </a:rPr>
-                            <m:t>𝐹</m:t>
-                          </m:r>
-                          <m:r>
-                            <a:rPr lang="en-US" b="0" i="1" smtClean="0">
-                              <a:latin typeface="Cambria Math" panose="02040503050406030204" pitchFamily="18" charset="0"/>
-                            </a:rPr>
-                            <m:t>∗</m:t>
-                          </m:r>
-                          <m:r>
-                            <a:rPr lang="en-US" b="0" i="1" smtClean="0">
-                              <a:latin typeface="Cambria Math" panose="02040503050406030204" pitchFamily="18" charset="0"/>
-                            </a:rPr>
-                            <m:t>𝑑</m:t>
-                          </m:r>
-                        </m:num>
-                        <m:den>
-                          <m:r>
-                            <a:rPr lang="en-US" i="1">
-                              <a:latin typeface="Cambria Math"/>
-                              <a:ea typeface="Cambria Math"/>
-                            </a:rPr>
-                            <m:t>𝑡</m:t>
-                          </m:r>
-                        </m:den>
-                      </m:f>
-                      <m:r>
-                        <a:rPr lang="en-US" b="0" i="1" smtClean="0">
-                          <a:latin typeface="Cambria Math" panose="02040503050406030204" pitchFamily="18" charset="0"/>
-                          <a:ea typeface="Cambria Math"/>
-                        </a:rPr>
-                        <m:t>=</m:t>
-                      </m:r>
-                      <m:r>
-                        <a:rPr lang="en-US" b="0" i="1" smtClean="0">
-                          <a:latin typeface="Cambria Math" panose="02040503050406030204" pitchFamily="18" charset="0"/>
-                          <a:ea typeface="Cambria Math"/>
-                        </a:rPr>
-                        <m:t>𝐹</m:t>
-                      </m:r>
-                      <m:r>
-                        <a:rPr lang="en-US" b="0" i="1" smtClean="0">
-                          <a:latin typeface="Cambria Math" panose="02040503050406030204" pitchFamily="18" charset="0"/>
-                          <a:ea typeface="Cambria Math"/>
-                        </a:rPr>
-                        <m:t>∗</m:t>
-                      </m:r>
-                      <m:r>
-                        <a:rPr lang="en-US" b="0" i="1" smtClean="0">
-                          <a:latin typeface="Cambria Math" panose="02040503050406030204" pitchFamily="18" charset="0"/>
-                          <a:ea typeface="Cambria Math"/>
-                        </a:rPr>
-                        <m:t>𝑣</m:t>
-                      </m:r>
-                    </m:oMath>
-                  </m:oMathPara>
-                </a14:m>
-                <a:endParaRPr lang="en-US" dirty="0"/>
-              </a:p>
-            </p:txBody>
-          </p:sp>
-        </mc:Choice>
-        <mc:Fallback xmlns="">
-          <p:sp>
-            <p:nvSpPr>
-              <p:cNvPr id="3" name="Content Placeholder 2">
-                <a:extLst>
-                  <a:ext uri="{FF2B5EF4-FFF2-40B4-BE49-F238E27FC236}">
-                    <a16:creationId xmlns:a16="http://schemas.microsoft.com/office/drawing/2014/main" id="{4928666C-8925-4E91-9338-43C62A3BF668}"/>
-                  </a:ext>
-                </a:extLst>
-              </p:cNvPr>
-              <p:cNvSpPr>
-                <a:spLocks noGrp="1" noRot="1" noChangeAspect="1" noMove="1" noResize="1" noEditPoints="1" noAdjustHandles="1" noChangeArrowheads="1" noChangeShapeType="1" noTextEdit="1"/>
-              </p:cNvSpPr>
-              <p:nvPr>
-                <p:ph idx="1"/>
-              </p:nvPr>
-            </p:nvSpPr>
-            <p:spPr>
-              <a:blipFill>
-                <a:blip r:embed="rId2"/>
-                <a:stretch>
-                  <a:fillRect l="-1704" t="-1752"/>
-                </a:stretch>
-              </a:blipFill>
-            </p:spPr>
-            <p:txBody>
-              <a:bodyPr/>
-              <a:lstStyle/>
-              <a:p>
-                <a:r>
-                  <a:rPr lang="en-US">
-                    <a:noFill/>
-                  </a:rPr>
-                  <a:t> </a:t>
-                </a:r>
-              </a:p>
-            </p:txBody>
-          </p:sp>
-        </mc:Fallback>
-      </mc:AlternateContent>
-    </p:spTree>
-    <p:extLst>
-      <p:ext uri="{BB962C8B-B14F-4D97-AF65-F5344CB8AC3E}">
-        <p14:creationId xmlns:p14="http://schemas.microsoft.com/office/powerpoint/2010/main" val="1980806417"/>
-      </p:ext>
-    </p:extLst>
-  </p:cSld>
-  <p:clrMapOvr>
-    <a:masterClrMapping/>
-  </p:clrMapOvr>
-</p:sld>
-</file>
-
-<file path=ppt/slides/slide5.xml><?xml version="1.0" encoding="utf-8"?>
-<p:sld xmlns:a="http://schemas.openxmlformats.org/drawingml/2006/main" xmlns:r="http://schemas.openxmlformats.org/officeDocument/2006/relationships" xmlns:p="http://schemas.openxmlformats.org/presentationml/2006/main">
-  <p:cSld>
-    <p:spTree>
-      <p:nvGrpSpPr>
-        <p:cNvPr id="1" name=""/>
-        <p:cNvGrpSpPr/>
-        <p:nvPr/>
-      </p:nvGrpSpPr>
-      <p:grpSpPr>
-        <a:xfrm>
-          <a:off x="0" y="0"/>
-          <a:ext cx="0" cy="0"/>
-          <a:chOff x="0" y="0"/>
-          <a:chExt cx="0" cy="0"/>
-        </a:xfrm>
-      </p:grpSpPr>
-      <p:sp>
-        <p:nvSpPr>
-          <p:cNvPr id="2" name="Title 1">
-            <a:extLst>
-              <a:ext uri="{FF2B5EF4-FFF2-40B4-BE49-F238E27FC236}">
-                <a16:creationId xmlns:a16="http://schemas.microsoft.com/office/drawing/2014/main" id="{E68037E5-2E9E-42F8-8C8A-DCA6717BFE2A}"/>
-              </a:ext>
-            </a:extLst>
-          </p:cNvPr>
-          <p:cNvSpPr>
-            <a:spLocks noGrp="1"/>
-          </p:cNvSpPr>
-          <p:nvPr>
-            <p:ph type="title"/>
-          </p:nvPr>
-        </p:nvSpPr>
-        <p:spPr/>
-        <p:txBody>
-          <a:bodyPr/>
-          <a:lstStyle/>
-          <a:p>
-            <a:r>
-              <a:rPr lang="en-US" dirty="0"/>
-              <a:t>Power in Rotational Systems</a:t>
-            </a:r>
-          </a:p>
-        </p:txBody>
-      </p:sp>
-      <mc:AlternateContent xmlns:mc="http://schemas.openxmlformats.org/markup-compatibility/2006" xmlns:a14="http://schemas.microsoft.com/office/drawing/2010/main">
-        <mc:Choice Requires="a14">
-          <p:sp>
-            <p:nvSpPr>
-              <p:cNvPr id="3" name="Content Placeholder 2">
-                <a:extLst>
-                  <a:ext uri="{FF2B5EF4-FFF2-40B4-BE49-F238E27FC236}">
-                    <a16:creationId xmlns:a16="http://schemas.microsoft.com/office/drawing/2014/main" id="{3063C4C6-82CF-4CA3-8EB8-F5178B37CEB6}"/>
-                  </a:ext>
-                </a:extLst>
-              </p:cNvPr>
-              <p:cNvSpPr>
-                <a:spLocks noGrp="1"/>
-              </p:cNvSpPr>
-              <p:nvPr>
-                <p:ph idx="1"/>
-              </p:nvPr>
-            </p:nvSpPr>
-            <p:spPr/>
-            <p:txBody>
-              <a:bodyPr/>
-              <a:lstStyle/>
-              <a:p>
-                <a:r>
-                  <a:rPr lang="en-US" dirty="0"/>
-                  <a:t>In rotational system we will use moments, angular displacements (in radians), and angular velocities in place of forces, displacements, and velocities. </a:t>
-                </a:r>
-              </a:p>
-              <a:p>
-                <a:pPr marL="0" indent="0">
-                  <a:buNone/>
-                </a:pPr>
-                <a:endParaRPr lang="en-US" dirty="0"/>
-              </a:p>
-              <a:p>
-                <a:pPr marL="0" indent="0">
-                  <a:buNone/>
-                </a:pPr>
-                <a14:m>
-                  <m:oMathPara xmlns:m="http://schemas.openxmlformats.org/officeDocument/2006/math">
-                    <m:oMathParaPr>
-                      <m:jc m:val="centerGroup"/>
-                    </m:oMathParaPr>
-                    <m:oMath xmlns:m="http://schemas.openxmlformats.org/officeDocument/2006/math">
-                      <m:sSub>
-                        <m:sSubPr>
-                          <m:ctrlPr>
-                            <a:rPr lang="en-US" i="1">
-                              <a:latin typeface="Cambria Math" panose="02040503050406030204" pitchFamily="18" charset="0"/>
-                            </a:rPr>
-                          </m:ctrlPr>
-                        </m:sSubPr>
-                        <m:e>
-                          <m:r>
-                            <a:rPr lang="en-US" i="1">
-                              <a:latin typeface="Cambria Math" panose="02040503050406030204" pitchFamily="18" charset="0"/>
-                            </a:rPr>
-                            <m:t>𝑃</m:t>
-                          </m:r>
-                        </m:e>
-                        <m:sub>
-                          <m:r>
-                            <a:rPr lang="en-US" i="1">
-                              <a:latin typeface="Cambria Math" panose="02040503050406030204" pitchFamily="18" charset="0"/>
-                            </a:rPr>
-                            <m:t>𝑎𝑣𝑒</m:t>
-                          </m:r>
-                        </m:sub>
-                      </m:sSub>
-                      <m:r>
-                        <a:rPr lang="en-US" i="1">
-                          <a:latin typeface="Cambria Math"/>
-                        </a:rPr>
-                        <m:t>= </m:t>
-                      </m:r>
-                      <m:f>
-                        <m:fPr>
-                          <m:ctrlPr>
-                            <a:rPr lang="en-US" i="1">
-                              <a:latin typeface="Cambria Math" panose="02040503050406030204" pitchFamily="18" charset="0"/>
-                            </a:rPr>
-                          </m:ctrlPr>
-                        </m:fPr>
-                        <m:num>
-                          <m:r>
-                            <a:rPr lang="en-US" i="1">
-                              <a:latin typeface="Cambria Math"/>
-                            </a:rPr>
-                            <m:t>𝑊</m:t>
-                          </m:r>
-                        </m:num>
-                        <m:den>
-                          <m:r>
-                            <a:rPr lang="en-US" i="1">
-                              <a:latin typeface="Cambria Math"/>
-                              <a:ea typeface="Cambria Math"/>
-                            </a:rPr>
-                            <m:t>𝑡</m:t>
-                          </m:r>
-                        </m:den>
-                      </m:f>
-                      <m:r>
-                        <a:rPr lang="en-US" i="1">
-                          <a:latin typeface="Cambria Math" panose="02040503050406030204" pitchFamily="18" charset="0"/>
-                          <a:ea typeface="Cambria Math"/>
-                        </a:rPr>
-                        <m:t>=</m:t>
-                      </m:r>
-                      <m:f>
-                        <m:fPr>
-                          <m:ctrlPr>
-                            <a:rPr lang="en-US" i="1">
-                              <a:latin typeface="Cambria Math" panose="02040503050406030204" pitchFamily="18" charset="0"/>
-                            </a:rPr>
-                          </m:ctrlPr>
-                        </m:fPr>
-                        <m:num>
-                          <m:r>
-                            <a:rPr lang="en-US" b="0" i="1" smtClean="0">
-                              <a:latin typeface="Cambria Math" panose="02040503050406030204" pitchFamily="18" charset="0"/>
-                            </a:rPr>
-                            <m:t>𝑀</m:t>
-                          </m:r>
-                          <m:r>
-                            <a:rPr lang="en-US" i="1">
-                              <a:latin typeface="Cambria Math" panose="02040503050406030204" pitchFamily="18" charset="0"/>
-                            </a:rPr>
-                            <m:t>∗</m:t>
-                          </m:r>
-                          <m:r>
-                            <a:rPr lang="en-US" i="1" smtClean="0">
-                              <a:latin typeface="Cambria Math" panose="02040503050406030204" pitchFamily="18" charset="0"/>
-                              <a:ea typeface="Cambria Math" panose="02040503050406030204" pitchFamily="18" charset="0"/>
-                            </a:rPr>
-                            <m:t>∆</m:t>
-                          </m:r>
-                          <m:r>
-                            <a:rPr lang="en-US" i="1" smtClean="0">
-                              <a:latin typeface="Cambria Math" panose="02040503050406030204" pitchFamily="18" charset="0"/>
-                              <a:ea typeface="Cambria Math" panose="02040503050406030204" pitchFamily="18" charset="0"/>
-                            </a:rPr>
-                            <m:t>𝜃</m:t>
-                          </m:r>
-                        </m:num>
-                        <m:den>
-                          <m:r>
-                            <a:rPr lang="en-US" i="1">
-                              <a:latin typeface="Cambria Math"/>
-                              <a:ea typeface="Cambria Math"/>
-                            </a:rPr>
-                            <m:t>𝑡</m:t>
-                          </m:r>
-                        </m:den>
-                      </m:f>
-                      <m:r>
-                        <a:rPr lang="en-US" i="1">
-                          <a:latin typeface="Cambria Math" panose="02040503050406030204" pitchFamily="18" charset="0"/>
-                          <a:ea typeface="Cambria Math"/>
-                        </a:rPr>
-                        <m:t>=</m:t>
-                      </m:r>
-                      <m:r>
-                        <a:rPr lang="en-US" b="0" i="1" smtClean="0">
-                          <a:latin typeface="Cambria Math" panose="02040503050406030204" pitchFamily="18" charset="0"/>
-                          <a:ea typeface="Cambria Math"/>
-                        </a:rPr>
-                        <m:t>𝑀</m:t>
-                      </m:r>
-                      <m:r>
-                        <a:rPr lang="en-US" i="1">
-                          <a:latin typeface="Cambria Math" panose="02040503050406030204" pitchFamily="18" charset="0"/>
-                          <a:ea typeface="Cambria Math"/>
-                        </a:rPr>
-                        <m:t>∗</m:t>
-                      </m:r>
-                      <m:r>
-                        <a:rPr lang="en-US" i="1" smtClean="0">
-                          <a:latin typeface="Cambria Math" panose="02040503050406030204" pitchFamily="18" charset="0"/>
-                          <a:ea typeface="Cambria Math" panose="02040503050406030204" pitchFamily="18" charset="0"/>
-                        </a:rPr>
-                        <m:t>𝜔</m:t>
-                      </m:r>
-                    </m:oMath>
-                  </m:oMathPara>
-                </a14:m>
-                <a:endParaRPr lang="en-US" dirty="0"/>
-              </a:p>
-            </p:txBody>
-          </p:sp>
-        </mc:Choice>
-        <mc:Fallback xmlns="">
-          <p:sp>
-            <p:nvSpPr>
-              <p:cNvPr id="3" name="Content Placeholder 2">
-                <a:extLst>
-                  <a:ext uri="{FF2B5EF4-FFF2-40B4-BE49-F238E27FC236}">
-                    <a16:creationId xmlns:a16="http://schemas.microsoft.com/office/drawing/2014/main" id="{3063C4C6-82CF-4CA3-8EB8-F5178B37CEB6}"/>
-                  </a:ext>
-                </a:extLst>
-              </p:cNvPr>
-              <p:cNvSpPr>
-                <a:spLocks noGrp="1" noRot="1" noChangeAspect="1" noMove="1" noResize="1" noEditPoints="1" noAdjustHandles="1" noChangeArrowheads="1" noChangeShapeType="1" noTextEdit="1"/>
-              </p:cNvSpPr>
-              <p:nvPr>
-                <p:ph idx="1"/>
-              </p:nvPr>
-            </p:nvSpPr>
-            <p:spPr>
-              <a:blipFill>
-                <a:blip r:embed="rId2"/>
-                <a:stretch>
-                  <a:fillRect l="-1704" t="-1752"/>
-                </a:stretch>
-              </a:blipFill>
-            </p:spPr>
-            <p:txBody>
-              <a:bodyPr/>
-              <a:lstStyle/>
-              <a:p>
-                <a:r>
-                  <a:rPr lang="en-US">
-                    <a:noFill/>
-                  </a:rPr>
-                  <a:t> </a:t>
-                </a:r>
-              </a:p>
-            </p:txBody>
-          </p:sp>
-        </mc:Fallback>
-      </mc:AlternateContent>
-    </p:spTree>
-    <p:extLst>
-      <p:ext uri="{BB962C8B-B14F-4D97-AF65-F5344CB8AC3E}">
-        <p14:creationId xmlns:p14="http://schemas.microsoft.com/office/powerpoint/2010/main" val="3687196904"/>
-      </p:ext>
-    </p:extLst>
-  </p:cSld>
-  <p:clrMapOvr>
-    <a:masterClrMapping/>
-  </p:clrMapOvr>
-</p:sld>
-</file>
-
-<file path=ppt/slides/slide6.xml><?xml version="1.0" encoding="utf-8"?>
 <p:sld xmlns:a="http://schemas.openxmlformats.org/drawingml/2006/main" xmlns:r="http://schemas.openxmlformats.org/officeDocument/2006/relationships" xmlns:p="http://schemas.openxmlformats.org/presentationml/2006/main">
   <p:cSld>
     <p:spTree>
@@ -5646,18 +5078,20 @@
         </p:nvSpPr>
         <p:spPr/>
         <p:txBody>
-          <a:bodyPr/>
+          <a:bodyPr>
+            <a:normAutofit fontScale="90000"/>
+          </a:bodyPr>
           <a:lstStyle/>
           <a:p>
             <a:r>
               <a:rPr lang="en-US" dirty="0"/>
-              <a:t>Power Units</a:t>
+              <a:t>Balanced Fixed Axis Rotation Systems</a:t>
             </a:r>
           </a:p>
         </p:txBody>
       </p:sp>
-      <mc:AlternateContent xmlns:mc="http://schemas.openxmlformats.org/markup-compatibility/2006" xmlns:a14="http://schemas.microsoft.com/office/drawing/2010/main">
-        <mc:Choice Requires="a14">
+      <mc:AlternateContent xmlns:mc="http://schemas.openxmlformats.org/markup-compatibility/2006">
+        <mc:Choice xmlns:a14="http://schemas.microsoft.com/office/drawing/2010/main" Requires="a14">
           <p:sp>
             <p:nvSpPr>
               <p:cNvPr id="3" name="Content Placeholder 2"/>
@@ -5668,20 +5102,29 @@
                 <p:ph idx="1"/>
               </p:nvPr>
             </p:nvSpPr>
-            <p:spPr/>
+            <p:spPr>
+              <a:xfrm>
+                <a:off x="457200" y="1600200"/>
+                <a:ext cx="6172200" cy="4800600"/>
+              </a:xfrm>
+            </p:spPr>
             <p:txBody>
-              <a:bodyPr/>
+              <a:bodyPr>
+                <a:normAutofit fontScale="55000" lnSpcReduction="20000"/>
+              </a:bodyPr>
               <a:lstStyle/>
               <a:p>
                 <a:r>
                   <a:rPr lang="en-US" dirty="0"/>
-                  <a:t>The units of power generally are a unit force times a unit distance per unit time.</a:t>
+                  <a:t>In instances where a body is rotating about some </a:t>
                 </a:r>
-              </a:p>
-              <a:p>
+                <a:r>
+                  <a:rPr lang="en-US" b="1" dirty="0"/>
+                  <a:t>fixed axis at its center of mass</a:t>
+                </a:r>
                 <a:r>
                   <a:rPr lang="en-US" dirty="0"/>
-                  <a:t>In the metric system...</a:t>
+                  <a:t>, we will have moments and angular accelerations at play while the sum of the forces will be equal to zero.</a:t>
                 </a:r>
               </a:p>
               <a:p>
@@ -5694,96 +5137,57 @@
                       <m:jc m:val="centerGroup"/>
                     </m:oMathParaPr>
                     <m:oMath xmlns:m="http://schemas.openxmlformats.org/officeDocument/2006/math">
-                      <m:r>
-                        <a:rPr lang="en-US" b="0" i="1" smtClean="0">
-                          <a:latin typeface="Cambria Math"/>
-                        </a:rPr>
-                        <m:t>𝑊𝑎𝑡𝑡</m:t>
-                      </m:r>
-                      <m:r>
-                        <a:rPr lang="en-US" b="0" i="1" smtClean="0">
-                          <a:latin typeface="Cambria Math"/>
-                        </a:rPr>
-                        <m:t>=</m:t>
-                      </m:r>
-                      <m:r>
-                        <a:rPr lang="en-US" b="0" i="1" smtClean="0">
-                          <a:latin typeface="Cambria Math"/>
-                        </a:rPr>
-                        <m:t>𝑊</m:t>
-                      </m:r>
-                      <m:r>
-                        <a:rPr lang="en-US" b="0" i="1" smtClean="0">
-                          <a:latin typeface="Cambria Math"/>
-                        </a:rPr>
-                        <m:t>=1</m:t>
-                      </m:r>
-                      <m:f>
-                        <m:fPr>
+                      <m:nary>
+                        <m:naryPr>
+                          <m:chr m:val="∑"/>
+                          <m:subHide m:val="on"/>
+                          <m:supHide m:val="on"/>
                           <m:ctrlPr>
-                            <a:rPr lang="en-US" b="0" i="1" smtClean="0">
+                            <a:rPr lang="en-US" sz="3800" b="0" i="1" smtClean="0">
                               <a:latin typeface="Cambria Math" panose="02040503050406030204" pitchFamily="18" charset="0"/>
                             </a:rPr>
                           </m:ctrlPr>
-                        </m:fPr>
-                        <m:num>
-                          <m:r>
-                            <a:rPr lang="en-US" b="0" i="1" smtClean="0">
-                              <a:latin typeface="Cambria Math"/>
-                            </a:rPr>
-                            <m:t>𝐽</m:t>
-                          </m:r>
-                        </m:num>
-                        <m:den>
-                          <m:r>
-                            <a:rPr lang="en-US" b="0" i="1" smtClean="0">
-                              <a:latin typeface="Cambria Math"/>
-                            </a:rPr>
-                            <m:t>𝑠</m:t>
-                          </m:r>
-                        </m:den>
-                      </m:f>
+                        </m:naryPr>
+                        <m:sub/>
+                        <m:sup/>
+                        <m:e>
+                          <m:sSub>
+                            <m:sSubPr>
+                              <m:ctrlPr>
+                                <a:rPr lang="en-US" sz="3800" b="0" i="1" smtClean="0">
+                                  <a:latin typeface="Cambria Math" panose="02040503050406030204" pitchFamily="18" charset="0"/>
+                                </a:rPr>
+                              </m:ctrlPr>
+                            </m:sSubPr>
+                            <m:e>
+                              <m:r>
+                                <a:rPr lang="en-US" sz="3800" b="0" i="1" smtClean="0">
+                                  <a:latin typeface="Cambria Math" panose="02040503050406030204" pitchFamily="18" charset="0"/>
+                                </a:rPr>
+                                <m:t>𝐹</m:t>
+                              </m:r>
+                            </m:e>
+                            <m:sub>
+                              <m:r>
+                                <a:rPr lang="en-US" sz="3800" b="0" i="1" smtClean="0">
+                                  <a:latin typeface="Cambria Math" panose="02040503050406030204" pitchFamily="18" charset="0"/>
+                                </a:rPr>
+                                <m:t>𝑥</m:t>
+                              </m:r>
+                            </m:sub>
+                          </m:sSub>
+                        </m:e>
+                      </m:nary>
                       <m:r>
-                        <a:rPr lang="en-US" b="0" i="1" smtClean="0">
-                          <a:latin typeface="Cambria Math"/>
+                        <a:rPr lang="en-US" sz="3800" b="0" i="1" smtClean="0">
+                          <a:latin typeface="Cambria Math" panose="02040503050406030204" pitchFamily="18" charset="0"/>
                         </a:rPr>
-                        <m:t>=1</m:t>
+                        <m:t>=0</m:t>
                       </m:r>
-                      <m:f>
-                        <m:fPr>
-                          <m:ctrlPr>
-                            <a:rPr lang="en-US" b="0" i="1" smtClean="0">
-                              <a:latin typeface="Cambria Math" panose="02040503050406030204" pitchFamily="18" charset="0"/>
-                            </a:rPr>
-                          </m:ctrlPr>
-                        </m:fPr>
-                        <m:num>
-                          <m:r>
-                            <a:rPr lang="en-US" b="0" i="1" smtClean="0">
-                              <a:latin typeface="Cambria Math"/>
-                            </a:rPr>
-                            <m:t>𝑁𝑚</m:t>
-                          </m:r>
-                        </m:num>
-                        <m:den>
-                          <m:r>
-                            <a:rPr lang="en-US" b="0" i="1" smtClean="0">
-                              <a:latin typeface="Cambria Math"/>
-                            </a:rPr>
-                            <m:t>𝑠</m:t>
-                          </m:r>
-                        </m:den>
-                      </m:f>
                     </m:oMath>
                   </m:oMathPara>
                 </a14:m>
-                <a:endParaRPr lang="en-US" dirty="0"/>
-              </a:p>
-              <a:p>
-                <a:r>
-                  <a:rPr lang="en-US" dirty="0"/>
-                  <a:t>In the English system...</a:t>
-                </a:r>
+                <a:endParaRPr lang="en-US" sz="3800" dirty="0"/>
               </a:p>
               <a:p>
                 <a:pPr marL="457200" lvl="1" indent="0">
@@ -5795,94 +5199,191 @@
                       <m:jc m:val="centerGroup"/>
                     </m:oMathParaPr>
                     <m:oMath xmlns:m="http://schemas.openxmlformats.org/officeDocument/2006/math">
+                      <m:nary>
+                        <m:naryPr>
+                          <m:chr m:val="∑"/>
+                          <m:subHide m:val="on"/>
+                          <m:supHide m:val="on"/>
+                          <m:ctrlPr>
+                            <a:rPr lang="en-US" sz="3800" i="1" smtClean="0">
+                              <a:latin typeface="Cambria Math" panose="02040503050406030204" pitchFamily="18" charset="0"/>
+                            </a:rPr>
+                          </m:ctrlPr>
+                        </m:naryPr>
+                        <m:sub/>
+                        <m:sup/>
+                        <m:e>
+                          <m:sSub>
+                            <m:sSubPr>
+                              <m:ctrlPr>
+                                <a:rPr lang="en-US" sz="3800" i="1">
+                                  <a:latin typeface="Cambria Math" panose="02040503050406030204" pitchFamily="18" charset="0"/>
+                                </a:rPr>
+                              </m:ctrlPr>
+                            </m:sSubPr>
+                            <m:e>
+                              <m:r>
+                                <a:rPr lang="en-US" sz="3800" i="1">
+                                  <a:latin typeface="Cambria Math" panose="02040503050406030204" pitchFamily="18" charset="0"/>
+                                </a:rPr>
+                                <m:t>𝐹</m:t>
+                              </m:r>
+                            </m:e>
+                            <m:sub>
+                              <m:r>
+                                <a:rPr lang="en-US" sz="3800" b="0" i="1" smtClean="0">
+                                  <a:latin typeface="Cambria Math" panose="02040503050406030204" pitchFamily="18" charset="0"/>
+                                </a:rPr>
+                                <m:t>𝑦</m:t>
+                              </m:r>
+                            </m:sub>
+                          </m:sSub>
+                        </m:e>
+                      </m:nary>
                       <m:r>
-                        <a:rPr lang="en-US" b="0" i="1" smtClean="0">
-                          <a:latin typeface="Cambria Math"/>
-                        </a:rPr>
-                        <m:t>𝐻𝑜𝑟𝑠𝑒𝑝𝑜𝑤𝑒𝑟</m:t>
-                      </m:r>
-                      <m:r>
-                        <a:rPr lang="en-US" i="1">
-                          <a:latin typeface="Cambria Math"/>
+                        <a:rPr lang="en-US" sz="3800" i="1">
+                          <a:latin typeface="Cambria Math" panose="02040503050406030204" pitchFamily="18" charset="0"/>
                         </a:rPr>
                         <m:t>=</m:t>
                       </m:r>
                       <m:r>
-                        <a:rPr lang="en-US" b="0" i="1" smtClean="0">
-                          <a:latin typeface="Cambria Math"/>
+                        <a:rPr lang="en-US" sz="3800" i="1" smtClean="0">
+                          <a:latin typeface="Cambria Math" panose="02040503050406030204" pitchFamily="18" charset="0"/>
                         </a:rPr>
-                        <m:t>h𝑝</m:t>
+                        <m:t>0</m:t>
                       </m:r>
-                      <m:r>
-                        <a:rPr lang="en-US" i="1">
-                          <a:latin typeface="Cambria Math"/>
-                        </a:rPr>
-                        <m:t>=</m:t>
-                      </m:r>
-                      <m:r>
-                        <a:rPr lang="en-US" b="0" i="1" smtClean="0">
-                          <a:latin typeface="Cambria Math"/>
-                        </a:rPr>
-                        <m:t>550</m:t>
-                      </m:r>
-                      <m:f>
-                        <m:fPr>
-                          <m:ctrlPr>
-                            <a:rPr lang="en-US" i="1">
-                              <a:latin typeface="Cambria Math" panose="02040503050406030204" pitchFamily="18" charset="0"/>
-                            </a:rPr>
-                          </m:ctrlPr>
-                        </m:fPr>
-                        <m:num>
-                          <m:r>
-                            <a:rPr lang="en-US" b="0" i="1" smtClean="0">
-                              <a:latin typeface="Cambria Math"/>
-                            </a:rPr>
-                            <m:t>𝑓𝑡</m:t>
-                          </m:r>
-                          <m:r>
-                            <a:rPr lang="en-US" b="0" i="1" smtClean="0">
-                              <a:latin typeface="Cambria Math"/>
-                            </a:rPr>
-                            <m:t> </m:t>
-                          </m:r>
-                          <m:r>
-                            <a:rPr lang="en-US" b="0" i="1" smtClean="0">
-                              <a:latin typeface="Cambria Math"/>
-                            </a:rPr>
-                            <m:t>𝑙𝑏</m:t>
-                          </m:r>
-                        </m:num>
-                        <m:den>
-                          <m:r>
-                            <a:rPr lang="en-US" i="1">
-                              <a:latin typeface="Cambria Math"/>
-                            </a:rPr>
-                            <m:t>𝑠</m:t>
-                          </m:r>
-                        </m:den>
-                      </m:f>
                     </m:oMath>
                   </m:oMathPara>
                 </a14:m>
-                <a:endParaRPr lang="en-US" dirty="0"/>
+                <a:endParaRPr lang="en-US" sz="3800" i="1" dirty="0">
+                  <a:latin typeface="Cambria Math" panose="02040503050406030204" pitchFamily="18" charset="0"/>
+                </a:endParaRPr>
               </a:p>
               <a:p>
                 <a:pPr marL="457200" lvl="1" indent="0">
                   <a:buNone/>
                 </a:pPr>
-                <a:endParaRPr lang="en-US" dirty="0"/>
+                <a14:m>
+                  <m:oMathPara xmlns:m="http://schemas.openxmlformats.org/officeDocument/2006/math">
+                    <m:oMathParaPr>
+                      <m:jc m:val="centerGroup"/>
+                    </m:oMathParaPr>
+                    <m:oMath xmlns:m="http://schemas.openxmlformats.org/officeDocument/2006/math">
+                      <m:nary>
+                        <m:naryPr>
+                          <m:chr m:val="∑"/>
+                          <m:subHide m:val="on"/>
+                          <m:supHide m:val="on"/>
+                          <m:ctrlPr>
+                            <a:rPr lang="en-US" sz="4000" i="1" smtClean="0">
+                              <a:latin typeface="Cambria Math" panose="02040503050406030204" pitchFamily="18" charset="0"/>
+                            </a:rPr>
+                          </m:ctrlPr>
+                        </m:naryPr>
+                        <m:sub/>
+                        <m:sup/>
+                        <m:e>
+                          <m:sSub>
+                            <m:sSubPr>
+                              <m:ctrlPr>
+                                <a:rPr lang="en-US" sz="4000" b="0" i="1" smtClean="0">
+                                  <a:latin typeface="Cambria Math" panose="02040503050406030204" pitchFamily="18" charset="0"/>
+                                </a:rPr>
+                              </m:ctrlPr>
+                            </m:sSubPr>
+                            <m:e>
+                              <m:r>
+                                <a:rPr lang="en-US" sz="4000" b="0" i="1" smtClean="0">
+                                  <a:latin typeface="Cambria Math" panose="02040503050406030204" pitchFamily="18" charset="0"/>
+                                </a:rPr>
+                                <m:t>𝑀</m:t>
+                              </m:r>
+                            </m:e>
+                            <m:sub>
+                              <m:r>
+                                <a:rPr lang="en-US" sz="4000" b="0" i="1" smtClean="0">
+                                  <a:latin typeface="Cambria Math" panose="02040503050406030204" pitchFamily="18" charset="0"/>
+                                </a:rPr>
+                                <m:t>𝑂</m:t>
+                              </m:r>
+                            </m:sub>
+                          </m:sSub>
+                        </m:e>
+                      </m:nary>
+                      <m:r>
+                        <a:rPr lang="en-US" sz="4000" i="1">
+                          <a:latin typeface="Cambria Math" panose="02040503050406030204" pitchFamily="18" charset="0"/>
+                        </a:rPr>
+                        <m:t>=</m:t>
+                      </m:r>
+                      <m:sSub>
+                        <m:sSubPr>
+                          <m:ctrlPr>
+                            <a:rPr lang="en-US" sz="4000" i="1" smtClean="0">
+                              <a:latin typeface="Cambria Math" panose="02040503050406030204" pitchFamily="18" charset="0"/>
+                            </a:rPr>
+                          </m:ctrlPr>
+                        </m:sSubPr>
+                        <m:e>
+                          <m:r>
+                            <a:rPr lang="en-US" sz="4000" b="0" i="1" smtClean="0">
+                              <a:latin typeface="Cambria Math" panose="02040503050406030204" pitchFamily="18" charset="0"/>
+                            </a:rPr>
+                            <m:t>𝐼</m:t>
+                          </m:r>
+                        </m:e>
+                        <m:sub>
+                          <m:r>
+                            <a:rPr lang="en-US" sz="4000" b="0" i="1" smtClean="0">
+                              <a:latin typeface="Cambria Math" panose="02040503050406030204" pitchFamily="18" charset="0"/>
+                            </a:rPr>
+                            <m:t>𝑂</m:t>
+                          </m:r>
+                        </m:sub>
+                      </m:sSub>
+                      <m:r>
+                        <a:rPr lang="en-US" sz="4000" b="0" i="1" smtClean="0">
+                          <a:latin typeface="Cambria Math" panose="02040503050406030204" pitchFamily="18" charset="0"/>
+                        </a:rPr>
+                        <m:t>∗</m:t>
+                      </m:r>
+                      <m:r>
+                        <a:rPr lang="en-US" sz="4000" i="1" smtClean="0">
+                          <a:latin typeface="Cambria Math" panose="02040503050406030204" pitchFamily="18" charset="0"/>
+                          <a:ea typeface="Cambria Math" panose="02040503050406030204" pitchFamily="18" charset="0"/>
+                        </a:rPr>
+                        <m:t>𝛼</m:t>
+                      </m:r>
+                    </m:oMath>
+                  </m:oMathPara>
+                </a14:m>
+                <a:endParaRPr lang="en-US" sz="4000" dirty="0"/>
               </a:p>
               <a:p>
-                <a:pPr marL="457200" lvl="1" indent="0">
-                  <a:buNone/>
-                </a:pPr>
-                <a:endParaRPr lang="en-US" dirty="0"/>
+                <a:r>
+                  <a:rPr lang="en-US" dirty="0"/>
+                  <a:t>In instances of balanced fixed axis rotation, we can sum the moments about the </a:t>
+                </a:r>
+                <a:r>
+                  <a:rPr lang="en-US" b="1" dirty="0"/>
+                  <a:t>fixed axis</a:t>
+                </a:r>
+                <a:r>
+                  <a:rPr lang="en-US" dirty="0"/>
+                  <a:t> of rotation (which is also the center of mass).</a:t>
+                </a:r>
+              </a:p>
+              <a:p>
+                <a:pPr lvl="1"/>
+                <a:r>
+                  <a:rPr lang="en-US" dirty="0"/>
+                  <a:t>Make sure both the moments and the mass moment of inertia are taken about this point.</a:t>
+                </a:r>
               </a:p>
             </p:txBody>
           </p:sp>
         </mc:Choice>
-        <mc:Fallback xmlns="">
+        <mc:Fallback>
           <p:sp>
             <p:nvSpPr>
               <p:cNvPr id="3" name="Content Placeholder 2"/>
@@ -5894,10 +5395,14 @@
               </p:nvPr>
             </p:nvSpPr>
             <p:spPr>
-              <a:blipFill rotWithShape="1">
+              <a:xfrm>
+                <a:off x="457200" y="1600200"/>
+                <a:ext cx="6172200" cy="4800600"/>
+              </a:xfrm>
+              <a:blipFill>
                 <a:blip r:embed="rId2"/>
                 <a:stretch>
-                  <a:fillRect l="-1630" t="-1752"/>
+                  <a:fillRect l="-592" t="-1779"/>
                 </a:stretch>
               </a:blipFill>
             </p:spPr>
@@ -5916,97 +5421,1988 @@
           </p:sp>
         </mc:Fallback>
       </mc:AlternateContent>
+      <p:pic>
+        <p:nvPicPr>
+          <p:cNvPr id="4" name="Picture 2" descr="A pitching machine">
+            <a:extLst>
+              <a:ext uri="{FF2B5EF4-FFF2-40B4-BE49-F238E27FC236}">
+                <a16:creationId xmlns:a16="http://schemas.microsoft.com/office/drawing/2014/main" id="{C224D263-7330-441C-AF94-55152C9424AB}"/>
+              </a:ext>
+            </a:extLst>
+          </p:cNvPr>
+          <p:cNvPicPr>
+            <a:picLocks noChangeAspect="1" noChangeArrowheads="1"/>
+          </p:cNvPicPr>
+          <p:nvPr/>
+        </p:nvPicPr>
+        <p:blipFill>
+          <a:blip r:embed="rId3">
+            <a:extLst>
+              <a:ext uri="{28A0092B-C50C-407E-A947-70E740481C1C}">
+                <a14:useLocalDpi xmlns:a14="http://schemas.microsoft.com/office/drawing/2010/main" val="0"/>
+              </a:ext>
+            </a:extLst>
+          </a:blip>
+          <a:srcRect/>
+          <a:stretch>
+            <a:fillRect/>
+          </a:stretch>
+        </p:blipFill>
+        <p:spPr bwMode="auto">
+          <a:xfrm>
+            <a:off x="6477000" y="2058272"/>
+            <a:ext cx="2639458" cy="1752600"/>
+          </a:xfrm>
+          <a:prstGeom prst="rect">
+            <a:avLst/>
+          </a:prstGeom>
+          <a:noFill/>
+          <a:extLst>
+            <a:ext uri="{909E8E84-426E-40DD-AFC4-6F175D3DCCD1}">
+              <a14:hiddenFill xmlns:a14="http://schemas.microsoft.com/office/drawing/2010/main">
+                <a:solidFill>
+                  <a:srgbClr val="FFFFFF"/>
+                </a:solidFill>
+              </a14:hiddenFill>
+            </a:ext>
+          </a:extLst>
+        </p:spPr>
+      </p:pic>
+      <p:pic>
+        <p:nvPicPr>
+          <p:cNvPr id="5" name="Picture 4" descr="computer writing technology equipment memory product flash electronics digital memories usb connection accessory portable open hard drive data transfer storage hardware tray and visible playhead external hard drive external hard disk drive hard disk drive electronic device data storage device">
+            <a:extLst>
+              <a:ext uri="{FF2B5EF4-FFF2-40B4-BE49-F238E27FC236}">
+                <a16:creationId xmlns:a16="http://schemas.microsoft.com/office/drawing/2014/main" id="{E86F79AD-0873-4D78-ABFA-D6F3BD82BE3B}"/>
+              </a:ext>
+            </a:extLst>
+          </p:cNvPr>
+          <p:cNvPicPr>
+            <a:picLocks noChangeAspect="1" noChangeArrowheads="1"/>
+          </p:cNvPicPr>
+          <p:nvPr/>
+        </p:nvPicPr>
+        <p:blipFill>
+          <a:blip r:embed="rId4" cstate="print">
+            <a:extLst>
+              <a:ext uri="{28A0092B-C50C-407E-A947-70E740481C1C}">
+                <a14:useLocalDpi xmlns:a14="http://schemas.microsoft.com/office/drawing/2010/main" val="0"/>
+              </a:ext>
+            </a:extLst>
+          </a:blip>
+          <a:srcRect/>
+          <a:stretch>
+            <a:fillRect/>
+          </a:stretch>
+        </p:blipFill>
+        <p:spPr bwMode="auto">
+          <a:xfrm>
+            <a:off x="6629401" y="4107981"/>
+            <a:ext cx="2283000" cy="1988019"/>
+          </a:xfrm>
+          <a:prstGeom prst="rect">
+            <a:avLst/>
+          </a:prstGeom>
+          <a:noFill/>
+          <a:extLst>
+            <a:ext uri="{909E8E84-426E-40DD-AFC4-6F175D3DCCD1}">
+              <a14:hiddenFill xmlns:a14="http://schemas.microsoft.com/office/drawing/2010/main">
+                <a:solidFill>
+                  <a:srgbClr val="FFFFFF"/>
+                </a:solidFill>
+              </a14:hiddenFill>
+            </a:ext>
+          </a:extLst>
+        </p:spPr>
+      </p:pic>
+    </p:spTree>
+    <p:extLst>
+      <p:ext uri="{BB962C8B-B14F-4D97-AF65-F5344CB8AC3E}">
+        <p14:creationId xmlns:p14="http://schemas.microsoft.com/office/powerpoint/2010/main" val="3549325292"/>
+      </p:ext>
+    </p:extLst>
+  </p:cSld>
+  <p:clrMapOvr>
+    <a:masterClrMapping/>
+  </p:clrMapOvr>
+  <p:timing>
+    <p:tnLst>
+      <p:par>
+        <p:cTn id="1" dur="indefinite" restart="never" nodeType="tmRoot">
+          <p:childTnLst>
+            <p:seq concurrent="1" nextAc="seek">
+              <p:cTn id="2" dur="indefinite" nodeType="mainSeq">
+                <p:childTnLst>
+                  <p:par>
+                    <p:cTn id="3" fill="hold">
+                      <p:stCondLst>
+                        <p:cond delay="indefinite"/>
+                      </p:stCondLst>
+                      <p:childTnLst>
+                        <p:par>
+                          <p:cTn id="4" fill="hold">
+                            <p:stCondLst>
+                              <p:cond delay="0"/>
+                            </p:stCondLst>
+                            <p:childTnLst>
+                              <p:par>
+                                <p:cTn id="5" presetID="1" presetClass="entr" presetSubtype="0" fill="hold" grpId="0" nodeType="clickEffect">
+                                  <p:stCondLst>
+                                    <p:cond delay="0"/>
+                                  </p:stCondLst>
+                                  <p:childTnLst>
+                                    <p:set>
+                                      <p:cBhvr>
+                                        <p:cTn id="6" dur="1" fill="hold">
+                                          <p:stCondLst>
+                                            <p:cond delay="0"/>
+                                          </p:stCondLst>
+                                        </p:cTn>
+                                        <p:tgtEl>
+                                          <p:spTgt spid="3">
+                                            <p:txEl>
+                                              <p:pRg st="0" end="0"/>
+                                            </p:txEl>
+                                          </p:spTgt>
+                                        </p:tgtEl>
+                                        <p:attrNameLst>
+                                          <p:attrName>style.visibility</p:attrName>
+                                        </p:attrNameLst>
+                                      </p:cBhvr>
+                                      <p:to>
+                                        <p:strVal val="visible"/>
+                                      </p:to>
+                                    </p:set>
+                                  </p:childTnLst>
+                                </p:cTn>
+                              </p:par>
+                            </p:childTnLst>
+                          </p:cTn>
+                        </p:par>
+                      </p:childTnLst>
+                    </p:cTn>
+                  </p:par>
+                  <p:par>
+                    <p:cTn id="7" fill="hold">
+                      <p:stCondLst>
+                        <p:cond delay="indefinite"/>
+                      </p:stCondLst>
+                      <p:childTnLst>
+                        <p:par>
+                          <p:cTn id="8" fill="hold">
+                            <p:stCondLst>
+                              <p:cond delay="0"/>
+                            </p:stCondLst>
+                            <p:childTnLst>
+                              <p:par>
+                                <p:cTn id="9" presetID="10" presetClass="entr" presetSubtype="0" fill="hold" nodeType="clickEffect">
+                                  <p:stCondLst>
+                                    <p:cond delay="0"/>
+                                  </p:stCondLst>
+                                  <p:childTnLst>
+                                    <p:set>
+                                      <p:cBhvr>
+                                        <p:cTn id="10" dur="1" fill="hold">
+                                          <p:stCondLst>
+                                            <p:cond delay="0"/>
+                                          </p:stCondLst>
+                                        </p:cTn>
+                                        <p:tgtEl>
+                                          <p:spTgt spid="4"/>
+                                        </p:tgtEl>
+                                        <p:attrNameLst>
+                                          <p:attrName>style.visibility</p:attrName>
+                                        </p:attrNameLst>
+                                      </p:cBhvr>
+                                      <p:to>
+                                        <p:strVal val="visible"/>
+                                      </p:to>
+                                    </p:set>
+                                    <p:animEffect transition="in" filter="fade">
+                                      <p:cBhvr>
+                                        <p:cTn id="11" dur="500"/>
+                                        <p:tgtEl>
+                                          <p:spTgt spid="4"/>
+                                        </p:tgtEl>
+                                      </p:cBhvr>
+                                    </p:animEffect>
+                                  </p:childTnLst>
+                                </p:cTn>
+                              </p:par>
+                            </p:childTnLst>
+                          </p:cTn>
+                        </p:par>
+                      </p:childTnLst>
+                    </p:cTn>
+                  </p:par>
+                  <p:par>
+                    <p:cTn id="12" fill="hold">
+                      <p:stCondLst>
+                        <p:cond delay="indefinite"/>
+                      </p:stCondLst>
+                      <p:childTnLst>
+                        <p:par>
+                          <p:cTn id="13" fill="hold">
+                            <p:stCondLst>
+                              <p:cond delay="0"/>
+                            </p:stCondLst>
+                            <p:childTnLst>
+                              <p:par>
+                                <p:cTn id="14" presetID="10" presetClass="entr" presetSubtype="0" fill="hold" nodeType="clickEffect">
+                                  <p:stCondLst>
+                                    <p:cond delay="0"/>
+                                  </p:stCondLst>
+                                  <p:childTnLst>
+                                    <p:set>
+                                      <p:cBhvr>
+                                        <p:cTn id="15" dur="1" fill="hold">
+                                          <p:stCondLst>
+                                            <p:cond delay="0"/>
+                                          </p:stCondLst>
+                                        </p:cTn>
+                                        <p:tgtEl>
+                                          <p:spTgt spid="5"/>
+                                        </p:tgtEl>
+                                        <p:attrNameLst>
+                                          <p:attrName>style.visibility</p:attrName>
+                                        </p:attrNameLst>
+                                      </p:cBhvr>
+                                      <p:to>
+                                        <p:strVal val="visible"/>
+                                      </p:to>
+                                    </p:set>
+                                    <p:animEffect transition="in" filter="fade">
+                                      <p:cBhvr>
+                                        <p:cTn id="16" dur="500"/>
+                                        <p:tgtEl>
+                                          <p:spTgt spid="5"/>
+                                        </p:tgtEl>
+                                      </p:cBhvr>
+                                    </p:animEffect>
+                                  </p:childTnLst>
+                                </p:cTn>
+                              </p:par>
+                            </p:childTnLst>
+                          </p:cTn>
+                        </p:par>
+                      </p:childTnLst>
+                    </p:cTn>
+                  </p:par>
+                  <p:par>
+                    <p:cTn id="17" fill="hold">
+                      <p:stCondLst>
+                        <p:cond delay="indefinite"/>
+                      </p:stCondLst>
+                      <p:childTnLst>
+                        <p:par>
+                          <p:cTn id="18" fill="hold">
+                            <p:stCondLst>
+                              <p:cond delay="0"/>
+                            </p:stCondLst>
+                            <p:childTnLst>
+                              <p:par>
+                                <p:cTn id="19" presetID="1" presetClass="entr" presetSubtype="0" fill="hold" grpId="0" nodeType="clickEffect">
+                                  <p:stCondLst>
+                                    <p:cond delay="0"/>
+                                  </p:stCondLst>
+                                  <p:childTnLst>
+                                    <p:set>
+                                      <p:cBhvr>
+                                        <p:cTn id="20" dur="1" fill="hold">
+                                          <p:stCondLst>
+                                            <p:cond delay="0"/>
+                                          </p:stCondLst>
+                                        </p:cTn>
+                                        <p:tgtEl>
+                                          <p:spTgt spid="3">
+                                            <p:txEl>
+                                              <p:pRg st="1" end="1"/>
+                                            </p:txEl>
+                                          </p:spTgt>
+                                        </p:tgtEl>
+                                        <p:attrNameLst>
+                                          <p:attrName>style.visibility</p:attrName>
+                                        </p:attrNameLst>
+                                      </p:cBhvr>
+                                      <p:to>
+                                        <p:strVal val="visible"/>
+                                      </p:to>
+                                    </p:set>
+                                  </p:childTnLst>
+                                </p:cTn>
+                              </p:par>
+                            </p:childTnLst>
+                          </p:cTn>
+                        </p:par>
+                      </p:childTnLst>
+                    </p:cTn>
+                  </p:par>
+                  <p:par>
+                    <p:cTn id="21" fill="hold">
+                      <p:stCondLst>
+                        <p:cond delay="indefinite"/>
+                      </p:stCondLst>
+                      <p:childTnLst>
+                        <p:par>
+                          <p:cTn id="22" fill="hold">
+                            <p:stCondLst>
+                              <p:cond delay="0"/>
+                            </p:stCondLst>
+                            <p:childTnLst>
+                              <p:par>
+                                <p:cTn id="23" presetID="1" presetClass="entr" presetSubtype="0" fill="hold" grpId="0" nodeType="clickEffect">
+                                  <p:stCondLst>
+                                    <p:cond delay="0"/>
+                                  </p:stCondLst>
+                                  <p:childTnLst>
+                                    <p:set>
+                                      <p:cBhvr>
+                                        <p:cTn id="24" dur="1" fill="hold">
+                                          <p:stCondLst>
+                                            <p:cond delay="0"/>
+                                          </p:stCondLst>
+                                        </p:cTn>
+                                        <p:tgtEl>
+                                          <p:spTgt spid="3">
+                                            <p:txEl>
+                                              <p:pRg st="2" end="2"/>
+                                            </p:txEl>
+                                          </p:spTgt>
+                                        </p:tgtEl>
+                                        <p:attrNameLst>
+                                          <p:attrName>style.visibility</p:attrName>
+                                        </p:attrNameLst>
+                                      </p:cBhvr>
+                                      <p:to>
+                                        <p:strVal val="visible"/>
+                                      </p:to>
+                                    </p:set>
+                                  </p:childTnLst>
+                                </p:cTn>
+                              </p:par>
+                            </p:childTnLst>
+                          </p:cTn>
+                        </p:par>
+                      </p:childTnLst>
+                    </p:cTn>
+                  </p:par>
+                  <p:par>
+                    <p:cTn id="25" fill="hold">
+                      <p:stCondLst>
+                        <p:cond delay="indefinite"/>
+                      </p:stCondLst>
+                      <p:childTnLst>
+                        <p:par>
+                          <p:cTn id="26" fill="hold">
+                            <p:stCondLst>
+                              <p:cond delay="0"/>
+                            </p:stCondLst>
+                            <p:childTnLst>
+                              <p:par>
+                                <p:cTn id="27" presetID="1" presetClass="entr" presetSubtype="0" fill="hold" grpId="0" nodeType="clickEffect">
+                                  <p:stCondLst>
+                                    <p:cond delay="0"/>
+                                  </p:stCondLst>
+                                  <p:childTnLst>
+                                    <p:set>
+                                      <p:cBhvr>
+                                        <p:cTn id="28" dur="1" fill="hold">
+                                          <p:stCondLst>
+                                            <p:cond delay="0"/>
+                                          </p:stCondLst>
+                                        </p:cTn>
+                                        <p:tgtEl>
+                                          <p:spTgt spid="3">
+                                            <p:txEl>
+                                              <p:pRg st="3" end="3"/>
+                                            </p:txEl>
+                                          </p:spTgt>
+                                        </p:tgtEl>
+                                        <p:attrNameLst>
+                                          <p:attrName>style.visibility</p:attrName>
+                                        </p:attrNameLst>
+                                      </p:cBhvr>
+                                      <p:to>
+                                        <p:strVal val="visible"/>
+                                      </p:to>
+                                    </p:set>
+                                  </p:childTnLst>
+                                </p:cTn>
+                              </p:par>
+                            </p:childTnLst>
+                          </p:cTn>
+                        </p:par>
+                      </p:childTnLst>
+                    </p:cTn>
+                  </p:par>
+                  <p:par>
+                    <p:cTn id="29" fill="hold">
+                      <p:stCondLst>
+                        <p:cond delay="indefinite"/>
+                      </p:stCondLst>
+                      <p:childTnLst>
+                        <p:par>
+                          <p:cTn id="30" fill="hold">
+                            <p:stCondLst>
+                              <p:cond delay="0"/>
+                            </p:stCondLst>
+                            <p:childTnLst>
+                              <p:par>
+                                <p:cTn id="31" presetID="1" presetClass="entr" presetSubtype="0" fill="hold" grpId="0" nodeType="clickEffect">
+                                  <p:stCondLst>
+                                    <p:cond delay="0"/>
+                                  </p:stCondLst>
+                                  <p:childTnLst>
+                                    <p:set>
+                                      <p:cBhvr>
+                                        <p:cTn id="32" dur="1" fill="hold">
+                                          <p:stCondLst>
+                                            <p:cond delay="0"/>
+                                          </p:stCondLst>
+                                        </p:cTn>
+                                        <p:tgtEl>
+                                          <p:spTgt spid="3">
+                                            <p:txEl>
+                                              <p:pRg st="4" end="4"/>
+                                            </p:txEl>
+                                          </p:spTgt>
+                                        </p:tgtEl>
+                                        <p:attrNameLst>
+                                          <p:attrName>style.visibility</p:attrName>
+                                        </p:attrNameLst>
+                                      </p:cBhvr>
+                                      <p:to>
+                                        <p:strVal val="visible"/>
+                                      </p:to>
+                                    </p:set>
+                                  </p:childTnLst>
+                                </p:cTn>
+                              </p:par>
+                              <p:par>
+                                <p:cTn id="33" presetID="1" presetClass="entr" presetSubtype="0" fill="hold" grpId="0" nodeType="withEffect">
+                                  <p:stCondLst>
+                                    <p:cond delay="0"/>
+                                  </p:stCondLst>
+                                  <p:childTnLst>
+                                    <p:set>
+                                      <p:cBhvr>
+                                        <p:cTn id="34" dur="1" fill="hold">
+                                          <p:stCondLst>
+                                            <p:cond delay="0"/>
+                                          </p:stCondLst>
+                                        </p:cTn>
+                                        <p:tgtEl>
+                                          <p:spTgt spid="3">
+                                            <p:txEl>
+                                              <p:pRg st="5" end="5"/>
+                                            </p:txEl>
+                                          </p:spTgt>
+                                        </p:tgtEl>
+                                        <p:attrNameLst>
+                                          <p:attrName>style.visibility</p:attrName>
+                                        </p:attrNameLst>
+                                      </p:cBhvr>
+                                      <p:to>
+                                        <p:strVal val="visible"/>
+                                      </p:to>
+                                    </p:set>
+                                  </p:childTnLst>
+                                </p:cTn>
+                              </p:par>
+                            </p:childTnLst>
+                          </p:cTn>
+                        </p:par>
+                      </p:childTnLst>
+                    </p:cTn>
+                  </p:par>
+                </p:childTnLst>
+              </p:cTn>
+              <p:prevCondLst>
+                <p:cond evt="onPrev" delay="0">
+                  <p:tgtEl>
+                    <p:sldTgt/>
+                  </p:tgtEl>
+                </p:cond>
+              </p:prevCondLst>
+              <p:nextCondLst>
+                <p:cond evt="onNext" delay="0">
+                  <p:tgtEl>
+                    <p:sldTgt/>
+                  </p:tgtEl>
+                </p:cond>
+              </p:nextCondLst>
+            </p:seq>
+          </p:childTnLst>
+        </p:cTn>
+      </p:par>
+    </p:tnLst>
+    <p:bldLst>
+      <p:bldP spid="3" grpId="0" uiExpand="1" build="p"/>
+    </p:bldLst>
+  </p:timing>
+</p:sld>
+</file>
+
+<file path=ppt/slides/slide5.xml><?xml version="1.0" encoding="utf-8"?>
+<p:sld xmlns:a="http://schemas.openxmlformats.org/drawingml/2006/main" xmlns:r="http://schemas.openxmlformats.org/officeDocument/2006/relationships" xmlns:p="http://schemas.openxmlformats.org/presentationml/2006/main">
+  <p:cSld>
+    <p:spTree>
+      <p:nvGrpSpPr>
+        <p:cNvPr id="1" name=""/>
+        <p:cNvGrpSpPr/>
+        <p:nvPr/>
+      </p:nvGrpSpPr>
+      <p:grpSpPr>
+        <a:xfrm>
+          <a:off x="0" y="0"/>
+          <a:ext cx="0" cy="0"/>
+          <a:chOff x="0" y="0"/>
+          <a:chExt cx="0" cy="0"/>
+        </a:xfrm>
+      </p:grpSpPr>
       <p:sp>
         <p:nvSpPr>
-          <p:cNvPr id="4" name="Slide Number Placeholder 3"/>
+          <p:cNvPr id="2" name="Title 1"/>
           <p:cNvSpPr>
             <a:spLocks noGrp="1"/>
           </p:cNvSpPr>
           <p:nvPr>
-            <p:ph type="sldNum" sz="quarter" idx="12"/>
+            <p:ph type="title"/>
           </p:nvPr>
         </p:nvSpPr>
         <p:spPr/>
         <p:txBody>
-          <a:bodyPr/>
+          <a:bodyPr>
+            <a:normAutofit fontScale="90000"/>
+          </a:bodyPr>
           <a:lstStyle/>
           <a:p>
-            <a:pPr marL="0" marR="0" lvl="0" indent="0" algn="r" defTabSz="914400" rtl="0" eaLnBrk="1" fontAlgn="auto" latinLnBrk="0" hangingPunct="1">
-              <a:lnSpc>
-                <a:spcPct val="100000"/>
-              </a:lnSpc>
-              <a:spcBef>
-                <a:spcPts val="0"/>
-              </a:spcBef>
-              <a:spcAft>
-                <a:spcPts val="0"/>
-              </a:spcAft>
-              <a:buClrTx/>
-              <a:buSzTx/>
-              <a:buFontTx/>
-              <a:buNone/>
-              <a:tabLst/>
-              <a:defRPr/>
+            <a:r>
+              <a:rPr lang="en-US" dirty="0"/>
+              <a:t>Unbalanced Fixed Axis Rotation Systems</a:t>
+            </a:r>
+          </a:p>
+        </p:txBody>
+      </p:sp>
+      <mc:AlternateContent xmlns:mc="http://schemas.openxmlformats.org/markup-compatibility/2006">
+        <mc:Choice xmlns:a14="http://schemas.microsoft.com/office/drawing/2010/main" Requires="a14">
+          <p:sp>
+            <p:nvSpPr>
+              <p:cNvPr id="3" name="Content Placeholder 2"/>
+              <p:cNvSpPr>
+                <a:spLocks noGrp="1"/>
+              </p:cNvSpPr>
+              <p:nvPr>
+                <p:ph idx="1"/>
+              </p:nvPr>
+            </p:nvSpPr>
+            <p:spPr>
+              <a:xfrm>
+                <a:off x="457200" y="1600200"/>
+                <a:ext cx="6172200" cy="4800600"/>
+              </a:xfrm>
+            </p:spPr>
+            <p:txBody>
+              <a:bodyPr>
+                <a:normAutofit fontScale="62500" lnSpcReduction="20000"/>
+              </a:bodyPr>
+              <a:lstStyle/>
+              <a:p>
+                <a:r>
+                  <a:rPr lang="en-US" dirty="0"/>
+                  <a:t>In instances where a body is rotating about some </a:t>
+                </a:r>
+                <a:r>
+                  <a:rPr lang="en-US" b="1" dirty="0"/>
+                  <a:t>fixed axis that is not it’s center of mass</a:t>
+                </a:r>
+                <a:r>
+                  <a:rPr lang="en-US" dirty="0"/>
+                  <a:t>, we will have forces and moments at play.</a:t>
+                </a:r>
+              </a:p>
+              <a:p>
+                <a:pPr marL="457200" lvl="1" indent="0">
+                  <a:buNone/>
+                </a:pPr>
+                <a14:m>
+                  <m:oMathPara xmlns:m="http://schemas.openxmlformats.org/officeDocument/2006/math">
+                    <m:oMathParaPr>
+                      <m:jc m:val="centerGroup"/>
+                    </m:oMathParaPr>
+                    <m:oMath xmlns:m="http://schemas.openxmlformats.org/officeDocument/2006/math">
+                      <m:nary>
+                        <m:naryPr>
+                          <m:chr m:val="∑"/>
+                          <m:subHide m:val="on"/>
+                          <m:supHide m:val="on"/>
+                          <m:ctrlPr>
+                            <a:rPr lang="en-US" sz="3800" b="0" i="1" smtClean="0">
+                              <a:latin typeface="Cambria Math" panose="02040503050406030204" pitchFamily="18" charset="0"/>
+                            </a:rPr>
+                          </m:ctrlPr>
+                        </m:naryPr>
+                        <m:sub/>
+                        <m:sup/>
+                        <m:e>
+                          <m:sSub>
+                            <m:sSubPr>
+                              <m:ctrlPr>
+                                <a:rPr lang="en-US" sz="3800" b="0" i="1" smtClean="0">
+                                  <a:latin typeface="Cambria Math" panose="02040503050406030204" pitchFamily="18" charset="0"/>
+                                </a:rPr>
+                              </m:ctrlPr>
+                            </m:sSubPr>
+                            <m:e>
+                              <m:r>
+                                <a:rPr lang="en-US" sz="3800" b="0" i="1" smtClean="0">
+                                  <a:latin typeface="Cambria Math" panose="02040503050406030204" pitchFamily="18" charset="0"/>
+                                </a:rPr>
+                                <m:t>𝐹</m:t>
+                              </m:r>
+                            </m:e>
+                            <m:sub>
+                              <m:r>
+                                <a:rPr lang="en-US" sz="3800" b="0" i="1" smtClean="0">
+                                  <a:latin typeface="Cambria Math" panose="02040503050406030204" pitchFamily="18" charset="0"/>
+                                </a:rPr>
+                                <m:t>𝑟</m:t>
+                              </m:r>
+                            </m:sub>
+                          </m:sSub>
+                        </m:e>
+                      </m:nary>
+                      <m:r>
+                        <a:rPr lang="en-US" sz="3800" b="0" i="1" smtClean="0">
+                          <a:latin typeface="Cambria Math" panose="02040503050406030204" pitchFamily="18" charset="0"/>
+                        </a:rPr>
+                        <m:t>=</m:t>
+                      </m:r>
+                      <m:r>
+                        <a:rPr lang="en-US" sz="3800" b="0" i="1" smtClean="0">
+                          <a:latin typeface="Cambria Math" panose="02040503050406030204" pitchFamily="18" charset="0"/>
+                        </a:rPr>
+                        <m:t>𝑚</m:t>
+                      </m:r>
+                      <m:sSub>
+                        <m:sSubPr>
+                          <m:ctrlPr>
+                            <a:rPr lang="en-US" sz="3800" i="1" smtClean="0">
+                              <a:latin typeface="Cambria Math" panose="02040503050406030204" pitchFamily="18" charset="0"/>
+                            </a:rPr>
+                          </m:ctrlPr>
+                        </m:sSubPr>
+                        <m:e>
+                          <m:r>
+                            <a:rPr lang="en-US" sz="3800" b="0" i="1" smtClean="0">
+                              <a:latin typeface="Cambria Math" panose="02040503050406030204" pitchFamily="18" charset="0"/>
+                            </a:rPr>
+                            <m:t>𝑎</m:t>
+                          </m:r>
+                        </m:e>
+                        <m:sub>
+                          <m:r>
+                            <a:rPr lang="en-US" sz="3800" i="1">
+                              <a:latin typeface="Cambria Math" panose="02040503050406030204" pitchFamily="18" charset="0"/>
+                            </a:rPr>
+                            <m:t>𝑟</m:t>
+                          </m:r>
+                        </m:sub>
+                      </m:sSub>
+                      <m:r>
+                        <a:rPr lang="en-US" sz="3800" b="0" i="1" smtClean="0">
+                          <a:latin typeface="Cambria Math" panose="02040503050406030204" pitchFamily="18" charset="0"/>
+                        </a:rPr>
+                        <m:t>=</m:t>
+                      </m:r>
+                      <m:r>
+                        <a:rPr lang="en-US" sz="3800" b="0" i="1" smtClean="0">
+                          <a:latin typeface="Cambria Math" panose="02040503050406030204" pitchFamily="18" charset="0"/>
+                        </a:rPr>
+                        <m:t>𝑚</m:t>
+                      </m:r>
+                      <m:r>
+                        <a:rPr lang="en-US" sz="3800" b="0" i="1" smtClean="0">
+                          <a:latin typeface="Cambria Math" panose="02040503050406030204" pitchFamily="18" charset="0"/>
+                        </a:rPr>
+                        <m:t>(−</m:t>
+                      </m:r>
+                      <m:r>
+                        <a:rPr lang="en-US" sz="3800" b="0" i="1" smtClean="0">
+                          <a:latin typeface="Cambria Math" panose="02040503050406030204" pitchFamily="18" charset="0"/>
+                        </a:rPr>
+                        <m:t>𝑟</m:t>
+                      </m:r>
+                      <m:sSup>
+                        <m:sSupPr>
+                          <m:ctrlPr>
+                            <a:rPr lang="en-US" sz="3800" b="0" i="1" smtClean="0">
+                              <a:latin typeface="Cambria Math" panose="02040503050406030204" pitchFamily="18" charset="0"/>
+                              <a:ea typeface="Cambria Math" panose="02040503050406030204" pitchFamily="18" charset="0"/>
+                            </a:rPr>
+                          </m:ctrlPr>
+                        </m:sSupPr>
+                        <m:e>
+                          <m:r>
+                            <a:rPr lang="en-US" sz="3800" i="1">
+                              <a:latin typeface="Cambria Math" panose="02040503050406030204" pitchFamily="18" charset="0"/>
+                              <a:ea typeface="Cambria Math" panose="02040503050406030204" pitchFamily="18" charset="0"/>
+                            </a:rPr>
+                            <m:t>𝜔</m:t>
+                          </m:r>
+                        </m:e>
+                        <m:sup>
+                          <m:r>
+                            <a:rPr lang="en-US" sz="3800" b="0" i="1" smtClean="0">
+                              <a:latin typeface="Cambria Math" panose="02040503050406030204" pitchFamily="18" charset="0"/>
+                              <a:ea typeface="Cambria Math" panose="02040503050406030204" pitchFamily="18" charset="0"/>
+                            </a:rPr>
+                            <m:t>2</m:t>
+                          </m:r>
+                        </m:sup>
+                      </m:sSup>
+                      <m:r>
+                        <a:rPr lang="en-US" sz="3800" b="0" i="1" smtClean="0">
+                          <a:latin typeface="Cambria Math" panose="02040503050406030204" pitchFamily="18" charset="0"/>
+                        </a:rPr>
+                        <m:t>)</m:t>
+                      </m:r>
+                    </m:oMath>
+                  </m:oMathPara>
+                </a14:m>
+                <a:endParaRPr lang="en-US" sz="3800" dirty="0"/>
+              </a:p>
+              <a:p>
+                <a:pPr marL="457200" lvl="1" indent="0">
+                  <a:buNone/>
+                </a:pPr>
+                <a14:m>
+                  <m:oMathPara xmlns:m="http://schemas.openxmlformats.org/officeDocument/2006/math">
+                    <m:oMathParaPr>
+                      <m:jc m:val="centerGroup"/>
+                    </m:oMathParaPr>
+                    <m:oMath xmlns:m="http://schemas.openxmlformats.org/officeDocument/2006/math">
+                      <m:nary>
+                        <m:naryPr>
+                          <m:chr m:val="∑"/>
+                          <m:subHide m:val="on"/>
+                          <m:supHide m:val="on"/>
+                          <m:ctrlPr>
+                            <a:rPr lang="en-US" sz="3800" i="1" smtClean="0">
+                              <a:latin typeface="Cambria Math" panose="02040503050406030204" pitchFamily="18" charset="0"/>
+                            </a:rPr>
+                          </m:ctrlPr>
+                        </m:naryPr>
+                        <m:sub/>
+                        <m:sup/>
+                        <m:e>
+                          <m:sSub>
+                            <m:sSubPr>
+                              <m:ctrlPr>
+                                <a:rPr lang="en-US" sz="3800" i="1">
+                                  <a:latin typeface="Cambria Math" panose="02040503050406030204" pitchFamily="18" charset="0"/>
+                                </a:rPr>
+                              </m:ctrlPr>
+                            </m:sSubPr>
+                            <m:e>
+                              <m:r>
+                                <a:rPr lang="en-US" sz="3800" i="1">
+                                  <a:latin typeface="Cambria Math" panose="02040503050406030204" pitchFamily="18" charset="0"/>
+                                </a:rPr>
+                                <m:t>𝐹</m:t>
+                              </m:r>
+                            </m:e>
+                            <m:sub>
+                              <m:r>
+                                <a:rPr lang="en-US" sz="3800" i="1" smtClean="0">
+                                  <a:latin typeface="Cambria Math" panose="02040503050406030204" pitchFamily="18" charset="0"/>
+                                  <a:ea typeface="Cambria Math" panose="02040503050406030204" pitchFamily="18" charset="0"/>
+                                </a:rPr>
+                                <m:t>𝜃</m:t>
+                              </m:r>
+                            </m:sub>
+                          </m:sSub>
+                        </m:e>
+                      </m:nary>
+                      <m:r>
+                        <a:rPr lang="en-US" sz="3800" i="1">
+                          <a:latin typeface="Cambria Math" panose="02040503050406030204" pitchFamily="18" charset="0"/>
+                        </a:rPr>
+                        <m:t>=</m:t>
+                      </m:r>
+                      <m:r>
+                        <a:rPr lang="en-US" sz="3800" b="0" i="1" smtClean="0">
+                          <a:latin typeface="Cambria Math" panose="02040503050406030204" pitchFamily="18" charset="0"/>
+                        </a:rPr>
+                        <m:t>𝑚</m:t>
+                      </m:r>
+                      <m:sSub>
+                        <m:sSubPr>
+                          <m:ctrlPr>
+                            <a:rPr lang="en-US" sz="3800" i="1">
+                              <a:latin typeface="Cambria Math" panose="02040503050406030204" pitchFamily="18" charset="0"/>
+                            </a:rPr>
+                          </m:ctrlPr>
+                        </m:sSubPr>
+                        <m:e>
+                          <m:r>
+                            <a:rPr lang="en-US" sz="3800" i="1">
+                              <a:latin typeface="Cambria Math" panose="02040503050406030204" pitchFamily="18" charset="0"/>
+                            </a:rPr>
+                            <m:t>𝑎</m:t>
+                          </m:r>
+                        </m:e>
+                        <m:sub>
+                          <m:r>
+                            <a:rPr lang="en-US" sz="3800" i="1" smtClean="0">
+                              <a:latin typeface="Cambria Math" panose="02040503050406030204" pitchFamily="18" charset="0"/>
+                              <a:ea typeface="Cambria Math" panose="02040503050406030204" pitchFamily="18" charset="0"/>
+                            </a:rPr>
+                            <m:t>𝜃</m:t>
+                          </m:r>
+                        </m:sub>
+                      </m:sSub>
+                      <m:r>
+                        <a:rPr lang="en-US" sz="3800" i="1">
+                          <a:latin typeface="Cambria Math" panose="02040503050406030204" pitchFamily="18" charset="0"/>
+                        </a:rPr>
+                        <m:t>=</m:t>
+                      </m:r>
+                      <m:r>
+                        <a:rPr lang="en-US" sz="3800" i="1">
+                          <a:latin typeface="Cambria Math" panose="02040503050406030204" pitchFamily="18" charset="0"/>
+                        </a:rPr>
+                        <m:t>𝑚</m:t>
+                      </m:r>
+                      <m:r>
+                        <a:rPr lang="en-US" sz="3800" i="1">
+                          <a:latin typeface="Cambria Math" panose="02040503050406030204" pitchFamily="18" charset="0"/>
+                        </a:rPr>
+                        <m:t>(</m:t>
+                      </m:r>
+                      <m:r>
+                        <a:rPr lang="en-US" sz="3800" i="1">
+                          <a:latin typeface="Cambria Math" panose="02040503050406030204" pitchFamily="18" charset="0"/>
+                        </a:rPr>
+                        <m:t>𝑟</m:t>
+                      </m:r>
+                      <m:r>
+                        <a:rPr lang="en-US" sz="3800" i="1" smtClean="0">
+                          <a:latin typeface="Cambria Math" panose="02040503050406030204" pitchFamily="18" charset="0"/>
+                          <a:ea typeface="Cambria Math" panose="02040503050406030204" pitchFamily="18" charset="0"/>
+                        </a:rPr>
+                        <m:t>𝛼</m:t>
+                      </m:r>
+                      <m:r>
+                        <a:rPr lang="en-US" sz="3800" i="1">
+                          <a:latin typeface="Cambria Math" panose="02040503050406030204" pitchFamily="18" charset="0"/>
+                        </a:rPr>
+                        <m:t>)</m:t>
+                      </m:r>
+                    </m:oMath>
+                  </m:oMathPara>
+                </a14:m>
+                <a:endParaRPr lang="en-US" sz="3800" i="1" dirty="0">
+                  <a:latin typeface="Cambria Math" panose="02040503050406030204" pitchFamily="18" charset="0"/>
+                </a:endParaRPr>
+              </a:p>
+              <a:p>
+                <a:pPr marL="457200" lvl="1" indent="0">
+                  <a:buNone/>
+                </a:pPr>
+                <a14:m>
+                  <m:oMath xmlns:m="http://schemas.openxmlformats.org/officeDocument/2006/math">
+                    <m:nary>
+                      <m:naryPr>
+                        <m:chr m:val="∑"/>
+                        <m:subHide m:val="on"/>
+                        <m:supHide m:val="on"/>
+                        <m:ctrlPr>
+                          <a:rPr lang="en-US" sz="4000" i="1" smtClean="0">
+                            <a:latin typeface="Cambria Math" panose="02040503050406030204" pitchFamily="18" charset="0"/>
+                          </a:rPr>
+                        </m:ctrlPr>
+                      </m:naryPr>
+                      <m:sub/>
+                      <m:sup/>
+                      <m:e>
+                        <m:sSub>
+                          <m:sSubPr>
+                            <m:ctrlPr>
+                              <a:rPr lang="en-US" sz="4000" b="0" i="1" smtClean="0">
+                                <a:latin typeface="Cambria Math" panose="02040503050406030204" pitchFamily="18" charset="0"/>
+                              </a:rPr>
+                            </m:ctrlPr>
+                          </m:sSubPr>
+                          <m:e>
+                            <m:r>
+                              <a:rPr lang="en-US" sz="4000" b="0" i="1" smtClean="0">
+                                <a:latin typeface="Cambria Math" panose="02040503050406030204" pitchFamily="18" charset="0"/>
+                              </a:rPr>
+                              <m:t>𝑀</m:t>
+                            </m:r>
+                          </m:e>
+                          <m:sub>
+                            <m:r>
+                              <a:rPr lang="en-US" sz="4000" b="0" i="1" smtClean="0">
+                                <a:latin typeface="Cambria Math" panose="02040503050406030204" pitchFamily="18" charset="0"/>
+                              </a:rPr>
+                              <m:t>𝑂</m:t>
+                            </m:r>
+                          </m:sub>
+                        </m:sSub>
+                      </m:e>
+                    </m:nary>
+                    <m:r>
+                      <a:rPr lang="en-US" sz="4000" i="1">
+                        <a:latin typeface="Cambria Math" panose="02040503050406030204" pitchFamily="18" charset="0"/>
+                      </a:rPr>
+                      <m:t>=</m:t>
+                    </m:r>
+                    <m:sSub>
+                      <m:sSubPr>
+                        <m:ctrlPr>
+                          <a:rPr lang="en-US" sz="4000" i="1" smtClean="0">
+                            <a:latin typeface="Cambria Math" panose="02040503050406030204" pitchFamily="18" charset="0"/>
+                          </a:rPr>
+                        </m:ctrlPr>
+                      </m:sSubPr>
+                      <m:e>
+                        <m:r>
+                          <a:rPr lang="en-US" sz="4000" b="0" i="1" smtClean="0">
+                            <a:latin typeface="Cambria Math" panose="02040503050406030204" pitchFamily="18" charset="0"/>
+                          </a:rPr>
+                          <m:t>𝐼</m:t>
+                        </m:r>
+                      </m:e>
+                      <m:sub>
+                        <m:r>
+                          <a:rPr lang="en-US" sz="4000" b="0" i="1" smtClean="0">
+                            <a:latin typeface="Cambria Math" panose="02040503050406030204" pitchFamily="18" charset="0"/>
+                          </a:rPr>
+                          <m:t>𝑂</m:t>
+                        </m:r>
+                      </m:sub>
+                    </m:sSub>
+                    <m:r>
+                      <a:rPr lang="en-US" sz="4000" b="0" i="1" smtClean="0">
+                        <a:latin typeface="Cambria Math" panose="02040503050406030204" pitchFamily="18" charset="0"/>
+                      </a:rPr>
+                      <m:t>∗</m:t>
+                    </m:r>
+                    <m:r>
+                      <a:rPr lang="en-US" sz="4000" i="1" smtClean="0">
+                        <a:latin typeface="Cambria Math" panose="02040503050406030204" pitchFamily="18" charset="0"/>
+                        <a:ea typeface="Cambria Math" panose="02040503050406030204" pitchFamily="18" charset="0"/>
+                      </a:rPr>
+                      <m:t>𝛼</m:t>
+                    </m:r>
+                  </m:oMath>
+                </a14:m>
+                <a:r>
+                  <a:rPr lang="en-US" sz="4000" dirty="0"/>
+                  <a:t>    or     </a:t>
+                </a:r>
+                <a14:m>
+                  <m:oMath xmlns:m="http://schemas.openxmlformats.org/officeDocument/2006/math">
+                    <m:nary>
+                      <m:naryPr>
+                        <m:chr m:val="∑"/>
+                        <m:subHide m:val="on"/>
+                        <m:supHide m:val="on"/>
+                        <m:ctrlPr>
+                          <a:rPr lang="en-US" sz="4000" i="1">
+                            <a:latin typeface="Cambria Math" panose="02040503050406030204" pitchFamily="18" charset="0"/>
+                          </a:rPr>
+                        </m:ctrlPr>
+                      </m:naryPr>
+                      <m:sub/>
+                      <m:sup/>
+                      <m:e>
+                        <m:sSub>
+                          <m:sSubPr>
+                            <m:ctrlPr>
+                              <a:rPr lang="en-US" sz="4000" i="1">
+                                <a:latin typeface="Cambria Math" panose="02040503050406030204" pitchFamily="18" charset="0"/>
+                              </a:rPr>
+                            </m:ctrlPr>
+                          </m:sSubPr>
+                          <m:e>
+                            <m:r>
+                              <a:rPr lang="en-US" sz="4000" i="1">
+                                <a:latin typeface="Cambria Math" panose="02040503050406030204" pitchFamily="18" charset="0"/>
+                              </a:rPr>
+                              <m:t>𝑀</m:t>
+                            </m:r>
+                          </m:e>
+                          <m:sub>
+                            <m:r>
+                              <a:rPr lang="en-US" sz="4000" b="0" i="1" smtClean="0">
+                                <a:latin typeface="Cambria Math" panose="02040503050406030204" pitchFamily="18" charset="0"/>
+                              </a:rPr>
+                              <m:t>𝐺</m:t>
+                            </m:r>
+                          </m:sub>
+                        </m:sSub>
+                      </m:e>
+                    </m:nary>
+                    <m:r>
+                      <a:rPr lang="en-US" sz="4000" i="1">
+                        <a:latin typeface="Cambria Math" panose="02040503050406030204" pitchFamily="18" charset="0"/>
+                      </a:rPr>
+                      <m:t>=</m:t>
+                    </m:r>
+                    <m:sSub>
+                      <m:sSubPr>
+                        <m:ctrlPr>
+                          <a:rPr lang="en-US" sz="4000" i="1">
+                            <a:latin typeface="Cambria Math" panose="02040503050406030204" pitchFamily="18" charset="0"/>
+                          </a:rPr>
+                        </m:ctrlPr>
+                      </m:sSubPr>
+                      <m:e>
+                        <m:r>
+                          <a:rPr lang="en-US" sz="4000" i="1">
+                            <a:latin typeface="Cambria Math" panose="02040503050406030204" pitchFamily="18" charset="0"/>
+                          </a:rPr>
+                          <m:t>𝐼</m:t>
+                        </m:r>
+                      </m:e>
+                      <m:sub>
+                        <m:r>
+                          <a:rPr lang="en-US" sz="4000" b="0" i="1" smtClean="0">
+                            <a:latin typeface="Cambria Math" panose="02040503050406030204" pitchFamily="18" charset="0"/>
+                          </a:rPr>
+                          <m:t>𝐺</m:t>
+                        </m:r>
+                      </m:sub>
+                    </m:sSub>
+                    <m:r>
+                      <a:rPr lang="en-US" sz="4000" i="1">
+                        <a:latin typeface="Cambria Math" panose="02040503050406030204" pitchFamily="18" charset="0"/>
+                      </a:rPr>
+                      <m:t>∗</m:t>
+                    </m:r>
+                    <m:r>
+                      <a:rPr lang="en-US" sz="4000" i="1">
+                        <a:latin typeface="Cambria Math" panose="02040503050406030204" pitchFamily="18" charset="0"/>
+                        <a:ea typeface="Cambria Math" panose="02040503050406030204" pitchFamily="18" charset="0"/>
+                      </a:rPr>
+                      <m:t>𝛼</m:t>
+                    </m:r>
+                  </m:oMath>
+                </a14:m>
+                <a:endParaRPr lang="en-US" sz="4000" dirty="0"/>
+              </a:p>
+              <a:p>
+                <a:pPr marL="457200" lvl="1" indent="0">
+                  <a:buNone/>
+                </a:pPr>
+                <a:r>
+                  <a:rPr lang="en-US" sz="4000" dirty="0"/>
+                  <a:t> </a:t>
+                </a:r>
+              </a:p>
+              <a:p>
+                <a:r>
+                  <a:rPr lang="en-US" dirty="0"/>
+                  <a:t>In instances of unbalanced fixed axis rotation, we can sum the moments about the </a:t>
+                </a:r>
+                <a:r>
+                  <a:rPr lang="en-US" b="1" dirty="0"/>
+                  <a:t>fixed axis </a:t>
+                </a:r>
+                <a:r>
+                  <a:rPr lang="en-US" dirty="0"/>
+                  <a:t>of rotation or about the </a:t>
+                </a:r>
+                <a:r>
+                  <a:rPr lang="en-US" b="1" dirty="0"/>
+                  <a:t>center of mass</a:t>
+                </a:r>
+                <a:r>
+                  <a:rPr lang="en-US" dirty="0"/>
+                  <a:t>.</a:t>
+                </a:r>
+              </a:p>
+              <a:p>
+                <a:pPr lvl="1"/>
+                <a:r>
+                  <a:rPr lang="en-US" dirty="0"/>
+                  <a:t>Just make sure you are consistent</a:t>
+                </a:r>
+              </a:p>
+            </p:txBody>
+          </p:sp>
+        </mc:Choice>
+        <mc:Fallback>
+          <p:sp>
+            <p:nvSpPr>
+              <p:cNvPr id="3" name="Content Placeholder 2"/>
+              <p:cNvSpPr>
+                <a:spLocks noGrp="1" noRot="1" noChangeAspect="1" noMove="1" noResize="1" noEditPoints="1" noAdjustHandles="1" noChangeArrowheads="1" noChangeShapeType="1" noTextEdit="1"/>
+              </p:cNvSpPr>
+              <p:nvPr>
+                <p:ph idx="1"/>
+              </p:nvPr>
+            </p:nvSpPr>
+            <p:spPr>
+              <a:xfrm>
+                <a:off x="457200" y="1600200"/>
+                <a:ext cx="6172200" cy="4800600"/>
+              </a:xfrm>
+              <a:blipFill>
+                <a:blip r:embed="rId2"/>
+                <a:stretch>
+                  <a:fillRect l="-888" t="-1906" r="-1579"/>
+                </a:stretch>
+              </a:blipFill>
+            </p:spPr>
+            <p:txBody>
+              <a:bodyPr/>
+              <a:lstStyle/>
+              <a:p>
+                <a:r>
+                  <a:rPr lang="en-US">
+                    <a:noFill/>
+                  </a:rPr>
+                  <a:t> </a:t>
+                </a:r>
+              </a:p>
+            </p:txBody>
+          </p:sp>
+        </mc:Fallback>
+      </mc:AlternateContent>
+      <p:pic>
+        <p:nvPicPr>
+          <p:cNvPr id="6" name="Picture 2" descr="washing machine clothes dryer major appliance home appliances">
+            <a:extLst>
+              <a:ext uri="{FF2B5EF4-FFF2-40B4-BE49-F238E27FC236}">
+                <a16:creationId xmlns:a16="http://schemas.microsoft.com/office/drawing/2014/main" id="{66E7E9B5-A263-49DE-AF74-7312EC886F0A}"/>
+              </a:ext>
+            </a:extLst>
+          </p:cNvPr>
+          <p:cNvPicPr>
+            <a:picLocks noChangeAspect="1" noChangeArrowheads="1"/>
+          </p:cNvPicPr>
+          <p:nvPr/>
+        </p:nvPicPr>
+        <p:blipFill rotWithShape="1">
+          <a:blip r:embed="rId3" cstate="print">
+            <a:extLst>
+              <a:ext uri="{28A0092B-C50C-407E-A947-70E740481C1C}">
+                <a14:useLocalDpi xmlns:a14="http://schemas.microsoft.com/office/drawing/2010/main" val="0"/>
+              </a:ext>
+            </a:extLst>
+          </a:blip>
+          <a:srcRect l="4075" t="8888" b="22223"/>
+          <a:stretch/>
+        </p:blipFill>
+        <p:spPr bwMode="auto">
+          <a:xfrm>
+            <a:off x="6728176" y="990600"/>
+            <a:ext cx="2041115" cy="1954427"/>
+          </a:xfrm>
+          <a:prstGeom prst="rect">
+            <a:avLst/>
+          </a:prstGeom>
+          <a:noFill/>
+          <a:extLst>
+            <a:ext uri="{909E8E84-426E-40DD-AFC4-6F175D3DCCD1}">
+              <a14:hiddenFill xmlns:a14="http://schemas.microsoft.com/office/drawing/2010/main">
+                <a:solidFill>
+                  <a:srgbClr val="FFFFFF"/>
+                </a:solidFill>
+              </a14:hiddenFill>
+            </a:ext>
+          </a:extLst>
+        </p:spPr>
+      </p:pic>
+      <p:pic>
+        <p:nvPicPr>
+          <p:cNvPr id="1028" name="Picture 4" descr="A video game controller">
+            <a:extLst>
+              <a:ext uri="{FF2B5EF4-FFF2-40B4-BE49-F238E27FC236}">
+                <a16:creationId xmlns:a16="http://schemas.microsoft.com/office/drawing/2014/main" id="{6E7EC846-C563-4AA0-8836-6AA74F18CF23}"/>
+              </a:ext>
+            </a:extLst>
+          </p:cNvPr>
+          <p:cNvPicPr>
+            <a:picLocks noChangeAspect="1" noChangeArrowheads="1"/>
+          </p:cNvPicPr>
+          <p:nvPr/>
+        </p:nvPicPr>
+        <p:blipFill>
+          <a:blip r:embed="rId4">
+            <a:extLst>
+              <a:ext uri="{28A0092B-C50C-407E-A947-70E740481C1C}">
+                <a14:useLocalDpi xmlns:a14="http://schemas.microsoft.com/office/drawing/2010/main" val="0"/>
+              </a:ext>
+            </a:extLst>
+          </a:blip>
+          <a:srcRect/>
+          <a:stretch>
+            <a:fillRect/>
+          </a:stretch>
+        </p:blipFill>
+        <p:spPr bwMode="auto">
+          <a:xfrm>
+            <a:off x="6629400" y="4579736"/>
+            <a:ext cx="2296727" cy="2036431"/>
+          </a:xfrm>
+          <a:prstGeom prst="rect">
+            <a:avLst/>
+          </a:prstGeom>
+          <a:noFill/>
+          <a:extLst>
+            <a:ext uri="{909E8E84-426E-40DD-AFC4-6F175D3DCCD1}">
+              <a14:hiddenFill xmlns:a14="http://schemas.microsoft.com/office/drawing/2010/main">
+                <a:solidFill>
+                  <a:srgbClr val="FFFFFF"/>
+                </a:solidFill>
+              </a14:hiddenFill>
+            </a:ext>
+          </a:extLst>
+        </p:spPr>
+      </p:pic>
+      <p:pic>
+        <p:nvPicPr>
+          <p:cNvPr id="1026" name="Picture 2" descr="A point on a rotating fixed axis">
+            <a:extLst>
+              <a:ext uri="{FF2B5EF4-FFF2-40B4-BE49-F238E27FC236}">
+                <a16:creationId xmlns:a16="http://schemas.microsoft.com/office/drawing/2014/main" id="{E3AC7BAE-6C09-4A21-BF43-8798C1B72B4A}"/>
+              </a:ext>
+            </a:extLst>
+          </p:cNvPr>
+          <p:cNvPicPr>
+            <a:picLocks noChangeAspect="1" noChangeArrowheads="1"/>
+          </p:cNvPicPr>
+          <p:nvPr/>
+        </p:nvPicPr>
+        <p:blipFill>
+          <a:blip r:embed="rId5">
+            <a:extLst>
+              <a:ext uri="{28A0092B-C50C-407E-A947-70E740481C1C}">
+                <a14:useLocalDpi xmlns:a14="http://schemas.microsoft.com/office/drawing/2010/main" val="0"/>
+              </a:ext>
+            </a:extLst>
+          </a:blip>
+          <a:srcRect/>
+          <a:stretch>
+            <a:fillRect/>
+          </a:stretch>
+        </p:blipFill>
+        <p:spPr bwMode="auto">
+          <a:xfrm>
+            <a:off x="6472565" y="2617619"/>
+            <a:ext cx="2296726" cy="2086740"/>
+          </a:xfrm>
+          <a:prstGeom prst="rect">
+            <a:avLst/>
+          </a:prstGeom>
+          <a:noFill/>
+          <a:extLst>
+            <a:ext uri="{909E8E84-426E-40DD-AFC4-6F175D3DCCD1}">
+              <a14:hiddenFill xmlns:a14="http://schemas.microsoft.com/office/drawing/2010/main">
+                <a:solidFill>
+                  <a:srgbClr val="FFFFFF"/>
+                </a:solidFill>
+              </a14:hiddenFill>
+            </a:ext>
+          </a:extLst>
+        </p:spPr>
+      </p:pic>
+    </p:spTree>
+    <p:extLst>
+      <p:ext uri="{BB962C8B-B14F-4D97-AF65-F5344CB8AC3E}">
+        <p14:creationId xmlns:p14="http://schemas.microsoft.com/office/powerpoint/2010/main" val="1605433896"/>
+      </p:ext>
+    </p:extLst>
+  </p:cSld>
+  <p:clrMapOvr>
+    <a:masterClrMapping/>
+  </p:clrMapOvr>
+  <p:timing>
+    <p:tnLst>
+      <p:par>
+        <p:cTn id="1" dur="indefinite" restart="never" nodeType="tmRoot">
+          <p:childTnLst>
+            <p:seq concurrent="1" nextAc="seek">
+              <p:cTn id="2" dur="indefinite" nodeType="mainSeq">
+                <p:childTnLst>
+                  <p:par>
+                    <p:cTn id="3" fill="hold">
+                      <p:stCondLst>
+                        <p:cond delay="indefinite"/>
+                      </p:stCondLst>
+                      <p:childTnLst>
+                        <p:par>
+                          <p:cTn id="4" fill="hold">
+                            <p:stCondLst>
+                              <p:cond delay="0"/>
+                            </p:stCondLst>
+                            <p:childTnLst>
+                              <p:par>
+                                <p:cTn id="5" presetID="1" presetClass="entr" presetSubtype="0" fill="hold" grpId="0" nodeType="clickEffect">
+                                  <p:stCondLst>
+                                    <p:cond delay="0"/>
+                                  </p:stCondLst>
+                                  <p:childTnLst>
+                                    <p:set>
+                                      <p:cBhvr>
+                                        <p:cTn id="6" dur="1" fill="hold">
+                                          <p:stCondLst>
+                                            <p:cond delay="0"/>
+                                          </p:stCondLst>
+                                        </p:cTn>
+                                        <p:tgtEl>
+                                          <p:spTgt spid="3">
+                                            <p:txEl>
+                                              <p:pRg st="0" end="0"/>
+                                            </p:txEl>
+                                          </p:spTgt>
+                                        </p:tgtEl>
+                                        <p:attrNameLst>
+                                          <p:attrName>style.visibility</p:attrName>
+                                        </p:attrNameLst>
+                                      </p:cBhvr>
+                                      <p:to>
+                                        <p:strVal val="visible"/>
+                                      </p:to>
+                                    </p:set>
+                                  </p:childTnLst>
+                                </p:cTn>
+                              </p:par>
+                            </p:childTnLst>
+                          </p:cTn>
+                        </p:par>
+                      </p:childTnLst>
+                    </p:cTn>
+                  </p:par>
+                  <p:par>
+                    <p:cTn id="7" fill="hold">
+                      <p:stCondLst>
+                        <p:cond delay="indefinite"/>
+                      </p:stCondLst>
+                      <p:childTnLst>
+                        <p:par>
+                          <p:cTn id="8" fill="hold">
+                            <p:stCondLst>
+                              <p:cond delay="0"/>
+                            </p:stCondLst>
+                            <p:childTnLst>
+                              <p:par>
+                                <p:cTn id="9" presetID="10" presetClass="entr" presetSubtype="0" fill="hold" nodeType="clickEffect">
+                                  <p:stCondLst>
+                                    <p:cond delay="0"/>
+                                  </p:stCondLst>
+                                  <p:childTnLst>
+                                    <p:set>
+                                      <p:cBhvr>
+                                        <p:cTn id="10" dur="1" fill="hold">
+                                          <p:stCondLst>
+                                            <p:cond delay="0"/>
+                                          </p:stCondLst>
+                                        </p:cTn>
+                                        <p:tgtEl>
+                                          <p:spTgt spid="6"/>
+                                        </p:tgtEl>
+                                        <p:attrNameLst>
+                                          <p:attrName>style.visibility</p:attrName>
+                                        </p:attrNameLst>
+                                      </p:cBhvr>
+                                      <p:to>
+                                        <p:strVal val="visible"/>
+                                      </p:to>
+                                    </p:set>
+                                    <p:animEffect transition="in" filter="fade">
+                                      <p:cBhvr>
+                                        <p:cTn id="11" dur="500"/>
+                                        <p:tgtEl>
+                                          <p:spTgt spid="6"/>
+                                        </p:tgtEl>
+                                      </p:cBhvr>
+                                    </p:animEffect>
+                                  </p:childTnLst>
+                                </p:cTn>
+                              </p:par>
+                            </p:childTnLst>
+                          </p:cTn>
+                        </p:par>
+                      </p:childTnLst>
+                    </p:cTn>
+                  </p:par>
+                  <p:par>
+                    <p:cTn id="12" fill="hold">
+                      <p:stCondLst>
+                        <p:cond delay="indefinite"/>
+                      </p:stCondLst>
+                      <p:childTnLst>
+                        <p:par>
+                          <p:cTn id="13" fill="hold">
+                            <p:stCondLst>
+                              <p:cond delay="0"/>
+                            </p:stCondLst>
+                            <p:childTnLst>
+                              <p:par>
+                                <p:cTn id="14" presetID="10" presetClass="entr" presetSubtype="0" fill="hold" nodeType="clickEffect">
+                                  <p:stCondLst>
+                                    <p:cond delay="0"/>
+                                  </p:stCondLst>
+                                  <p:childTnLst>
+                                    <p:set>
+                                      <p:cBhvr>
+                                        <p:cTn id="15" dur="1" fill="hold">
+                                          <p:stCondLst>
+                                            <p:cond delay="0"/>
+                                          </p:stCondLst>
+                                        </p:cTn>
+                                        <p:tgtEl>
+                                          <p:spTgt spid="1028"/>
+                                        </p:tgtEl>
+                                        <p:attrNameLst>
+                                          <p:attrName>style.visibility</p:attrName>
+                                        </p:attrNameLst>
+                                      </p:cBhvr>
+                                      <p:to>
+                                        <p:strVal val="visible"/>
+                                      </p:to>
+                                    </p:set>
+                                    <p:animEffect transition="in" filter="fade">
+                                      <p:cBhvr>
+                                        <p:cTn id="16" dur="500"/>
+                                        <p:tgtEl>
+                                          <p:spTgt spid="1028"/>
+                                        </p:tgtEl>
+                                      </p:cBhvr>
+                                    </p:animEffect>
+                                  </p:childTnLst>
+                                </p:cTn>
+                              </p:par>
+                            </p:childTnLst>
+                          </p:cTn>
+                        </p:par>
+                      </p:childTnLst>
+                    </p:cTn>
+                  </p:par>
+                  <p:par>
+                    <p:cTn id="17" fill="hold">
+                      <p:stCondLst>
+                        <p:cond delay="indefinite"/>
+                      </p:stCondLst>
+                      <p:childTnLst>
+                        <p:par>
+                          <p:cTn id="18" fill="hold">
+                            <p:stCondLst>
+                              <p:cond delay="0"/>
+                            </p:stCondLst>
+                            <p:childTnLst>
+                              <p:par>
+                                <p:cTn id="19" presetID="10" presetClass="entr" presetSubtype="0" fill="hold" nodeType="clickEffect">
+                                  <p:stCondLst>
+                                    <p:cond delay="0"/>
+                                  </p:stCondLst>
+                                  <p:childTnLst>
+                                    <p:set>
+                                      <p:cBhvr>
+                                        <p:cTn id="20" dur="1" fill="hold">
+                                          <p:stCondLst>
+                                            <p:cond delay="0"/>
+                                          </p:stCondLst>
+                                        </p:cTn>
+                                        <p:tgtEl>
+                                          <p:spTgt spid="1026"/>
+                                        </p:tgtEl>
+                                        <p:attrNameLst>
+                                          <p:attrName>style.visibility</p:attrName>
+                                        </p:attrNameLst>
+                                      </p:cBhvr>
+                                      <p:to>
+                                        <p:strVal val="visible"/>
+                                      </p:to>
+                                    </p:set>
+                                    <p:animEffect transition="in" filter="fade">
+                                      <p:cBhvr>
+                                        <p:cTn id="21" dur="500"/>
+                                        <p:tgtEl>
+                                          <p:spTgt spid="1026"/>
+                                        </p:tgtEl>
+                                      </p:cBhvr>
+                                    </p:animEffect>
+                                  </p:childTnLst>
+                                </p:cTn>
+                              </p:par>
+                            </p:childTnLst>
+                          </p:cTn>
+                        </p:par>
+                      </p:childTnLst>
+                    </p:cTn>
+                  </p:par>
+                  <p:par>
+                    <p:cTn id="22" fill="hold">
+                      <p:stCondLst>
+                        <p:cond delay="indefinite"/>
+                      </p:stCondLst>
+                      <p:childTnLst>
+                        <p:par>
+                          <p:cTn id="23" fill="hold">
+                            <p:stCondLst>
+                              <p:cond delay="0"/>
+                            </p:stCondLst>
+                            <p:childTnLst>
+                              <p:par>
+                                <p:cTn id="24" presetID="1" presetClass="entr" presetSubtype="0" fill="hold" grpId="0" nodeType="clickEffect">
+                                  <p:stCondLst>
+                                    <p:cond delay="0"/>
+                                  </p:stCondLst>
+                                  <p:childTnLst>
+                                    <p:set>
+                                      <p:cBhvr>
+                                        <p:cTn id="25" dur="1" fill="hold">
+                                          <p:stCondLst>
+                                            <p:cond delay="0"/>
+                                          </p:stCondLst>
+                                        </p:cTn>
+                                        <p:tgtEl>
+                                          <p:spTgt spid="3">
+                                            <p:txEl>
+                                              <p:pRg st="1" end="1"/>
+                                            </p:txEl>
+                                          </p:spTgt>
+                                        </p:tgtEl>
+                                        <p:attrNameLst>
+                                          <p:attrName>style.visibility</p:attrName>
+                                        </p:attrNameLst>
+                                      </p:cBhvr>
+                                      <p:to>
+                                        <p:strVal val="visible"/>
+                                      </p:to>
+                                    </p:set>
+                                  </p:childTnLst>
+                                </p:cTn>
+                              </p:par>
+                            </p:childTnLst>
+                          </p:cTn>
+                        </p:par>
+                      </p:childTnLst>
+                    </p:cTn>
+                  </p:par>
+                  <p:par>
+                    <p:cTn id="26" fill="hold">
+                      <p:stCondLst>
+                        <p:cond delay="indefinite"/>
+                      </p:stCondLst>
+                      <p:childTnLst>
+                        <p:par>
+                          <p:cTn id="27" fill="hold">
+                            <p:stCondLst>
+                              <p:cond delay="0"/>
+                            </p:stCondLst>
+                            <p:childTnLst>
+                              <p:par>
+                                <p:cTn id="28" presetID="1" presetClass="entr" presetSubtype="0" fill="hold" grpId="0" nodeType="clickEffect">
+                                  <p:stCondLst>
+                                    <p:cond delay="0"/>
+                                  </p:stCondLst>
+                                  <p:childTnLst>
+                                    <p:set>
+                                      <p:cBhvr>
+                                        <p:cTn id="29" dur="1" fill="hold">
+                                          <p:stCondLst>
+                                            <p:cond delay="0"/>
+                                          </p:stCondLst>
+                                        </p:cTn>
+                                        <p:tgtEl>
+                                          <p:spTgt spid="3">
+                                            <p:txEl>
+                                              <p:pRg st="2" end="2"/>
+                                            </p:txEl>
+                                          </p:spTgt>
+                                        </p:tgtEl>
+                                        <p:attrNameLst>
+                                          <p:attrName>style.visibility</p:attrName>
+                                        </p:attrNameLst>
+                                      </p:cBhvr>
+                                      <p:to>
+                                        <p:strVal val="visible"/>
+                                      </p:to>
+                                    </p:set>
+                                  </p:childTnLst>
+                                </p:cTn>
+                              </p:par>
+                            </p:childTnLst>
+                          </p:cTn>
+                        </p:par>
+                      </p:childTnLst>
+                    </p:cTn>
+                  </p:par>
+                  <p:par>
+                    <p:cTn id="30" fill="hold">
+                      <p:stCondLst>
+                        <p:cond delay="indefinite"/>
+                      </p:stCondLst>
+                      <p:childTnLst>
+                        <p:par>
+                          <p:cTn id="31" fill="hold">
+                            <p:stCondLst>
+                              <p:cond delay="0"/>
+                            </p:stCondLst>
+                            <p:childTnLst>
+                              <p:par>
+                                <p:cTn id="32" presetID="1" presetClass="entr" presetSubtype="0" fill="hold" grpId="0" nodeType="clickEffect">
+                                  <p:stCondLst>
+                                    <p:cond delay="0"/>
+                                  </p:stCondLst>
+                                  <p:childTnLst>
+                                    <p:set>
+                                      <p:cBhvr>
+                                        <p:cTn id="33" dur="1" fill="hold">
+                                          <p:stCondLst>
+                                            <p:cond delay="0"/>
+                                          </p:stCondLst>
+                                        </p:cTn>
+                                        <p:tgtEl>
+                                          <p:spTgt spid="3">
+                                            <p:txEl>
+                                              <p:pRg st="3" end="3"/>
+                                            </p:txEl>
+                                          </p:spTgt>
+                                        </p:tgtEl>
+                                        <p:attrNameLst>
+                                          <p:attrName>style.visibility</p:attrName>
+                                        </p:attrNameLst>
+                                      </p:cBhvr>
+                                      <p:to>
+                                        <p:strVal val="visible"/>
+                                      </p:to>
+                                    </p:set>
+                                  </p:childTnLst>
+                                </p:cTn>
+                              </p:par>
+                            </p:childTnLst>
+                          </p:cTn>
+                        </p:par>
+                      </p:childTnLst>
+                    </p:cTn>
+                  </p:par>
+                  <p:par>
+                    <p:cTn id="34" fill="hold">
+                      <p:stCondLst>
+                        <p:cond delay="indefinite"/>
+                      </p:stCondLst>
+                      <p:childTnLst>
+                        <p:par>
+                          <p:cTn id="35" fill="hold">
+                            <p:stCondLst>
+                              <p:cond delay="0"/>
+                            </p:stCondLst>
+                            <p:childTnLst>
+                              <p:par>
+                                <p:cTn id="36" presetID="1" presetClass="entr" presetSubtype="0" fill="hold" grpId="0" nodeType="clickEffect">
+                                  <p:stCondLst>
+                                    <p:cond delay="0"/>
+                                  </p:stCondLst>
+                                  <p:childTnLst>
+                                    <p:set>
+                                      <p:cBhvr>
+                                        <p:cTn id="37" dur="1" fill="hold">
+                                          <p:stCondLst>
+                                            <p:cond delay="0"/>
+                                          </p:stCondLst>
+                                        </p:cTn>
+                                        <p:tgtEl>
+                                          <p:spTgt spid="3">
+                                            <p:txEl>
+                                              <p:pRg st="5" end="5"/>
+                                            </p:txEl>
+                                          </p:spTgt>
+                                        </p:tgtEl>
+                                        <p:attrNameLst>
+                                          <p:attrName>style.visibility</p:attrName>
+                                        </p:attrNameLst>
+                                      </p:cBhvr>
+                                      <p:to>
+                                        <p:strVal val="visible"/>
+                                      </p:to>
+                                    </p:set>
+                                  </p:childTnLst>
+                                </p:cTn>
+                              </p:par>
+                              <p:par>
+                                <p:cTn id="38" presetID="1" presetClass="entr" presetSubtype="0" fill="hold" grpId="0" nodeType="withEffect">
+                                  <p:stCondLst>
+                                    <p:cond delay="0"/>
+                                  </p:stCondLst>
+                                  <p:childTnLst>
+                                    <p:set>
+                                      <p:cBhvr>
+                                        <p:cTn id="39" dur="1" fill="hold">
+                                          <p:stCondLst>
+                                            <p:cond delay="0"/>
+                                          </p:stCondLst>
+                                        </p:cTn>
+                                        <p:tgtEl>
+                                          <p:spTgt spid="3">
+                                            <p:txEl>
+                                              <p:pRg st="6" end="6"/>
+                                            </p:txEl>
+                                          </p:spTgt>
+                                        </p:tgtEl>
+                                        <p:attrNameLst>
+                                          <p:attrName>style.visibility</p:attrName>
+                                        </p:attrNameLst>
+                                      </p:cBhvr>
+                                      <p:to>
+                                        <p:strVal val="visible"/>
+                                      </p:to>
+                                    </p:set>
+                                  </p:childTnLst>
+                                </p:cTn>
+                              </p:par>
+                            </p:childTnLst>
+                          </p:cTn>
+                        </p:par>
+                      </p:childTnLst>
+                    </p:cTn>
+                  </p:par>
+                </p:childTnLst>
+              </p:cTn>
+              <p:prevCondLst>
+                <p:cond evt="onPrev" delay="0">
+                  <p:tgtEl>
+                    <p:sldTgt/>
+                  </p:tgtEl>
+                </p:cond>
+              </p:prevCondLst>
+              <p:nextCondLst>
+                <p:cond evt="onNext" delay="0">
+                  <p:tgtEl>
+                    <p:sldTgt/>
+                  </p:tgtEl>
+                </p:cond>
+              </p:nextCondLst>
+            </p:seq>
+          </p:childTnLst>
+        </p:cTn>
+      </p:par>
+    </p:tnLst>
+    <p:bldLst>
+      <p:bldP spid="3" grpId="0" uiExpand="1" build="p"/>
+    </p:bldLst>
+  </p:timing>
+</p:sld>
+</file>
+
+<file path=ppt/slides/slide6.xml><?xml version="1.0" encoding="utf-8"?>
+<p:sld xmlns:a="http://schemas.openxmlformats.org/drawingml/2006/main" xmlns:r="http://schemas.openxmlformats.org/officeDocument/2006/relationships" xmlns:p="http://schemas.openxmlformats.org/presentationml/2006/main">
+  <p:cSld>
+    <p:spTree>
+      <p:nvGrpSpPr>
+        <p:cNvPr id="1" name=""/>
+        <p:cNvGrpSpPr/>
+        <p:nvPr/>
+      </p:nvGrpSpPr>
+      <p:grpSpPr>
+        <a:xfrm>
+          <a:off x="0" y="0"/>
+          <a:ext cx="0" cy="0"/>
+          <a:chOff x="0" y="0"/>
+          <a:chExt cx="0" cy="0"/>
+        </a:xfrm>
+      </p:grpSpPr>
+      <p:sp>
+        <p:nvSpPr>
+          <p:cNvPr id="2" name="Title 1">
+            <a:extLst>
+              <a:ext uri="{FF2B5EF4-FFF2-40B4-BE49-F238E27FC236}">
+                <a16:creationId xmlns:a16="http://schemas.microsoft.com/office/drawing/2014/main" id="{61A07C29-9A58-4871-BDC5-A36C637901C2}"/>
+              </a:ext>
+            </a:extLst>
+          </p:cNvPr>
+          <p:cNvSpPr>
+            <a:spLocks noGrp="1"/>
+          </p:cNvSpPr>
+          <p:nvPr>
+            <p:ph type="title"/>
+          </p:nvPr>
+        </p:nvSpPr>
+        <p:spPr/>
+        <p:txBody>
+          <a:bodyPr>
+            <a:normAutofit fontScale="90000"/>
+          </a:bodyPr>
+          <a:lstStyle/>
+          <a:p>
+            <a:r>
+              <a:rPr lang="en-US" dirty="0"/>
+              <a:t>Solving a Rigid Body Kinetics Problem</a:t>
+            </a:r>
+            <a:br>
+              <a:rPr lang="en-US" dirty="0"/>
+            </a:br>
+            <a:r>
+              <a:rPr lang="en-US" dirty="0"/>
+              <a:t>(The Process)</a:t>
+            </a:r>
+          </a:p>
+        </p:txBody>
+      </p:sp>
+      <p:sp>
+        <p:nvSpPr>
+          <p:cNvPr id="3" name="Content Placeholder 2">
+            <a:extLst>
+              <a:ext uri="{FF2B5EF4-FFF2-40B4-BE49-F238E27FC236}">
+                <a16:creationId xmlns:a16="http://schemas.microsoft.com/office/drawing/2014/main" id="{A0280897-CDB5-4D78-9300-B055EC7031D9}"/>
+              </a:ext>
+            </a:extLst>
+          </p:cNvPr>
+          <p:cNvSpPr>
+            <a:spLocks noGrp="1"/>
+          </p:cNvSpPr>
+          <p:nvPr>
+            <p:ph idx="1"/>
+          </p:nvPr>
+        </p:nvSpPr>
+        <p:spPr>
+          <a:xfrm>
+            <a:off x="457200" y="1676400"/>
+            <a:ext cx="8229600" cy="4724400"/>
+          </a:xfrm>
+        </p:spPr>
+        <p:txBody>
+          <a:bodyPr>
+            <a:normAutofit fontScale="70000" lnSpcReduction="20000"/>
+          </a:bodyPr>
+          <a:lstStyle/>
+          <a:p>
+            <a:r>
+              <a:rPr lang="en-US" dirty="0"/>
+              <a:t>The process used in solving a kinetics problem is similar to solving a problem in statics and consists of three steps.</a:t>
+            </a:r>
+          </a:p>
+          <a:p>
+            <a:pPr marL="514350" indent="-514350">
+              <a:buFont typeface="+mj-lt"/>
+              <a:buAutoNum type="arabicPeriod"/>
             </a:pPr>
-            <a:fld id="{929262FE-7F58-4A1E-8AF3-5A510A86DEBD}" type="slidenum">
-              <a:rPr kumimoji="0" lang="en-US" sz="1200" b="0" i="0" u="none" strike="noStrike" kern="1200" cap="none" spc="0" normalizeH="0" baseline="0" noProof="0" smtClean="0">
-                <a:ln>
-                  <a:noFill/>
-                </a:ln>
+            <a:r>
+              <a:rPr lang="en-US" dirty="0"/>
+              <a:t>Set up a </a:t>
+            </a:r>
+            <a:r>
+              <a:rPr lang="en-US" b="1" dirty="0"/>
+              <a:t>free body diagram</a:t>
+            </a:r>
+            <a:r>
+              <a:rPr lang="en-US" dirty="0"/>
+              <a:t>.</a:t>
+            </a:r>
+          </a:p>
+          <a:p>
+            <a:pPr marL="914400" lvl="1" indent="-514350"/>
+            <a:r>
+              <a:rPr lang="en-US" dirty="0"/>
+              <a:t>Draw the body separated from it’s surroundings</a:t>
+            </a:r>
+          </a:p>
+          <a:p>
+            <a:pPr marL="914400" lvl="1" indent="-514350"/>
+            <a:r>
+              <a:rPr lang="en-US" dirty="0"/>
+              <a:t>Draw in all the known and unknown forces (</a:t>
+            </a:r>
+            <a:r>
+              <a:rPr lang="en-US" dirty="0">
                 <a:solidFill>
-                  <a:srgbClr val="4F81BD">
-                    <a:lumMod val="50000"/>
-                  </a:srgbClr>
+                  <a:srgbClr val="FF0000"/>
                 </a:solidFill>
-                <a:effectLst/>
-                <a:uLnTx/>
-                <a:uFillTx/>
-                <a:latin typeface="Calibri"/>
-                <a:ea typeface="+mn-ea"/>
-                <a:cs typeface="+mn-cs"/>
               </a:rPr>
-              <a:pPr marL="0" marR="0" lvl="0" indent="0" algn="r" defTabSz="914400" rtl="0" eaLnBrk="1" fontAlgn="auto" latinLnBrk="0" hangingPunct="1">
-                <a:lnSpc>
-                  <a:spcPct val="100000"/>
-                </a:lnSpc>
-                <a:spcBef>
-                  <a:spcPts val="0"/>
-                </a:spcBef>
-                <a:spcAft>
-                  <a:spcPts val="0"/>
-                </a:spcAft>
-                <a:buClrTx/>
-                <a:buSzTx/>
-                <a:buFontTx/>
-                <a:buNone/>
-                <a:tabLst/>
-                <a:defRPr/>
-              </a:pPr>
-              <a:t>6</a:t>
-            </a:fld>
-            <a:endParaRPr kumimoji="0" lang="en-US" sz="1200" b="0" i="0" u="none" strike="noStrike" kern="1200" cap="none" spc="0" normalizeH="0" baseline="0" noProof="0">
-              <a:ln>
-                <a:noFill/>
-              </a:ln>
-              <a:solidFill>
-                <a:srgbClr val="4F81BD">
-                  <a:lumMod val="50000"/>
-                </a:srgbClr>
-              </a:solidFill>
-              <a:effectLst/>
-              <a:uLnTx/>
-              <a:uFillTx/>
-              <a:latin typeface="Calibri"/>
-              <a:ea typeface="+mn-ea"/>
-              <a:cs typeface="+mn-cs"/>
-            </a:endParaRPr>
+              <a:t>I use red for forces</a:t>
+            </a:r>
+            <a:r>
+              <a:rPr lang="en-US" dirty="0"/>
+              <a:t>) as well as key dimensions and angles (</a:t>
+            </a:r>
+            <a:r>
+              <a:rPr lang="en-US" dirty="0">
+                <a:solidFill>
+                  <a:schemeClr val="accent1"/>
+                </a:solidFill>
+              </a:rPr>
+              <a:t>I use blue for dimensions and angles</a:t>
+            </a:r>
+            <a:r>
+              <a:rPr lang="en-US" dirty="0"/>
+              <a:t>)</a:t>
+            </a:r>
+          </a:p>
+          <a:p>
+            <a:pPr marL="914400" lvl="1" indent="-514350"/>
+            <a:r>
+              <a:rPr lang="en-US" dirty="0"/>
+              <a:t>Draw in the acceleration vectors (</a:t>
+            </a:r>
+            <a:r>
+              <a:rPr lang="en-US" dirty="0">
+                <a:solidFill>
+                  <a:schemeClr val="accent1"/>
+                </a:solidFill>
+              </a:rPr>
+              <a:t>I use a blue dashed vector for this</a:t>
+            </a:r>
+            <a:r>
+              <a:rPr lang="en-US" dirty="0"/>
+              <a:t>)</a:t>
+            </a:r>
+          </a:p>
+          <a:p>
+            <a:pPr marL="514350" indent="-514350">
+              <a:buFont typeface="+mj-lt"/>
+              <a:buAutoNum type="arabicPeriod"/>
+            </a:pPr>
+            <a:r>
+              <a:rPr lang="en-US" dirty="0"/>
+              <a:t>Use the free body diagram to write out your </a:t>
+            </a:r>
+            <a:r>
+              <a:rPr lang="en-US" b="1" dirty="0"/>
+              <a:t>equations of motion</a:t>
+            </a:r>
+            <a:r>
+              <a:rPr lang="en-US" dirty="0"/>
+              <a:t>, breaking all forces down into x and y components, and writing out all the moments about the center of mass of the body or the fixed axis of rotation.</a:t>
+            </a:r>
+          </a:p>
+          <a:p>
+            <a:pPr marL="914400" lvl="1" indent="-514350"/>
+            <a:r>
+              <a:rPr lang="en-US" dirty="0"/>
+              <a:t>These may be supplemented with kinematics equations.</a:t>
+            </a:r>
+          </a:p>
+          <a:p>
+            <a:pPr marL="514350" indent="-514350">
+              <a:buFont typeface="+mj-lt"/>
+              <a:buAutoNum type="arabicPeriod"/>
+            </a:pPr>
+            <a:r>
+              <a:rPr lang="en-US" dirty="0"/>
+              <a:t>Solve the equations for any unknowns.</a:t>
+            </a:r>
+          </a:p>
+          <a:p>
+            <a:pPr marL="514350" indent="-514350">
+              <a:buFont typeface="+mj-lt"/>
+              <a:buAutoNum type="arabicPeriod"/>
+            </a:pPr>
+            <a:endParaRPr lang="en-US" dirty="0"/>
           </a:p>
         </p:txBody>
       </p:sp>
     </p:spTree>
     <p:extLst>
       <p:ext uri="{BB962C8B-B14F-4D97-AF65-F5344CB8AC3E}">
-        <p14:creationId xmlns:p14="http://schemas.microsoft.com/office/powerpoint/2010/main" val="1837511580"/>
+        <p14:creationId xmlns:p14="http://schemas.microsoft.com/office/powerpoint/2010/main" val="2175471731"/>
       </p:ext>
     </p:extLst>
   </p:cSld>
@@ -6144,33 +7540,15 @@
                                   </p:childTnLst>
                                 </p:cTn>
                               </p:par>
-                            </p:childTnLst>
-                          </p:cTn>
-                        </p:par>
-                      </p:childTnLst>
-                    </p:cTn>
-                  </p:par>
-                  <p:par>
-                    <p:cTn id="13" fill="hold">
-                      <p:stCondLst>
-                        <p:cond delay="indefinite"/>
-                      </p:stCondLst>
-                      <p:childTnLst>
-                        <p:par>
-                          <p:cTn id="14" fill="hold">
-                            <p:stCondLst>
-                              <p:cond delay="0"/>
-                            </p:stCondLst>
-                            <p:childTnLst>
                               <p:par>
-                                <p:cTn id="15" presetID="1" presetClass="entr" presetSubtype="0" fill="hold" grpId="0" nodeType="clickEffect">
+                                <p:cTn id="13" presetID="1" presetClass="entr" presetSubtype="0" fill="hold" grpId="0" nodeType="withEffect">
                                   <p:stCondLst>
                                     <p:cond delay="0"/>
                                   </p:stCondLst>
                                   <p:childTnLst>
                                     <p:set>
                                       <p:cBhvr>
-                                        <p:cTn id="16" dur="1" fill="hold">
+                                        <p:cTn id="14" dur="1" fill="hold">
                                           <p:stCondLst>
                                             <p:cond delay="0"/>
                                           </p:stCondLst>
@@ -6194,14 +7572,14 @@
                                 </p:cTn>
                               </p:par>
                               <p:par>
-                                <p:cTn id="17" presetID="1" presetClass="entr" presetSubtype="0" fill="hold" grpId="0" nodeType="withEffect">
+                                <p:cTn id="15" presetID="1" presetClass="entr" presetSubtype="0" fill="hold" grpId="0" nodeType="withEffect">
                                   <p:stCondLst>
                                     <p:cond delay="0"/>
                                   </p:stCondLst>
                                   <p:childTnLst>
                                     <p:set>
                                       <p:cBhvr>
-                                        <p:cTn id="18" dur="1" fill="hold">
+                                        <p:cTn id="16" dur="1" fill="hold">
                                           <p:stCondLst>
                                             <p:cond delay="0"/>
                                           </p:stCondLst>
@@ -6210,6 +7588,135 @@
                                           <p:spTgt spid="3">
                                             <p:txEl>
                                               <p:pRg st="4" end="4"/>
+                                            </p:txEl>
+                                          </p:spTgt>
+                                        </p:tgtEl>
+                                        <p:attrNameLst>
+                                          <p:attrName>style.visibility</p:attrName>
+                                        </p:attrNameLst>
+                                      </p:cBhvr>
+                                      <p:to>
+                                        <p:strVal val="visible"/>
+                                      </p:to>
+                                    </p:set>
+                                  </p:childTnLst>
+                                </p:cTn>
+                              </p:par>
+                            </p:childTnLst>
+                          </p:cTn>
+                        </p:par>
+                      </p:childTnLst>
+                    </p:cTn>
+                  </p:par>
+                  <p:par>
+                    <p:cTn id="17" fill="hold">
+                      <p:stCondLst>
+                        <p:cond delay="indefinite"/>
+                      </p:stCondLst>
+                      <p:childTnLst>
+                        <p:par>
+                          <p:cTn id="18" fill="hold">
+                            <p:stCondLst>
+                              <p:cond delay="0"/>
+                            </p:stCondLst>
+                            <p:childTnLst>
+                              <p:par>
+                                <p:cTn id="19" presetID="1" presetClass="entr" presetSubtype="0" fill="hold" grpId="0" nodeType="clickEffect">
+                                  <p:stCondLst>
+                                    <p:cond delay="0"/>
+                                  </p:stCondLst>
+                                  <p:childTnLst>
+                                    <p:set>
+                                      <p:cBhvr>
+                                        <p:cTn id="20" dur="1" fill="hold">
+                                          <p:stCondLst>
+                                            <p:cond delay="0"/>
+                                          </p:stCondLst>
+                                        </p:cTn>
+                                        <p:tgtEl>
+                                          <p:spTgt spid="3">
+                                            <p:txEl>
+                                              <p:pRg st="5" end="5"/>
+                                            </p:txEl>
+                                          </p:spTgt>
+                                        </p:tgtEl>
+                                        <p:attrNameLst>
+                                          <p:attrName>style.visibility</p:attrName>
+                                        </p:attrNameLst>
+                                      </p:cBhvr>
+                                      <p:to>
+                                        <p:strVal val="visible"/>
+                                      </p:to>
+                                    </p:set>
+                                  </p:childTnLst>
+                                </p:cTn>
+                              </p:par>
+                              <p:par>
+                                <p:cTn id="21" presetID="1" presetClass="entr" presetSubtype="0" fill="hold" grpId="0" nodeType="withEffect">
+                                  <p:stCondLst>
+                                    <p:cond delay="0"/>
+                                  </p:stCondLst>
+                                  <p:childTnLst>
+                                    <p:set>
+                                      <p:cBhvr>
+                                        <p:cTn id="22" dur="1" fill="hold">
+                                          <p:stCondLst>
+                                            <p:cond delay="0"/>
+                                          </p:stCondLst>
+                                        </p:cTn>
+                                        <p:tgtEl>
+                                          <p:spTgt spid="3">
+                                            <p:txEl>
+                                              <p:pRg st="6" end="6"/>
+                                            </p:txEl>
+                                          </p:spTgt>
+                                        </p:tgtEl>
+                                        <p:attrNameLst>
+                                          <p:attrName>style.visibility</p:attrName>
+                                        </p:attrNameLst>
+                                      </p:cBhvr>
+                                      <p:to>
+                                        <p:strVal val="visible"/>
+                                      </p:to>
+                                    </p:set>
+                                  </p:childTnLst>
+                                </p:cTn>
+                              </p:par>
+                            </p:childTnLst>
+                          </p:cTn>
+                        </p:par>
+                      </p:childTnLst>
+                    </p:cTn>
+                  </p:par>
+                  <p:par>
+                    <p:cTn id="23" fill="hold">
+                      <p:stCondLst>
+                        <p:cond delay="indefinite"/>
+                      </p:stCondLst>
+                      <p:childTnLst>
+                        <p:par>
+                          <p:cTn id="24" fill="hold">
+                            <p:stCondLst>
+                              <p:cond delay="0"/>
+                            </p:stCondLst>
+                            <p:childTnLst>
+                              <p:par>
+                                <p:cTn id="25" presetID="1" presetClass="entr" presetSubtype="0" fill="hold" grpId="0" nodeType="clickEffect">
+                                  <p:stCondLst>
+                                    <p:cond delay="0"/>
+                                  </p:stCondLst>
+                                  <p:childTnLst>
+                                    <p:set>
+                                      <p:cBhvr>
+                                        <p:cTn id="26" dur="1" fill="hold">
+                                          <p:stCondLst>
+                                            <p:cond delay="0"/>
+                                          </p:stCondLst>
+                                        </p:cTn>
+                                        <p:tgtEl>
+                                          <p:spTgt spid="3">
+                                            <p:txEl>
+                                              <p:pRg st="7" end="7"/>
                                             </p:txEl>
                                           </p:spTgt>
                                         </p:tgtEl>
@@ -6277,18 +7784,12 @@
       </p:grpSpPr>
       <p:sp>
         <p:nvSpPr>
-          <p:cNvPr id="2" name="Title 1">
-            <a:extLst>
-              <a:ext uri="{FF2B5EF4-FFF2-40B4-BE49-F238E27FC236}">
-                <a16:creationId xmlns:a16="http://schemas.microsoft.com/office/drawing/2014/main" id="{581FC503-7226-4E3F-BEC1-1427D1C4F6B2}"/>
-              </a:ext>
-            </a:extLst>
-          </p:cNvPr>
+          <p:cNvPr id="2" name="Title 1"/>
           <p:cNvSpPr>
             <a:spLocks noGrp="1"/>
           </p:cNvSpPr>
           <p:nvPr>
-            <p:ph type="title"/>
+            <p:ph type="ctrTitle"/>
           </p:nvPr>
         </p:nvSpPr>
         <p:spPr/>
@@ -6298,235 +7799,29 @@
           <a:p>
             <a:r>
               <a:rPr lang="en-US" dirty="0"/>
-              <a:t>Power Transmission</a:t>
+              <a:t>Thanks for Watching</a:t>
             </a:r>
           </a:p>
         </p:txBody>
       </p:sp>
       <p:sp>
         <p:nvSpPr>
-          <p:cNvPr id="3" name="Content Placeholder 2">
-            <a:extLst>
-              <a:ext uri="{FF2B5EF4-FFF2-40B4-BE49-F238E27FC236}">
-                <a16:creationId xmlns:a16="http://schemas.microsoft.com/office/drawing/2014/main" id="{2D8A053F-1BAE-4253-B8B3-97FC9D379EC6}"/>
-              </a:ext>
-            </a:extLst>
-          </p:cNvPr>
+          <p:cNvPr id="3" name="Subtitle 2"/>
           <p:cNvSpPr>
             <a:spLocks noGrp="1"/>
           </p:cNvSpPr>
           <p:nvPr>
-            <p:ph idx="1"/>
+            <p:ph type="subTitle" idx="1"/>
           </p:nvPr>
         </p:nvSpPr>
-        <p:spPr>
-          <a:xfrm>
-            <a:off x="457200" y="1600200"/>
-            <a:ext cx="4343400" cy="4525963"/>
-          </a:xfrm>
-        </p:spPr>
+        <p:spPr/>
         <p:txBody>
-          <a:bodyPr>
-            <a:normAutofit fontScale="70000" lnSpcReduction="20000"/>
-          </a:bodyPr>
+          <a:bodyPr/>
           <a:lstStyle/>
           <a:p>
             <a:r>
               <a:rPr lang="en-US" dirty="0"/>
-              <a:t>Engineers will frequently need to transfer work or power from one location to another in a system. A common method for doing this is a combination of shafts, pulleys, and gear trains.</a:t>
-            </a:r>
-          </a:p>
-          <a:p>
-            <a:pPr lvl="1"/>
-            <a:r>
-              <a:rPr lang="en-US" dirty="0"/>
-              <a:t>Measuring the angular velocity and torque in a shaft lets us easily identify the power being transferred</a:t>
-            </a:r>
-          </a:p>
-          <a:p>
-            <a:r>
-              <a:rPr lang="en-US" dirty="0"/>
-              <a:t>While belts and pulleys, along with gear trains will alter the torques and angular velocities, the </a:t>
-            </a:r>
-            <a:r>
-              <a:rPr lang="en-US" b="1" dirty="0"/>
-              <a:t>overall power will remain the same</a:t>
-            </a:r>
-            <a:r>
-              <a:rPr lang="en-US" dirty="0"/>
-              <a:t> throughout the system, at least ignoring friction losses.</a:t>
-            </a:r>
-          </a:p>
-        </p:txBody>
-      </p:sp>
-      <p:pic>
-        <p:nvPicPr>
-          <p:cNvPr id="1026" name="Picture 2" descr="A drive shaft in a mill">
-            <a:extLst>
-              <a:ext uri="{FF2B5EF4-FFF2-40B4-BE49-F238E27FC236}">
-                <a16:creationId xmlns:a16="http://schemas.microsoft.com/office/drawing/2014/main" id="{066703EC-1B64-45F3-A709-0CB06235D677}"/>
-              </a:ext>
-            </a:extLst>
-          </p:cNvPr>
-          <p:cNvPicPr>
-            <a:picLocks noChangeAspect="1" noChangeArrowheads="1"/>
-          </p:cNvPicPr>
-          <p:nvPr/>
-        </p:nvPicPr>
-        <p:blipFill>
-          <a:blip r:embed="rId2">
-            <a:extLst>
-              <a:ext uri="{28A0092B-C50C-407E-A947-70E740481C1C}">
-                <a14:useLocalDpi xmlns:a14="http://schemas.microsoft.com/office/drawing/2010/main" val="0"/>
-              </a:ext>
-            </a:extLst>
-          </a:blip>
-          <a:srcRect/>
-          <a:stretch>
-            <a:fillRect/>
-          </a:stretch>
-        </p:blipFill>
-        <p:spPr bwMode="auto">
-          <a:xfrm>
-            <a:off x="5638800" y="1458113"/>
-            <a:ext cx="2801917" cy="2101438"/>
-          </a:xfrm>
-          <a:prstGeom prst="rect">
-            <a:avLst/>
-          </a:prstGeom>
-          <a:noFill/>
-          <a:extLst>
-            <a:ext uri="{909E8E84-426E-40DD-AFC4-6F175D3DCCD1}">
-              <a14:hiddenFill xmlns:a14="http://schemas.microsoft.com/office/drawing/2010/main">
-                <a:solidFill>
-                  <a:srgbClr val="FFFFFF"/>
-                </a:solidFill>
-              </a14:hiddenFill>
-            </a:ext>
-          </a:extLst>
-        </p:spPr>
-      </p:pic>
-      <p:sp>
-        <p:nvSpPr>
-          <p:cNvPr id="4" name="TextBox 3">
-            <a:extLst>
-              <a:ext uri="{FF2B5EF4-FFF2-40B4-BE49-F238E27FC236}">
-                <a16:creationId xmlns:a16="http://schemas.microsoft.com/office/drawing/2014/main" id="{BBA4993B-337F-416B-BB9E-E639DF4ABDC6}"/>
-              </a:ext>
-            </a:extLst>
-          </p:cNvPr>
-          <p:cNvSpPr txBox="1"/>
-          <p:nvPr/>
-        </p:nvSpPr>
-        <p:spPr>
-          <a:xfrm>
-            <a:off x="5226793" y="3530976"/>
-            <a:ext cx="3625929" cy="369332"/>
-          </a:xfrm>
-          <a:prstGeom prst="rect">
-            <a:avLst/>
-          </a:prstGeom>
-          <a:noFill/>
-        </p:spPr>
-        <p:txBody>
-          <a:bodyPr wrap="none" rtlCol="0">
-            <a:spAutoFit/>
-          </a:bodyPr>
-          <a:lstStyle/>
-          <a:p>
-            <a:r>
-              <a:rPr lang="en-US" dirty="0"/>
-              <a:t>Image by Ian </a:t>
-            </a:r>
-            <a:r>
-              <a:rPr lang="en-US" dirty="0" err="1"/>
-              <a:t>Petticrew</a:t>
-            </a:r>
-            <a:r>
-              <a:rPr lang="en-US" dirty="0"/>
-              <a:t> CC-BY-SA 2.0 </a:t>
-            </a:r>
-          </a:p>
-        </p:txBody>
-      </p:sp>
-      <p:pic>
-        <p:nvPicPr>
-          <p:cNvPr id="1028" name="Picture 4">
-            <a:extLst>
-              <a:ext uri="{FF2B5EF4-FFF2-40B4-BE49-F238E27FC236}">
-                <a16:creationId xmlns:a16="http://schemas.microsoft.com/office/drawing/2014/main" id="{BC3F7308-1876-4F33-94B6-48BB1291A3A5}"/>
-              </a:ext>
-            </a:extLst>
-          </p:cNvPr>
-          <p:cNvPicPr>
-            <a:picLocks noChangeAspect="1" noChangeArrowheads="1"/>
-          </p:cNvPicPr>
-          <p:nvPr/>
-        </p:nvPicPr>
-        <p:blipFill>
-          <a:blip r:embed="rId3" cstate="print">
-            <a:extLst>
-              <a:ext uri="{28A0092B-C50C-407E-A947-70E740481C1C}">
-                <a14:useLocalDpi xmlns:a14="http://schemas.microsoft.com/office/drawing/2010/main" val="0"/>
-              </a:ext>
-            </a:extLst>
-          </a:blip>
-          <a:srcRect/>
-          <a:stretch>
-            <a:fillRect/>
-          </a:stretch>
-        </p:blipFill>
-        <p:spPr bwMode="auto">
-          <a:xfrm>
-            <a:off x="5497229" y="4038600"/>
-            <a:ext cx="3085055" cy="2313791"/>
-          </a:xfrm>
-          <a:prstGeom prst="rect">
-            <a:avLst/>
-          </a:prstGeom>
-          <a:noFill/>
-          <a:extLst>
-            <a:ext uri="{909E8E84-426E-40DD-AFC4-6F175D3DCCD1}">
-              <a14:hiddenFill xmlns:a14="http://schemas.microsoft.com/office/drawing/2010/main">
-                <a:solidFill>
-                  <a:srgbClr val="FFFFFF"/>
-                </a:solidFill>
-              </a14:hiddenFill>
-            </a:ext>
-          </a:extLst>
-        </p:spPr>
-      </p:pic>
-      <p:sp>
-        <p:nvSpPr>
-          <p:cNvPr id="7" name="TextBox 6">
-            <a:extLst>
-              <a:ext uri="{FF2B5EF4-FFF2-40B4-BE49-F238E27FC236}">
-                <a16:creationId xmlns:a16="http://schemas.microsoft.com/office/drawing/2014/main" id="{1F1BD99E-E4DA-42E2-AE6E-6531261E38D4}"/>
-              </a:ext>
-            </a:extLst>
-          </p:cNvPr>
-          <p:cNvSpPr txBox="1"/>
-          <p:nvPr/>
-        </p:nvSpPr>
-        <p:spPr>
-          <a:xfrm>
-            <a:off x="5334000" y="6306017"/>
-            <a:ext cx="3732560" cy="369332"/>
-          </a:xfrm>
-          <a:prstGeom prst="rect">
-            <a:avLst/>
-          </a:prstGeom>
-          <a:noFill/>
-        </p:spPr>
-        <p:txBody>
-          <a:bodyPr wrap="none" rtlCol="0">
-            <a:spAutoFit/>
-          </a:bodyPr>
-          <a:lstStyle/>
-          <a:p>
-            <a:r>
-              <a:rPr lang="en-US" dirty="0"/>
-              <a:t>Public Domain Image by Hatsukari715</a:t>
+              <a:t>See other engineering mechanics videos and access the full tool at…</a:t>
             </a:r>
           </a:p>
         </p:txBody>
@@ -6534,371 +7829,13 @@
     </p:spTree>
     <p:extLst>
       <p:ext uri="{BB962C8B-B14F-4D97-AF65-F5344CB8AC3E}">
-        <p14:creationId xmlns:p14="http://schemas.microsoft.com/office/powerpoint/2010/main" val="2988638872"/>
+        <p14:creationId xmlns:p14="http://schemas.microsoft.com/office/powerpoint/2010/main" val="3129637585"/>
       </p:ext>
     </p:extLst>
   </p:cSld>
   <p:clrMapOvr>
     <a:masterClrMapping/>
   </p:clrMapOvr>
-  <p:timing>
-    <p:tnLst>
-      <p:par>
-        <p:cTn id="1" dur="indefinite" restart="never" nodeType="tmRoot">
-          <p:childTnLst>
-            <p:seq concurrent="1" nextAc="seek">
-              <p:cTn id="2" dur="indefinite" nodeType="mainSeq">
-                <p:childTnLst>
-                  <p:par>
-                    <p:cTn id="3" fill="hold">
-                      <p:stCondLst>
-                        <p:cond delay="indefinite"/>
-                      </p:stCondLst>
-                      <p:childTnLst>
-                        <p:par>
-                          <p:cTn id="4" fill="hold">
-                            <p:stCondLst>
-                              <p:cond delay="0"/>
-                            </p:stCondLst>
-                            <p:childTnLst>
-                              <p:par>
-                                <p:cTn id="5" presetID="1" presetClass="entr" presetSubtype="0" fill="hold" grpId="0" nodeType="clickEffect">
-                                  <p:stCondLst>
-                                    <p:cond delay="0"/>
-                                  </p:stCondLst>
-                                  <p:childTnLst>
-                                    <p:set>
-                                      <p:cBhvr>
-                                        <p:cTn id="6" dur="1" fill="hold">
-                                          <p:stCondLst>
-                                            <p:cond delay="0"/>
-                                          </p:stCondLst>
-                                        </p:cTn>
-                                        <p:tgtEl>
-                                          <p:spTgt spid="3">
-                                            <p:txEl>
-                                              <p:pRg st="0" end="0"/>
-                                            </p:txEl>
-                                          </p:spTgt>
-                                        </p:tgtEl>
-                                        <p:attrNameLst>
-                                          <p:attrName>style.visibility</p:attrName>
-                                        </p:attrNameLst>
-                                      </p:cBhvr>
-                                      <p:to>
-                                        <p:strVal val="visible"/>
-                                      </p:to>
-                                    </p:set>
-                                  </p:childTnLst>
-                                </p:cTn>
-                              </p:par>
-                            </p:childTnLst>
-                          </p:cTn>
-                        </p:par>
-                      </p:childTnLst>
-                    </p:cTn>
-                  </p:par>
-                  <p:par>
-                    <p:cTn id="7" fill="hold">
-                      <p:stCondLst>
-                        <p:cond delay="indefinite"/>
-                      </p:stCondLst>
-                      <p:childTnLst>
-                        <p:par>
-                          <p:cTn id="8" fill="hold">
-                            <p:stCondLst>
-                              <p:cond delay="0"/>
-                            </p:stCondLst>
-                            <p:childTnLst>
-                              <p:par>
-                                <p:cTn id="9" presetID="10" presetClass="entr" presetSubtype="0" fill="hold" nodeType="clickEffect">
-                                  <p:stCondLst>
-                                    <p:cond delay="0"/>
-                                  </p:stCondLst>
-                                  <p:childTnLst>
-                                    <p:set>
-                                      <p:cBhvr>
-                                        <p:cTn id="10" dur="1" fill="hold">
-                                          <p:stCondLst>
-                                            <p:cond delay="0"/>
-                                          </p:stCondLst>
-                                        </p:cTn>
-                                        <p:tgtEl>
-                                          <p:spTgt spid="1026"/>
-                                        </p:tgtEl>
-                                        <p:attrNameLst>
-                                          <p:attrName>style.visibility</p:attrName>
-                                        </p:attrNameLst>
-                                      </p:cBhvr>
-                                      <p:to>
-                                        <p:strVal val="visible"/>
-                                      </p:to>
-                                    </p:set>
-                                    <p:animEffect transition="in" filter="fade">
-                                      <p:cBhvr>
-                                        <p:cTn id="11" dur="500"/>
-                                        <p:tgtEl>
-                                          <p:spTgt spid="1026"/>
-                                        </p:tgtEl>
-                                      </p:cBhvr>
-                                    </p:animEffect>
-                                  </p:childTnLst>
-                                </p:cTn>
-                              </p:par>
-                              <p:par>
-                                <p:cTn id="12" presetID="10" presetClass="entr" presetSubtype="0" fill="hold" grpId="0" nodeType="withEffect">
-                                  <p:stCondLst>
-                                    <p:cond delay="0"/>
-                                  </p:stCondLst>
-                                  <p:childTnLst>
-                                    <p:set>
-                                      <p:cBhvr>
-                                        <p:cTn id="13" dur="1" fill="hold">
-                                          <p:stCondLst>
-                                            <p:cond delay="0"/>
-                                          </p:stCondLst>
-                                        </p:cTn>
-                                        <p:tgtEl>
-                                          <p:spTgt spid="4"/>
-                                        </p:tgtEl>
-                                        <p:attrNameLst>
-                                          <p:attrName>style.visibility</p:attrName>
-                                        </p:attrNameLst>
-                                      </p:cBhvr>
-                                      <p:to>
-                                        <p:strVal val="visible"/>
-                                      </p:to>
-                                    </p:set>
-                                    <p:animEffect transition="in" filter="fade">
-                                      <p:cBhvr>
-                                        <p:cTn id="14" dur="500"/>
-                                        <p:tgtEl>
-                                          <p:spTgt spid="4"/>
-                                        </p:tgtEl>
-                                      </p:cBhvr>
-                                    </p:animEffect>
-                                  </p:childTnLst>
-                                </p:cTn>
-                              </p:par>
-                            </p:childTnLst>
-                          </p:cTn>
-                        </p:par>
-                      </p:childTnLst>
-                    </p:cTn>
-                  </p:par>
-                  <p:par>
-                    <p:cTn id="15" fill="hold">
-                      <p:stCondLst>
-                        <p:cond delay="indefinite"/>
-                      </p:stCondLst>
-                      <p:childTnLst>
-                        <p:par>
-                          <p:cTn id="16" fill="hold">
-                            <p:stCondLst>
-                              <p:cond delay="0"/>
-                            </p:stCondLst>
-                            <p:childTnLst>
-                              <p:par>
-                                <p:cTn id="17" presetID="10" presetClass="entr" presetSubtype="0" fill="hold" nodeType="clickEffect">
-                                  <p:stCondLst>
-                                    <p:cond delay="0"/>
-                                  </p:stCondLst>
-                                  <p:childTnLst>
-                                    <p:set>
-                                      <p:cBhvr>
-                                        <p:cTn id="18" dur="1" fill="hold">
-                                          <p:stCondLst>
-                                            <p:cond delay="0"/>
-                                          </p:stCondLst>
-                                        </p:cTn>
-                                        <p:tgtEl>
-                                          <p:spTgt spid="1028"/>
-                                        </p:tgtEl>
-                                        <p:attrNameLst>
-                                          <p:attrName>style.visibility</p:attrName>
-                                        </p:attrNameLst>
-                                      </p:cBhvr>
-                                      <p:to>
-                                        <p:strVal val="visible"/>
-                                      </p:to>
-                                    </p:set>
-                                    <p:animEffect transition="in" filter="fade">
-                                      <p:cBhvr>
-                                        <p:cTn id="19" dur="500"/>
-                                        <p:tgtEl>
-                                          <p:spTgt spid="1028"/>
-                                        </p:tgtEl>
-                                      </p:cBhvr>
-                                    </p:animEffect>
-                                  </p:childTnLst>
-                                </p:cTn>
-                              </p:par>
-                              <p:par>
-                                <p:cTn id="20" presetID="10" presetClass="entr" presetSubtype="0" fill="hold" grpId="0" nodeType="withEffect">
-                                  <p:stCondLst>
-                                    <p:cond delay="0"/>
-                                  </p:stCondLst>
-                                  <p:childTnLst>
-                                    <p:set>
-                                      <p:cBhvr>
-                                        <p:cTn id="21" dur="1" fill="hold">
-                                          <p:stCondLst>
-                                            <p:cond delay="0"/>
-                                          </p:stCondLst>
-                                        </p:cTn>
-                                        <p:tgtEl>
-                                          <p:spTgt spid="7"/>
-                                        </p:tgtEl>
-                                        <p:attrNameLst>
-                                          <p:attrName>style.visibility</p:attrName>
-                                        </p:attrNameLst>
-                                      </p:cBhvr>
-                                      <p:to>
-                                        <p:strVal val="visible"/>
-                                      </p:to>
-                                    </p:set>
-                                    <p:animEffect transition="in" filter="fade">
-                                      <p:cBhvr>
-                                        <p:cTn id="22" dur="500"/>
-                                        <p:tgtEl>
-                                          <p:spTgt spid="7"/>
-                                        </p:tgtEl>
-                                      </p:cBhvr>
-                                    </p:animEffect>
-                                  </p:childTnLst>
-                                </p:cTn>
-                              </p:par>
-                            </p:childTnLst>
-                          </p:cTn>
-                        </p:par>
-                      </p:childTnLst>
-                    </p:cTn>
-                  </p:par>
-                  <p:par>
-                    <p:cTn id="23" fill="hold">
-                      <p:stCondLst>
-                        <p:cond delay="indefinite"/>
-                      </p:stCondLst>
-                      <p:childTnLst>
-                        <p:par>
-                          <p:cTn id="24" fill="hold">
-                            <p:stCondLst>
-                              <p:cond delay="0"/>
-                            </p:stCondLst>
-                            <p:childTnLst>
-                              <p:par>
-                                <p:cTn id="25" presetID="1" presetClass="entr" presetSubtype="0" fill="hold" grpId="0" nodeType="clickEffect">
-                                  <p:stCondLst>
-                                    <p:cond delay="0"/>
-                                  </p:stCondLst>
-                                  <p:childTnLst>
-                                    <p:set>
-                                      <p:cBhvr>
-                                        <p:cTn id="26" dur="1" fill="hold">
-                                          <p:stCondLst>
-                                            <p:cond delay="0"/>
-                                          </p:stCondLst>
-                                        </p:cTn>
-                                        <p:tgtEl>
-                                          <p:spTgt spid="3">
-                                            <p:txEl>
-                                              <p:pRg st="1" end="1"/>
-                                            </p:txEl>
-                                          </p:spTgt>
-                                        </p:tgtEl>
-                                        <p:attrNameLst>
-                                          <p:attrName>style.visibility</p:attrName>
-                                        </p:attrNameLst>
-                                      </p:cBhvr>
-                                      <p:to>
-                                        <p:strVal val="visible"/>
-                                      </p:to>
-                                    </p:set>
-                                  </p:childTnLst>
-                                </p:cTn>
-                              </p:par>
-                            </p:childTnLst>
-                          </p:cTn>
-                        </p:par>
-                      </p:childTnLst>
-                    </p:cTn>
-                  </p:par>
-                  <p:par>
-                    <p:cTn id="27" fill="hold">
-                      <p:stCondLst>
-                        <p:cond delay="indefinite"/>
-                      </p:stCondLst>
-                      <p:childTnLst>
-                        <p:par>
-                          <p:cTn id="28" fill="hold">
-                            <p:stCondLst>
-                              <p:cond delay="0"/>
-                            </p:stCondLst>
-                            <p:childTnLst>
-                              <p:par>
-                                <p:cTn id="29" presetID="1" presetClass="entr" presetSubtype="0" fill="hold" grpId="0" nodeType="clickEffect">
-                                  <p:stCondLst>
-                                    <p:cond delay="0"/>
-                                  </p:stCondLst>
-                                  <p:childTnLst>
-                                    <p:set>
-                                      <p:cBhvr>
-                                        <p:cTn id="30" dur="1" fill="hold">
-                                          <p:stCondLst>
-                                            <p:cond delay="0"/>
-                                          </p:stCondLst>
-                                        </p:cTn>
-                                        <p:tgtEl>
-                                          <p:spTgt spid="3">
-                                            <p:txEl>
-                                              <p:pRg st="2" end="2"/>
-                                            </p:txEl>
-                                          </p:spTgt>
-                                        </p:tgtEl>
-                                        <p:attrNameLst>
-                                          <p:attrName>style.visibility</p:attrName>
-                                        </p:attrNameLst>
-                                      </p:cBhvr>
-                                      <p:to>
-                                        <p:strVal val="visible"/>
-                                      </p:to>
-                                    </p:set>
-                                  </p:childTnLst>
-                                </p:cTn>
-                              </p:par>
-                            </p:childTnLst>
-                          </p:cTn>
-                        </p:par>
-                      </p:childTnLst>
-                    </p:cTn>
-                  </p:par>
-                </p:childTnLst>
-              </p:cTn>
-              <p:prevCondLst>
-                <p:cond evt="onPrev" delay="0">
-                  <p:tgtEl>
-                    <p:sldTgt/>
-                  </p:tgtEl>
-                </p:cond>
-              </p:prevCondLst>
-              <p:nextCondLst>
-                <p:cond evt="onNext" delay="0">
-                  <p:tgtEl>
-                    <p:sldTgt/>
-                  </p:tgtEl>
-                </p:cond>
-              </p:nextCondLst>
-            </p:seq>
-          </p:childTnLst>
-        </p:cTn>
-      </p:par>
-    </p:tnLst>
-    <p:bldLst>
-      <p:bldP spid="3" grpId="0" uiExpand="1" build="p"/>
-      <p:bldP spid="4" grpId="0"/>
-      <p:bldP spid="7" grpId="0"/>
-    </p:bldLst>
-  </p:timing>
 </p:sld>
 </file>
 
@@ -6921,13 +7858,7 @@
       </p:grpSpPr>
       <p:sp>
         <p:nvSpPr>
-          <p:cNvPr id="2" name="Title 1">
-            <a:extLst>
-              <a:ext uri="{FF2B5EF4-FFF2-40B4-BE49-F238E27FC236}">
-                <a16:creationId xmlns:a16="http://schemas.microsoft.com/office/drawing/2014/main" id="{9FD2A529-FAD5-4096-8184-7EC788C5AF78}"/>
-              </a:ext>
-            </a:extLst>
-          </p:cNvPr>
+          <p:cNvPr id="2" name="Title 1"/>
           <p:cNvSpPr>
             <a:spLocks noGrp="1"/>
           </p:cNvSpPr>
@@ -6937,401 +7868,135 @@
         </p:nvSpPr>
         <p:spPr/>
         <p:txBody>
+          <a:bodyPr>
+            <a:normAutofit/>
+          </a:bodyPr>
+          <a:lstStyle/>
+          <a:p>
+            <a:r>
+              <a:rPr lang="en-US" dirty="0"/>
+              <a:t>Worked Example</a:t>
+            </a:r>
+          </a:p>
+        </p:txBody>
+      </p:sp>
+      <p:sp>
+        <p:nvSpPr>
+          <p:cNvPr id="3" name="Content Placeholder 2"/>
+          <p:cNvSpPr>
+            <a:spLocks noGrp="1"/>
+          </p:cNvSpPr>
+          <p:nvPr>
+            <p:ph idx="1"/>
+          </p:nvPr>
+        </p:nvSpPr>
+        <p:spPr>
+          <a:xfrm>
+            <a:off x="457200" y="1600200"/>
+            <a:ext cx="4876800" cy="4648200"/>
+          </a:xfrm>
+        </p:spPr>
+        <p:txBody>
+          <a:bodyPr>
+            <a:normAutofit lnSpcReduction="10000"/>
+          </a:bodyPr>
+          <a:lstStyle/>
+          <a:p>
+            <a:r>
+              <a:rPr lang="en-US" dirty="0"/>
+              <a:t>An 8cm diameter hard drive platter accelerates at a constant rate of 150 rad/s</a:t>
+            </a:r>
+            <a:r>
+              <a:rPr lang="en-US" baseline="30000" dirty="0"/>
+              <a:t>2</a:t>
+            </a:r>
+            <a:r>
+              <a:rPr lang="en-US" dirty="0"/>
+              <a:t>.  If the hard drive weighs a uniformly distributed .05 kg, what moment does the motor need to exert to accelerate the drive at this rate?</a:t>
+            </a:r>
+          </a:p>
+        </p:txBody>
+      </p:sp>
+      <p:sp>
+        <p:nvSpPr>
+          <p:cNvPr id="4" name="Slide Number Placeholder 3"/>
+          <p:cNvSpPr>
+            <a:spLocks noGrp="1"/>
+          </p:cNvSpPr>
+          <p:nvPr>
+            <p:ph type="sldNum" sz="quarter" idx="12"/>
+          </p:nvPr>
+        </p:nvSpPr>
+        <p:spPr/>
+        <p:txBody>
           <a:bodyPr/>
           <a:lstStyle/>
           <a:p>
-            <a:r>
-              <a:rPr lang="en-US" dirty="0"/>
-              <a:t>Power in Rigid Body Systems</a:t>
-            </a:r>
+            <a:fld id="{929262FE-7F58-4A1E-8AF3-5A510A86DEBD}" type="slidenum">
+              <a:rPr lang="en-US" smtClean="0"/>
+              <a:t>8</a:t>
+            </a:fld>
+            <a:endParaRPr lang="en-US" dirty="0"/>
           </a:p>
         </p:txBody>
       </p:sp>
-      <mc:AlternateContent xmlns:mc="http://schemas.openxmlformats.org/markup-compatibility/2006" xmlns:a14="http://schemas.microsoft.com/office/drawing/2010/main">
-        <mc:Choice Requires="a14">
-          <p:sp>
-            <p:nvSpPr>
-              <p:cNvPr id="3" name="Content Placeholder 2">
-                <a:extLst>
-                  <a:ext uri="{FF2B5EF4-FFF2-40B4-BE49-F238E27FC236}">
-                    <a16:creationId xmlns:a16="http://schemas.microsoft.com/office/drawing/2014/main" id="{536DDB1D-5582-429B-9606-3FABE32761F1}"/>
-                  </a:ext>
-                </a:extLst>
-              </p:cNvPr>
-              <p:cNvSpPr>
-                <a:spLocks noGrp="1"/>
-              </p:cNvSpPr>
-              <p:nvPr>
-                <p:ph idx="1"/>
-              </p:nvPr>
-            </p:nvSpPr>
-            <p:spPr/>
-            <p:txBody>
-              <a:bodyPr>
-                <a:normAutofit fontScale="92500" lnSpcReduction="20000"/>
-              </a:bodyPr>
-              <a:lstStyle/>
-              <a:p>
-                <a:r>
-                  <a:rPr lang="en-US" dirty="0"/>
-                  <a:t>For rigid body systems, we can also have both translational power and rotational power together. To find the overall power, simply add the translational and rotational powers.</a:t>
-                </a:r>
-              </a:p>
-              <a:p>
-                <a:pPr marL="0" indent="0">
-                  <a:buNone/>
-                </a:pPr>
-                <a:endParaRPr lang="en-US" dirty="0"/>
-              </a:p>
-              <a:p>
-                <a:pPr marL="0" indent="0">
-                  <a:buNone/>
-                </a:pPr>
-                <a14:m>
-                  <m:oMathPara xmlns:m="http://schemas.openxmlformats.org/officeDocument/2006/math">
-                    <m:oMathParaPr>
-                      <m:jc m:val="centerGroup"/>
-                    </m:oMathParaPr>
-                    <m:oMath xmlns:m="http://schemas.openxmlformats.org/officeDocument/2006/math">
-                      <m:sSub>
-                        <m:sSubPr>
-                          <m:ctrlPr>
-                            <a:rPr lang="en-US" i="1">
-                              <a:latin typeface="Cambria Math" panose="02040503050406030204" pitchFamily="18" charset="0"/>
-                            </a:rPr>
-                          </m:ctrlPr>
-                        </m:sSubPr>
-                        <m:e>
-                          <m:r>
-                            <a:rPr lang="en-US" i="1">
-                              <a:latin typeface="Cambria Math" panose="02040503050406030204" pitchFamily="18" charset="0"/>
-                            </a:rPr>
-                            <m:t>𝑃</m:t>
-                          </m:r>
-                        </m:e>
-                        <m:sub>
-                          <m:r>
-                            <a:rPr lang="en-US" i="1">
-                              <a:latin typeface="Cambria Math" panose="02040503050406030204" pitchFamily="18" charset="0"/>
-                            </a:rPr>
-                            <m:t>𝑎𝑣𝑒</m:t>
-                          </m:r>
-                        </m:sub>
-                      </m:sSub>
-                      <m:r>
-                        <a:rPr lang="en-US" i="1">
-                          <a:latin typeface="Cambria Math"/>
-                        </a:rPr>
-                        <m:t>=</m:t>
-                      </m:r>
-                      <m:r>
-                        <a:rPr lang="en-US" b="0" i="1" smtClean="0">
-                          <a:latin typeface="Cambria Math" panose="02040503050406030204" pitchFamily="18" charset="0"/>
-                        </a:rPr>
-                        <m:t>(</m:t>
-                      </m:r>
-                      <m:r>
-                        <a:rPr lang="en-US" b="0" i="1" smtClean="0">
-                          <a:latin typeface="Cambria Math" panose="02040503050406030204" pitchFamily="18" charset="0"/>
-                        </a:rPr>
-                        <m:t>𝐹</m:t>
-                      </m:r>
-                      <m:r>
-                        <a:rPr lang="en-US" b="0" i="1" smtClean="0">
-                          <a:latin typeface="Cambria Math" panose="02040503050406030204" pitchFamily="18" charset="0"/>
-                        </a:rPr>
-                        <m:t>∗</m:t>
-                      </m:r>
-                      <m:r>
-                        <a:rPr lang="en-US" b="0" i="1" smtClean="0">
-                          <a:latin typeface="Cambria Math" panose="02040503050406030204" pitchFamily="18" charset="0"/>
-                        </a:rPr>
-                        <m:t>𝑣</m:t>
-                      </m:r>
-                      <m:r>
-                        <a:rPr lang="en-US" b="0" i="1" smtClean="0">
-                          <a:latin typeface="Cambria Math" panose="02040503050406030204" pitchFamily="18" charset="0"/>
-                        </a:rPr>
-                        <m:t>)+(</m:t>
-                      </m:r>
-                      <m:r>
-                        <a:rPr lang="en-US" i="1">
-                          <a:latin typeface="Cambria Math" panose="02040503050406030204" pitchFamily="18" charset="0"/>
-                          <a:ea typeface="Cambria Math"/>
-                        </a:rPr>
-                        <m:t>𝑀</m:t>
-                      </m:r>
-                      <m:r>
-                        <a:rPr lang="en-US" i="1">
-                          <a:latin typeface="Cambria Math" panose="02040503050406030204" pitchFamily="18" charset="0"/>
-                          <a:ea typeface="Cambria Math"/>
-                        </a:rPr>
-                        <m:t>∗</m:t>
-                      </m:r>
-                      <m:r>
-                        <a:rPr lang="en-US" i="1">
-                          <a:latin typeface="Cambria Math" panose="02040503050406030204" pitchFamily="18" charset="0"/>
-                          <a:ea typeface="Cambria Math" panose="02040503050406030204" pitchFamily="18" charset="0"/>
-                        </a:rPr>
-                        <m:t>𝜔</m:t>
-                      </m:r>
-                      <m:r>
-                        <a:rPr lang="en-US" b="0" i="1" smtClean="0">
-                          <a:latin typeface="Cambria Math" panose="02040503050406030204" pitchFamily="18" charset="0"/>
-                          <a:ea typeface="Cambria Math" panose="02040503050406030204" pitchFamily="18" charset="0"/>
-                        </a:rPr>
-                        <m:t>)</m:t>
-                      </m:r>
-                    </m:oMath>
-                  </m:oMathPara>
-                </a14:m>
-                <a:endParaRPr lang="en-US" dirty="0"/>
-              </a:p>
-              <a:p>
-                <a:pPr marL="0" indent="0">
-                  <a:buNone/>
-                </a:pPr>
-                <a:endParaRPr lang="en-US" dirty="0"/>
-              </a:p>
-              <a:p>
-                <a:r>
-                  <a:rPr lang="en-US" dirty="0"/>
-                  <a:t>It’s important in for the above equation that you take the moment about the center of mass and you use the velocity of the center of mass of the body.</a:t>
-                </a:r>
-              </a:p>
-            </p:txBody>
-          </p:sp>
-        </mc:Choice>
-        <mc:Fallback xmlns="">
-          <p:sp>
-            <p:nvSpPr>
-              <p:cNvPr id="3" name="Content Placeholder 2">
-                <a:extLst>
-                  <a:ext uri="{FF2B5EF4-FFF2-40B4-BE49-F238E27FC236}">
-                    <a16:creationId xmlns:a16="http://schemas.microsoft.com/office/drawing/2014/main" id="{536DDB1D-5582-429B-9606-3FABE32761F1}"/>
-                  </a:ext>
-                </a:extLst>
-              </p:cNvPr>
-              <p:cNvSpPr>
-                <a:spLocks noGrp="1" noRot="1" noChangeAspect="1" noMove="1" noResize="1" noEditPoints="1" noAdjustHandles="1" noChangeArrowheads="1" noChangeShapeType="1" noTextEdit="1"/>
-              </p:cNvSpPr>
-              <p:nvPr>
-                <p:ph idx="1"/>
-              </p:nvPr>
-            </p:nvSpPr>
-            <p:spPr>
-              <a:blipFill>
-                <a:blip r:embed="rId2"/>
-                <a:stretch>
-                  <a:fillRect l="-1481" t="-3504" b="-3369"/>
-                </a:stretch>
-              </a:blipFill>
-            </p:spPr>
-            <p:txBody>
-              <a:bodyPr/>
-              <a:lstStyle/>
-              <a:p>
-                <a:r>
-                  <a:rPr lang="en-US">
-                    <a:noFill/>
-                  </a:rPr>
-                  <a:t> </a:t>
-                </a:r>
-              </a:p>
-            </p:txBody>
-          </p:sp>
-        </mc:Fallback>
-      </mc:AlternateContent>
+      <p:pic>
+        <p:nvPicPr>
+          <p:cNvPr id="6" name="Picture 4" descr="computer writing technology equipment memory product flash electronics digital memories usb connection accessory portable open hard drive data transfer storage hardware tray and visible playhead external hard drive external hard disk drive hard disk drive electronic device data storage device">
+            <a:extLst>
+              <a:ext uri="{FF2B5EF4-FFF2-40B4-BE49-F238E27FC236}">
+                <a16:creationId xmlns:a16="http://schemas.microsoft.com/office/drawing/2014/main" id="{90A47A1F-2596-407D-B2F5-F1BBD6F398F3}"/>
+              </a:ext>
+            </a:extLst>
+          </p:cNvPr>
+          <p:cNvPicPr>
+            <a:picLocks noChangeAspect="1" noChangeArrowheads="1"/>
+          </p:cNvPicPr>
+          <p:nvPr/>
+        </p:nvPicPr>
+        <p:blipFill>
+          <a:blip r:embed="rId2" cstate="print">
+            <a:extLst>
+              <a:ext uri="{28A0092B-C50C-407E-A947-70E740481C1C}">
+                <a14:useLocalDpi xmlns:a14="http://schemas.microsoft.com/office/drawing/2010/main" val="0"/>
+              </a:ext>
+            </a:extLst>
+          </a:blip>
+          <a:srcRect/>
+          <a:stretch>
+            <a:fillRect/>
+          </a:stretch>
+        </p:blipFill>
+        <p:spPr bwMode="auto">
+          <a:xfrm>
+            <a:off x="5638800" y="2477294"/>
+            <a:ext cx="3237741" cy="2819400"/>
+          </a:xfrm>
+          <a:prstGeom prst="rect">
+            <a:avLst/>
+          </a:prstGeom>
+          <a:noFill/>
+          <a:extLst>
+            <a:ext uri="{909E8E84-426E-40DD-AFC4-6F175D3DCCD1}">
+              <a14:hiddenFill xmlns:a14="http://schemas.microsoft.com/office/drawing/2010/main">
+                <a:solidFill>
+                  <a:srgbClr val="FFFFFF"/>
+                </a:solidFill>
+              </a14:hiddenFill>
+            </a:ext>
+          </a:extLst>
+        </p:spPr>
+      </p:pic>
     </p:spTree>
     <p:extLst>
       <p:ext uri="{BB962C8B-B14F-4D97-AF65-F5344CB8AC3E}">
-        <p14:creationId xmlns:p14="http://schemas.microsoft.com/office/powerpoint/2010/main" val="3843765939"/>
+        <p14:creationId xmlns:p14="http://schemas.microsoft.com/office/powerpoint/2010/main" val="3513087069"/>
       </p:ext>
     </p:extLst>
   </p:cSld>
   <p:clrMapOvr>
     <a:masterClrMapping/>
   </p:clrMapOvr>
-  <p:timing>
-    <p:tnLst>
-      <p:par>
-        <p:cTn id="1" dur="indefinite" restart="never" nodeType="tmRoot">
-          <p:childTnLst>
-            <p:seq concurrent="1" nextAc="seek">
-              <p:cTn id="2" dur="indefinite" nodeType="mainSeq">
-                <p:childTnLst>
-                  <p:par>
-                    <p:cTn id="3" fill="hold">
-                      <p:stCondLst>
-                        <p:cond delay="indefinite"/>
-                      </p:stCondLst>
-                      <p:childTnLst>
-                        <p:par>
-                          <p:cTn id="4" fill="hold">
-                            <p:stCondLst>
-                              <p:cond delay="0"/>
-                            </p:stCondLst>
-                            <p:childTnLst>
-                              <p:par>
-                                <p:cTn id="5" presetID="1" presetClass="entr" presetSubtype="0" fill="hold" grpId="0" nodeType="clickEffect">
-                                  <p:stCondLst>
-                                    <p:cond delay="0"/>
-                                  </p:stCondLst>
-                                  <p:childTnLst>
-                                    <p:set>
-                                      <p:cBhvr>
-                                        <p:cTn id="6" dur="1" fill="hold">
-                                          <p:stCondLst>
-                                            <p:cond delay="0"/>
-                                          </p:stCondLst>
-                                        </p:cTn>
-                                        <p:tgtEl>
-                                          <p:spTgt spid="3">
-                                            <p:txEl>
-                                              <p:pRg st="0" end="0"/>
-                                            </p:txEl>
-                                          </p:spTgt>
-                                        </p:tgtEl>
-                                        <p:attrNameLst>
-                                          <p:attrName>style.visibility</p:attrName>
-                                        </p:attrNameLst>
-                                      </p:cBhvr>
-                                      <p:to>
-                                        <p:strVal val="visible"/>
-                                      </p:to>
-                                    </p:set>
-                                  </p:childTnLst>
-                                </p:cTn>
-                              </p:par>
-                            </p:childTnLst>
-                          </p:cTn>
-                        </p:par>
-                      </p:childTnLst>
-                    </p:cTn>
-                  </p:par>
-                  <p:par>
-                    <p:cTn id="7" fill="hold">
-                      <p:stCondLst>
-                        <p:cond delay="indefinite"/>
-                      </p:stCondLst>
-                      <p:childTnLst>
-                        <p:par>
-                          <p:cTn id="8" fill="hold">
-                            <p:stCondLst>
-                              <p:cond delay="0"/>
-                            </p:stCondLst>
-                            <p:childTnLst>
-                              <p:par>
-                                <p:cTn id="9" presetID="1" presetClass="entr" presetSubtype="0" fill="hold" grpId="0" nodeType="clickEffect">
-                                  <p:stCondLst>
-                                    <p:cond delay="0"/>
-                                  </p:stCondLst>
-                                  <p:childTnLst>
-                                    <p:set>
-                                      <p:cBhvr>
-                                        <p:cTn id="10" dur="1" fill="hold">
-                                          <p:stCondLst>
-                                            <p:cond delay="0"/>
-                                          </p:stCondLst>
-                                        </p:cTn>
-                                        <p:tgtEl>
-                                          <p:spTgt spid="3">
-                                            <p:txEl>
-                                              <p:pRg st="2" end="2"/>
-                                            </p:txEl>
-                                          </p:spTgt>
-                                        </p:tgtEl>
-                                        <p:attrNameLst>
-                                          <p:attrName>style.visibility</p:attrName>
-                                        </p:attrNameLst>
-                                      </p:cBhvr>
-                                      <p:to>
-                                        <p:strVal val="visible"/>
-                                      </p:to>
-                                    </p:set>
-                                  </p:childTnLst>
-                                </p:cTn>
-                              </p:par>
-                            </p:childTnLst>
-                          </p:cTn>
-                        </p:par>
-                      </p:childTnLst>
-                    </p:cTn>
-                  </p:par>
-                  <p:par>
-                    <p:cTn id="11" fill="hold">
-                      <p:stCondLst>
-                        <p:cond delay="indefinite"/>
-                      </p:stCondLst>
-                      <p:childTnLst>
-                        <p:par>
-                          <p:cTn id="12" fill="hold">
-                            <p:stCondLst>
-                              <p:cond delay="0"/>
-                            </p:stCondLst>
-                            <p:childTnLst>
-                              <p:par>
-                                <p:cTn id="13" presetID="1" presetClass="entr" presetSubtype="0" fill="hold" grpId="0" nodeType="clickEffect">
-                                  <p:stCondLst>
-                                    <p:cond delay="0"/>
-                                  </p:stCondLst>
-                                  <p:childTnLst>
-                                    <p:set>
-                                      <p:cBhvr>
-                                        <p:cTn id="14" dur="1" fill="hold">
-                                          <p:stCondLst>
-                                            <p:cond delay="0"/>
-                                          </p:stCondLst>
-                                        </p:cTn>
-                                        <p:tgtEl>
-                                          <p:spTgt spid="3">
-                                            <p:txEl>
-                                              <p:pRg st="4" end="4"/>
-                                            </p:txEl>
-                                          </p:spTgt>
-                                        </p:tgtEl>
-                                        <p:attrNameLst>
-                                          <p:attrName>style.visibility</p:attrName>
-                                        </p:attrNameLst>
-                                      </p:cBhvr>
-                                      <p:to>
-                                        <p:strVal val="visible"/>
-                                      </p:to>
-                                    </p:set>
-                                  </p:childTnLst>
-                                </p:cTn>
-                              </p:par>
-                            </p:childTnLst>
-                          </p:cTn>
-                        </p:par>
-                      </p:childTnLst>
-                    </p:cTn>
-                  </p:par>
-                </p:childTnLst>
-              </p:cTn>
-              <p:prevCondLst>
-                <p:cond evt="onPrev" delay="0">
-                  <p:tgtEl>
-                    <p:sldTgt/>
-                  </p:tgtEl>
-                </p:cond>
-              </p:prevCondLst>
-              <p:nextCondLst>
-                <p:cond evt="onNext" delay="0">
-                  <p:tgtEl>
-                    <p:sldTgt/>
-                  </p:tgtEl>
-                </p:cond>
-              </p:nextCondLst>
-            </p:seq>
-          </p:childTnLst>
-        </p:cTn>
-      </p:par>
-    </p:tnLst>
-    <p:bldLst>
-      <p:bldP spid="3" grpId="0" build="p"/>
-    </p:bldLst>
-  </p:timing>
 </p:sld>
 </file>
 
@@ -7354,13 +8019,7 @@
       </p:grpSpPr>
       <p:sp>
         <p:nvSpPr>
-          <p:cNvPr id="2" name="Title 1">
-            <a:extLst>
-              <a:ext uri="{FF2B5EF4-FFF2-40B4-BE49-F238E27FC236}">
-                <a16:creationId xmlns:a16="http://schemas.microsoft.com/office/drawing/2014/main" id="{61A07C29-9A58-4871-BDC5-A36C637901C2}"/>
-              </a:ext>
-            </a:extLst>
-          </p:cNvPr>
+          <p:cNvPr id="2" name="Title 1"/>
           <p:cNvSpPr>
             <a:spLocks noGrp="1"/>
           </p:cNvSpPr>
@@ -7371,688 +8030,589 @@
         <p:spPr/>
         <p:txBody>
           <a:bodyPr>
-            <a:normAutofit fontScale="90000"/>
+            <a:normAutofit/>
           </a:bodyPr>
           <a:lstStyle/>
           <a:p>
             <a:r>
               <a:rPr lang="en-US" dirty="0"/>
-              <a:t>Solving Power Problems</a:t>
-            </a:r>
-            <a:br>
-              <a:rPr lang="en-US" dirty="0"/>
-            </a:br>
-            <a:r>
-              <a:rPr lang="en-US" dirty="0"/>
-              <a:t>(The Process)</a:t>
+              <a:t>Worked Example</a:t>
             </a:r>
           </a:p>
         </p:txBody>
       </p:sp>
-      <mc:AlternateContent xmlns:mc="http://schemas.openxmlformats.org/markup-compatibility/2006" xmlns:a14="http://schemas.microsoft.com/office/drawing/2010/main">
-        <mc:Choice Requires="a14">
-          <p:sp>
-            <p:nvSpPr>
-              <p:cNvPr id="3" name="Content Placeholder 2">
-                <a:extLst>
-                  <a:ext uri="{FF2B5EF4-FFF2-40B4-BE49-F238E27FC236}">
-                    <a16:creationId xmlns:a16="http://schemas.microsoft.com/office/drawing/2014/main" id="{A0280897-CDB5-4D78-9300-B055EC7031D9}"/>
-                  </a:ext>
-                </a:extLst>
-              </p:cNvPr>
-              <p:cNvSpPr>
-                <a:spLocks noGrp="1"/>
-              </p:cNvSpPr>
-              <p:nvPr>
-                <p:ph idx="1"/>
-              </p:nvPr>
-            </p:nvSpPr>
-            <p:spPr>
-              <a:xfrm>
-                <a:off x="457200" y="1600200"/>
-                <a:ext cx="8229600" cy="4648200"/>
-              </a:xfrm>
-            </p:spPr>
-            <p:txBody>
-              <a:bodyPr>
-                <a:normAutofit fontScale="62500" lnSpcReduction="20000"/>
-              </a:bodyPr>
-              <a:lstStyle/>
-              <a:p>
-                <a:r>
-                  <a:rPr lang="en-US" dirty="0"/>
-                  <a:t>Solving a power related problem is still at it’s heart a work and energy problem, and we will therefore use a very similar process</a:t>
-                </a:r>
-              </a:p>
-              <a:p>
-                <a:pPr marL="514350" indent="-514350">
-                  <a:buFont typeface="+mj-lt"/>
-                  <a:buAutoNum type="arabicPeriod"/>
-                </a:pPr>
-                <a:r>
-                  <a:rPr lang="en-US" dirty="0"/>
-                  <a:t>Set up one diagram showing the initial state and set up some other diagram for the final state.</a:t>
-                </a:r>
-              </a:p>
-              <a:p>
-                <a:pPr marL="914400" lvl="1" indent="-514350"/>
-                <a:r>
-                  <a:rPr lang="en-US" dirty="0"/>
-                  <a:t>Identify any </a:t>
-                </a:r>
-                <a:r>
-                  <a:rPr lang="en-US" dirty="0">
-                    <a:solidFill>
-                      <a:srgbClr val="FF0000"/>
-                    </a:solidFill>
-                  </a:rPr>
-                  <a:t>forces</a:t>
-                </a:r>
-                <a:r>
-                  <a:rPr lang="en-US" dirty="0"/>
-                  <a:t> and </a:t>
-                </a:r>
-                <a:r>
-                  <a:rPr lang="en-US" dirty="0">
-                    <a:solidFill>
-                      <a:srgbClr val="FF0000"/>
-                    </a:solidFill>
-                  </a:rPr>
-                  <a:t>moments</a:t>
-                </a:r>
-                <a:r>
-                  <a:rPr lang="en-US" dirty="0"/>
-                  <a:t> that will do work between the two states</a:t>
-                </a:r>
-              </a:p>
-              <a:p>
-                <a:pPr marL="914400" lvl="1" indent="-514350"/>
-                <a:r>
-                  <a:rPr lang="en-US" dirty="0"/>
-                  <a:t>Identify the known or unknown </a:t>
-                </a:r>
-                <a:r>
-                  <a:rPr lang="en-US" dirty="0">
-                    <a:solidFill>
-                      <a:schemeClr val="accent1"/>
-                    </a:solidFill>
-                  </a:rPr>
-                  <a:t>velocities </a:t>
-                </a:r>
-                <a:r>
-                  <a:rPr lang="en-US" dirty="0">
-                    <a:solidFill>
-                      <a:schemeClr val="tx2"/>
-                    </a:solidFill>
-                  </a:rPr>
-                  <a:t>and</a:t>
-                </a:r>
-                <a:r>
-                  <a:rPr lang="en-US" dirty="0">
-                    <a:solidFill>
-                      <a:schemeClr val="accent1"/>
-                    </a:solidFill>
-                  </a:rPr>
-                  <a:t> angular velocities</a:t>
-                </a:r>
-                <a:r>
-                  <a:rPr lang="en-US" dirty="0"/>
-                  <a:t> in each state</a:t>
-                </a:r>
-              </a:p>
-              <a:p>
-                <a:pPr marL="914400" lvl="1" indent="-514350"/>
-                <a:r>
-                  <a:rPr lang="en-US" dirty="0"/>
-                  <a:t>Identify the change in </a:t>
-                </a:r>
-                <a:r>
-                  <a:rPr lang="en-US" dirty="0">
-                    <a:solidFill>
-                      <a:schemeClr val="accent1"/>
-                    </a:solidFill>
-                  </a:rPr>
-                  <a:t>height</a:t>
-                </a:r>
-                <a:r>
-                  <a:rPr lang="en-US" dirty="0"/>
-                  <a:t> if applicable</a:t>
-                </a:r>
-              </a:p>
-              <a:p>
-                <a:pPr marL="514350" indent="-514350">
-                  <a:buFont typeface="+mj-lt"/>
-                  <a:buAutoNum type="arabicPeriod"/>
-                </a:pPr>
-                <a:r>
-                  <a:rPr lang="en-US" dirty="0"/>
-                  <a:t>Use the diagram to put together the single conservation of energy equation, as well as an equation relating work to power with included known and unknown values.</a:t>
-                </a:r>
-              </a:p>
-              <a:p>
-                <a:pPr marL="914400" lvl="1" indent="-514350"/>
-                <a14:m>
-                  <m:oMath xmlns:m="http://schemas.openxmlformats.org/officeDocument/2006/math">
-                    <m:r>
-                      <m:rPr>
-                        <m:sty m:val="p"/>
-                      </m:rPr>
-                      <a:rPr lang="en-US">
-                        <a:latin typeface="Cambria Math"/>
-                      </a:rPr>
-                      <m:t>W</m:t>
-                    </m:r>
-                    <m:r>
-                      <a:rPr lang="en-US">
-                        <a:latin typeface="Cambria Math"/>
-                      </a:rPr>
-                      <m:t>=∆</m:t>
-                    </m:r>
-                    <m:r>
-                      <m:rPr>
-                        <m:sty m:val="p"/>
-                      </m:rPr>
-                      <a:rPr lang="en-US">
-                        <a:latin typeface="Cambria Math"/>
-                        <a:ea typeface="Cambria Math"/>
-                      </a:rPr>
-                      <m:t>KE</m:t>
-                    </m:r>
-                    <m:r>
-                      <a:rPr lang="en-US">
-                        <a:latin typeface="Cambria Math"/>
-                        <a:ea typeface="Cambria Math"/>
-                      </a:rPr>
-                      <m:t>+∆</m:t>
-                    </m:r>
-                    <m:r>
-                      <m:rPr>
-                        <m:sty m:val="p"/>
-                      </m:rPr>
-                      <a:rPr lang="en-US">
-                        <a:latin typeface="Cambria Math"/>
-                        <a:ea typeface="Cambria Math"/>
-                      </a:rPr>
-                      <m:t>PE</m:t>
-                    </m:r>
-                  </m:oMath>
-                </a14:m>
-                <a:endParaRPr lang="en-US" dirty="0">
-                  <a:latin typeface="Cambria Math"/>
-                  <a:ea typeface="Cambria Math"/>
-                </a:endParaRPr>
-              </a:p>
-              <a:p>
-                <a:pPr marL="914400" lvl="1" indent="-514350"/>
-                <a14:m>
-                  <m:oMath xmlns:m="http://schemas.openxmlformats.org/officeDocument/2006/math">
-                    <m:sSub>
-                      <m:sSubPr>
-                        <m:ctrlPr>
-                          <a:rPr lang="en-US" i="1">
-                            <a:latin typeface="Cambria Math" panose="02040503050406030204" pitchFamily="18" charset="0"/>
-                          </a:rPr>
-                        </m:ctrlPr>
-                      </m:sSubPr>
-                      <m:e>
-                        <m:r>
-                          <a:rPr lang="en-US" i="1">
-                            <a:latin typeface="Cambria Math" panose="02040503050406030204" pitchFamily="18" charset="0"/>
-                          </a:rPr>
-                          <m:t>𝑃</m:t>
-                        </m:r>
-                      </m:e>
-                      <m:sub>
-                        <m:r>
-                          <a:rPr lang="en-US" i="1">
-                            <a:latin typeface="Cambria Math" panose="02040503050406030204" pitchFamily="18" charset="0"/>
-                          </a:rPr>
-                          <m:t>𝑎𝑣𝑒</m:t>
-                        </m:r>
-                      </m:sub>
-                    </m:sSub>
-                    <m:r>
-                      <a:rPr lang="en-US" i="1">
-                        <a:latin typeface="Cambria Math"/>
-                      </a:rPr>
-                      <m:t>= </m:t>
-                    </m:r>
-                    <m:f>
-                      <m:fPr>
-                        <m:ctrlPr>
-                          <a:rPr lang="en-US" i="1">
-                            <a:latin typeface="Cambria Math" panose="02040503050406030204" pitchFamily="18" charset="0"/>
-                          </a:rPr>
-                        </m:ctrlPr>
-                      </m:fPr>
-                      <m:num>
-                        <m:r>
-                          <a:rPr lang="en-US" i="1">
-                            <a:latin typeface="Cambria Math"/>
-                          </a:rPr>
-                          <m:t>𝑊</m:t>
-                        </m:r>
-                      </m:num>
-                      <m:den>
-                        <m:r>
-                          <a:rPr lang="en-US" i="1">
-                            <a:latin typeface="Cambria Math"/>
-                            <a:ea typeface="Cambria Math"/>
-                          </a:rPr>
-                          <m:t>𝑡</m:t>
-                        </m:r>
-                      </m:den>
-                    </m:f>
-                  </m:oMath>
-                </a14:m>
-                <a:endParaRPr lang="en-US" dirty="0"/>
-              </a:p>
-              <a:p>
-                <a:pPr marL="514350" indent="-514350">
-                  <a:buFont typeface="+mj-lt"/>
-                  <a:buAutoNum type="arabicPeriod"/>
-                </a:pPr>
-                <a:r>
-                  <a:rPr lang="en-US" dirty="0"/>
-                  <a:t>Solve the equations for the unknown quantities</a:t>
-                </a:r>
-              </a:p>
-              <a:p>
-                <a:pPr marL="514350" indent="-514350">
-                  <a:buFont typeface="+mj-lt"/>
-                  <a:buAutoNum type="arabicPeriod"/>
-                </a:pPr>
-                <a:endParaRPr lang="en-US" dirty="0"/>
-              </a:p>
-            </p:txBody>
-          </p:sp>
-        </mc:Choice>
-        <mc:Fallback xmlns="">
-          <p:sp>
-            <p:nvSpPr>
-              <p:cNvPr id="3" name="Content Placeholder 2">
-                <a:extLst>
-                  <a:ext uri="{FF2B5EF4-FFF2-40B4-BE49-F238E27FC236}">
-                    <a16:creationId xmlns:a16="http://schemas.microsoft.com/office/drawing/2014/main" id="{A0280897-CDB5-4D78-9300-B055EC7031D9}"/>
-                  </a:ext>
-                </a:extLst>
-              </p:cNvPr>
-              <p:cNvSpPr>
-                <a:spLocks noGrp="1" noRot="1" noChangeAspect="1" noMove="1" noResize="1" noEditPoints="1" noAdjustHandles="1" noChangeArrowheads="1" noChangeShapeType="1" noTextEdit="1"/>
-              </p:cNvSpPr>
-              <p:nvPr>
-                <p:ph idx="1"/>
-              </p:nvPr>
-            </p:nvSpPr>
-            <p:spPr>
-              <a:xfrm>
-                <a:off x="457200" y="1600200"/>
-                <a:ext cx="8229600" cy="4648200"/>
-              </a:xfrm>
-              <a:blipFill>
-                <a:blip r:embed="rId2"/>
-                <a:stretch>
-                  <a:fillRect l="-815" t="-1969"/>
-                </a:stretch>
-              </a:blipFill>
-            </p:spPr>
-            <p:txBody>
-              <a:bodyPr/>
-              <a:lstStyle/>
-              <a:p>
-                <a:r>
-                  <a:rPr lang="en-US">
-                    <a:noFill/>
-                  </a:rPr>
-                  <a:t> </a:t>
-                </a:r>
-              </a:p>
-            </p:txBody>
-          </p:sp>
-        </mc:Fallback>
-      </mc:AlternateContent>
+      <p:sp>
+        <p:nvSpPr>
+          <p:cNvPr id="3" name="Content Placeholder 2"/>
+          <p:cNvSpPr>
+            <a:spLocks noGrp="1"/>
+          </p:cNvSpPr>
+          <p:nvPr>
+            <p:ph idx="1"/>
+          </p:nvPr>
+        </p:nvSpPr>
+        <p:spPr>
+          <a:xfrm>
+            <a:off x="457200" y="1600200"/>
+            <a:ext cx="4800600" cy="4343400"/>
+          </a:xfrm>
+        </p:spPr>
+        <p:txBody>
+          <a:bodyPr>
+            <a:normAutofit fontScale="85000" lnSpcReduction="10000"/>
+          </a:bodyPr>
+          <a:lstStyle/>
+          <a:p>
+            <a:r>
+              <a:rPr lang="en-US" dirty="0"/>
+              <a:t>The drum in a washing machine can be approximated as a cylinder .4 meters in diameter and .3 meters in height with a uniformly distributed mass of 35 kilograms when full. If we wish to achieve an acceleration of 15 rad/s</a:t>
+            </a:r>
+            <a:r>
+              <a:rPr lang="en-US" baseline="30000" dirty="0"/>
+              <a:t>2</a:t>
+            </a:r>
+            <a:r>
+              <a:rPr lang="en-US" dirty="0"/>
+              <a:t>, what torque must the motor exert at the center of the drum</a:t>
+            </a:r>
+          </a:p>
+        </p:txBody>
+      </p:sp>
+      <p:sp>
+        <p:nvSpPr>
+          <p:cNvPr id="4" name="Slide Number Placeholder 3"/>
+          <p:cNvSpPr>
+            <a:spLocks noGrp="1"/>
+          </p:cNvSpPr>
+          <p:nvPr>
+            <p:ph type="sldNum" sz="quarter" idx="12"/>
+          </p:nvPr>
+        </p:nvSpPr>
+        <p:spPr>
+          <a:xfrm>
+            <a:off x="6553200" y="6356350"/>
+            <a:ext cx="2133600" cy="365125"/>
+          </a:xfrm>
+        </p:spPr>
+        <p:txBody>
+          <a:bodyPr/>
+          <a:lstStyle/>
+          <a:p>
+            <a:fld id="{929262FE-7F58-4A1E-8AF3-5A510A86DEBD}" type="slidenum">
+              <a:rPr lang="en-US" smtClean="0"/>
+              <a:t>9</a:t>
+            </a:fld>
+            <a:endParaRPr lang="en-US" dirty="0"/>
+          </a:p>
+        </p:txBody>
+      </p:sp>
+      <p:pic>
+        <p:nvPicPr>
+          <p:cNvPr id="5" name="Picture 2" descr="washing machine clothes dryer major appliance home appliances">
+            <a:extLst>
+              <a:ext uri="{FF2B5EF4-FFF2-40B4-BE49-F238E27FC236}">
+                <a16:creationId xmlns:a16="http://schemas.microsoft.com/office/drawing/2014/main" id="{5614AC90-6041-4577-A41A-1DDB4533FCC1}"/>
+              </a:ext>
+            </a:extLst>
+          </p:cNvPr>
+          <p:cNvPicPr>
+            <a:picLocks noChangeAspect="1" noChangeArrowheads="1"/>
+          </p:cNvPicPr>
+          <p:nvPr/>
+        </p:nvPicPr>
+        <p:blipFill rotWithShape="1">
+          <a:blip r:embed="rId2" cstate="print">
+            <a:extLst>
+              <a:ext uri="{28A0092B-C50C-407E-A947-70E740481C1C}">
+                <a14:useLocalDpi xmlns:a14="http://schemas.microsoft.com/office/drawing/2010/main" val="0"/>
+              </a:ext>
+            </a:extLst>
+          </a:blip>
+          <a:srcRect l="4075" t="8888" b="22223"/>
+          <a:stretch/>
+        </p:blipFill>
+        <p:spPr bwMode="auto">
+          <a:xfrm>
+            <a:off x="5486400" y="1417638"/>
+            <a:ext cx="2699248" cy="2584608"/>
+          </a:xfrm>
+          <a:prstGeom prst="rect">
+            <a:avLst/>
+          </a:prstGeom>
+          <a:noFill/>
+          <a:extLst>
+            <a:ext uri="{909E8E84-426E-40DD-AFC4-6F175D3DCCD1}">
+              <a14:hiddenFill xmlns:a14="http://schemas.microsoft.com/office/drawing/2010/main">
+                <a:solidFill>
+                  <a:srgbClr val="FFFFFF"/>
+                </a:solidFill>
+              </a14:hiddenFill>
+            </a:ext>
+          </a:extLst>
+        </p:spPr>
+      </p:pic>
+      <p:sp>
+        <p:nvSpPr>
+          <p:cNvPr id="6" name="Cylinder 5">
+            <a:extLst>
+              <a:ext uri="{FF2B5EF4-FFF2-40B4-BE49-F238E27FC236}">
+                <a16:creationId xmlns:a16="http://schemas.microsoft.com/office/drawing/2014/main" id="{454546CF-F114-4B99-88E1-C5F85865E114}"/>
+              </a:ext>
+            </a:extLst>
+          </p:cNvPr>
+          <p:cNvSpPr/>
+          <p:nvPr/>
+        </p:nvSpPr>
+        <p:spPr>
+          <a:xfrm rot="16200000">
+            <a:off x="6151880" y="4345146"/>
+            <a:ext cx="1295400" cy="1600200"/>
+          </a:xfrm>
+          <a:prstGeom prst="can">
+            <a:avLst>
+              <a:gd name="adj" fmla="val 50000"/>
+            </a:avLst>
+          </a:prstGeom>
+        </p:spPr>
+        <p:style>
+          <a:lnRef idx="1">
+            <a:schemeClr val="dk1"/>
+          </a:lnRef>
+          <a:fillRef idx="2">
+            <a:schemeClr val="dk1"/>
+          </a:fillRef>
+          <a:effectRef idx="1">
+            <a:schemeClr val="dk1"/>
+          </a:effectRef>
+          <a:fontRef idx="minor">
+            <a:schemeClr val="dk1"/>
+          </a:fontRef>
+        </p:style>
+        <p:txBody>
+          <a:bodyPr rtlCol="0" anchor="ctr"/>
+          <a:lstStyle/>
+          <a:p>
+            <a:pPr algn="ctr"/>
+            <a:endParaRPr lang="en-US" dirty="0"/>
+          </a:p>
+        </p:txBody>
+      </p:sp>
+      <p:cxnSp>
+        <p:nvCxnSpPr>
+          <p:cNvPr id="8" name="Straight Connector 7">
+            <a:extLst>
+              <a:ext uri="{FF2B5EF4-FFF2-40B4-BE49-F238E27FC236}">
+                <a16:creationId xmlns:a16="http://schemas.microsoft.com/office/drawing/2014/main" id="{3B5EC6EE-D4EC-451E-9705-B489228E4C9C}"/>
+              </a:ext>
+            </a:extLst>
+          </p:cNvPr>
+          <p:cNvCxnSpPr/>
+          <p:nvPr/>
+        </p:nvCxnSpPr>
+        <p:spPr>
+          <a:xfrm>
+            <a:off x="5389880" y="4507705"/>
+            <a:ext cx="609600" cy="0"/>
+          </a:xfrm>
+          <a:prstGeom prst="line">
+            <a:avLst/>
+          </a:prstGeom>
+        </p:spPr>
+        <p:style>
+          <a:lnRef idx="1">
+            <a:schemeClr val="accent1"/>
+          </a:lnRef>
+          <a:fillRef idx="0">
+            <a:schemeClr val="accent1"/>
+          </a:fillRef>
+          <a:effectRef idx="0">
+            <a:schemeClr val="accent1"/>
+          </a:effectRef>
+          <a:fontRef idx="minor">
+            <a:schemeClr val="tx1"/>
+          </a:fontRef>
+        </p:style>
+      </p:cxnSp>
+      <p:cxnSp>
+        <p:nvCxnSpPr>
+          <p:cNvPr id="10" name="Straight Connector 9">
+            <a:extLst>
+              <a:ext uri="{FF2B5EF4-FFF2-40B4-BE49-F238E27FC236}">
+                <a16:creationId xmlns:a16="http://schemas.microsoft.com/office/drawing/2014/main" id="{61EA97EB-67EE-4340-8F53-0A005EA649D7}"/>
+              </a:ext>
+            </a:extLst>
+          </p:cNvPr>
+          <p:cNvCxnSpPr/>
+          <p:nvPr/>
+        </p:nvCxnSpPr>
+        <p:spPr>
+          <a:xfrm>
+            <a:off x="5389880" y="5792946"/>
+            <a:ext cx="609600" cy="0"/>
+          </a:xfrm>
+          <a:prstGeom prst="line">
+            <a:avLst/>
+          </a:prstGeom>
+        </p:spPr>
+        <p:style>
+          <a:lnRef idx="1">
+            <a:schemeClr val="accent1"/>
+          </a:lnRef>
+          <a:fillRef idx="0">
+            <a:schemeClr val="accent1"/>
+          </a:fillRef>
+          <a:effectRef idx="0">
+            <a:schemeClr val="accent1"/>
+          </a:effectRef>
+          <a:fontRef idx="minor">
+            <a:schemeClr val="tx1"/>
+          </a:fontRef>
+        </p:style>
+      </p:cxnSp>
+      <p:cxnSp>
+        <p:nvCxnSpPr>
+          <p:cNvPr id="11" name="Straight Connector 10">
+            <a:extLst>
+              <a:ext uri="{FF2B5EF4-FFF2-40B4-BE49-F238E27FC236}">
+                <a16:creationId xmlns:a16="http://schemas.microsoft.com/office/drawing/2014/main" id="{A486E07F-1E19-4DC8-9B2E-585CD9DDEBE9}"/>
+              </a:ext>
+            </a:extLst>
+          </p:cNvPr>
+          <p:cNvCxnSpPr>
+            <a:cxnSpLocks/>
+          </p:cNvCxnSpPr>
+          <p:nvPr/>
+        </p:nvCxnSpPr>
+        <p:spPr>
+          <a:xfrm>
+            <a:off x="6294120" y="5933440"/>
+            <a:ext cx="0" cy="607854"/>
+          </a:xfrm>
+          <a:prstGeom prst="line">
+            <a:avLst/>
+          </a:prstGeom>
+        </p:spPr>
+        <p:style>
+          <a:lnRef idx="1">
+            <a:schemeClr val="accent1"/>
+          </a:lnRef>
+          <a:fillRef idx="0">
+            <a:schemeClr val="accent1"/>
+          </a:fillRef>
+          <a:effectRef idx="0">
+            <a:schemeClr val="accent1"/>
+          </a:effectRef>
+          <a:fontRef idx="minor">
+            <a:schemeClr val="tx1"/>
+          </a:fontRef>
+        </p:style>
+      </p:cxnSp>
+      <p:cxnSp>
+        <p:nvCxnSpPr>
+          <p:cNvPr id="13" name="Straight Connector 12">
+            <a:extLst>
+              <a:ext uri="{FF2B5EF4-FFF2-40B4-BE49-F238E27FC236}">
+                <a16:creationId xmlns:a16="http://schemas.microsoft.com/office/drawing/2014/main" id="{7C6B0039-C937-4BF6-AEFA-EBB1BC27B4C5}"/>
+              </a:ext>
+            </a:extLst>
+          </p:cNvPr>
+          <p:cNvCxnSpPr>
+            <a:cxnSpLocks/>
+          </p:cNvCxnSpPr>
+          <p:nvPr/>
+        </p:nvCxnSpPr>
+        <p:spPr>
+          <a:xfrm>
+            <a:off x="7366000" y="5935186"/>
+            <a:ext cx="0" cy="607854"/>
+          </a:xfrm>
+          <a:prstGeom prst="line">
+            <a:avLst/>
+          </a:prstGeom>
+        </p:spPr>
+        <p:style>
+          <a:lnRef idx="1">
+            <a:schemeClr val="accent1"/>
+          </a:lnRef>
+          <a:fillRef idx="0">
+            <a:schemeClr val="accent1"/>
+          </a:fillRef>
+          <a:effectRef idx="0">
+            <a:schemeClr val="accent1"/>
+          </a:effectRef>
+          <a:fontRef idx="minor">
+            <a:schemeClr val="tx1"/>
+          </a:fontRef>
+        </p:style>
+      </p:cxnSp>
+      <p:cxnSp>
+        <p:nvCxnSpPr>
+          <p:cNvPr id="14" name="Straight Connector 13">
+            <a:extLst>
+              <a:ext uri="{FF2B5EF4-FFF2-40B4-BE49-F238E27FC236}">
+                <a16:creationId xmlns:a16="http://schemas.microsoft.com/office/drawing/2014/main" id="{9D617A9D-16C4-4FFC-9B79-F8AAE7FA39E8}"/>
+              </a:ext>
+            </a:extLst>
+          </p:cNvPr>
+          <p:cNvCxnSpPr>
+            <a:cxnSpLocks/>
+          </p:cNvCxnSpPr>
+          <p:nvPr/>
+        </p:nvCxnSpPr>
+        <p:spPr>
+          <a:xfrm>
+            <a:off x="6294120" y="6202680"/>
+            <a:ext cx="1071880" cy="0"/>
+          </a:xfrm>
+          <a:prstGeom prst="line">
+            <a:avLst/>
+          </a:prstGeom>
+        </p:spPr>
+        <p:style>
+          <a:lnRef idx="1">
+            <a:schemeClr val="accent1"/>
+          </a:lnRef>
+          <a:fillRef idx="0">
+            <a:schemeClr val="accent1"/>
+          </a:fillRef>
+          <a:effectRef idx="0">
+            <a:schemeClr val="accent1"/>
+          </a:effectRef>
+          <a:fontRef idx="minor">
+            <a:schemeClr val="tx1"/>
+          </a:fontRef>
+        </p:style>
+      </p:cxnSp>
+      <p:cxnSp>
+        <p:nvCxnSpPr>
+          <p:cNvPr id="17" name="Straight Connector 16">
+            <a:extLst>
+              <a:ext uri="{FF2B5EF4-FFF2-40B4-BE49-F238E27FC236}">
+                <a16:creationId xmlns:a16="http://schemas.microsoft.com/office/drawing/2014/main" id="{CB95939E-A4E5-4118-A317-AB02A039386D}"/>
+              </a:ext>
+            </a:extLst>
+          </p:cNvPr>
+          <p:cNvCxnSpPr>
+            <a:cxnSpLocks/>
+          </p:cNvCxnSpPr>
+          <p:nvPr/>
+        </p:nvCxnSpPr>
+        <p:spPr>
+          <a:xfrm flipV="1">
+            <a:off x="5715000" y="4507706"/>
+            <a:ext cx="0" cy="1285240"/>
+          </a:xfrm>
+          <a:prstGeom prst="line">
+            <a:avLst/>
+          </a:prstGeom>
+        </p:spPr>
+        <p:style>
+          <a:lnRef idx="1">
+            <a:schemeClr val="accent1"/>
+          </a:lnRef>
+          <a:fillRef idx="0">
+            <a:schemeClr val="accent1"/>
+          </a:fillRef>
+          <a:effectRef idx="0">
+            <a:schemeClr val="accent1"/>
+          </a:effectRef>
+          <a:fontRef idx="minor">
+            <a:schemeClr val="tx1"/>
+          </a:fontRef>
+        </p:style>
+      </p:cxnSp>
+      <p:sp>
+        <p:nvSpPr>
+          <p:cNvPr id="19" name="Arc 18">
+            <a:extLst>
+              <a:ext uri="{FF2B5EF4-FFF2-40B4-BE49-F238E27FC236}">
+                <a16:creationId xmlns:a16="http://schemas.microsoft.com/office/drawing/2014/main" id="{C6C5B344-7DF5-4CD0-8137-0B6E1BAEA35F}"/>
+              </a:ext>
+            </a:extLst>
+          </p:cNvPr>
+          <p:cNvSpPr/>
+          <p:nvPr/>
+        </p:nvSpPr>
+        <p:spPr>
+          <a:xfrm>
+            <a:off x="7366000" y="4647882"/>
+            <a:ext cx="450349" cy="1057434"/>
+          </a:xfrm>
+          <a:prstGeom prst="arc">
+            <a:avLst>
+              <a:gd name="adj1" fmla="val 16450992"/>
+              <a:gd name="adj2" fmla="val 5252160"/>
+            </a:avLst>
+          </a:prstGeom>
+          <a:ln w="28575">
+            <a:headEnd type="triangle" w="med" len="med"/>
+            <a:tailEnd type="none" w="med" len="med"/>
+          </a:ln>
+        </p:spPr>
+        <p:style>
+          <a:lnRef idx="1">
+            <a:schemeClr val="accent1"/>
+          </a:lnRef>
+          <a:fillRef idx="0">
+            <a:schemeClr val="accent1"/>
+          </a:fillRef>
+          <a:effectRef idx="0">
+            <a:schemeClr val="accent1"/>
+          </a:effectRef>
+          <a:fontRef idx="minor">
+            <a:schemeClr val="tx1"/>
+          </a:fontRef>
+        </p:style>
+        <p:txBody>
+          <a:bodyPr rtlCol="0" anchor="ctr"/>
+          <a:lstStyle/>
+          <a:p>
+            <a:pPr algn="ctr"/>
+            <a:endParaRPr lang="en-US" dirty="0"/>
+          </a:p>
+        </p:txBody>
+      </p:sp>
+      <p:sp>
+        <p:nvSpPr>
+          <p:cNvPr id="20" name="TextBox 19">
+            <a:extLst>
+              <a:ext uri="{FF2B5EF4-FFF2-40B4-BE49-F238E27FC236}">
+                <a16:creationId xmlns:a16="http://schemas.microsoft.com/office/drawing/2014/main" id="{8880BBD2-5BA0-4EF6-BAC6-CA64EFF860C4}"/>
+              </a:ext>
+            </a:extLst>
+          </p:cNvPr>
+          <p:cNvSpPr txBox="1"/>
+          <p:nvPr/>
+        </p:nvSpPr>
+        <p:spPr>
+          <a:xfrm>
+            <a:off x="5330321" y="4965660"/>
+            <a:ext cx="596638" cy="369332"/>
+          </a:xfrm>
+          <a:prstGeom prst="rect">
+            <a:avLst/>
+          </a:prstGeom>
+          <a:solidFill>
+            <a:schemeClr val="bg1"/>
+          </a:solidFill>
+        </p:spPr>
+        <p:txBody>
+          <a:bodyPr wrap="none" rtlCol="0">
+            <a:spAutoFit/>
+          </a:bodyPr>
+          <a:lstStyle/>
+          <a:p>
+            <a:r>
+              <a:rPr lang="en-US" dirty="0">
+                <a:solidFill>
+                  <a:schemeClr val="accent1"/>
+                </a:solidFill>
+              </a:rPr>
+              <a:t>.4 m</a:t>
+            </a:r>
+          </a:p>
+        </p:txBody>
+      </p:sp>
+      <p:sp>
+        <p:nvSpPr>
+          <p:cNvPr id="22" name="TextBox 21">
+            <a:extLst>
+              <a:ext uri="{FF2B5EF4-FFF2-40B4-BE49-F238E27FC236}">
+                <a16:creationId xmlns:a16="http://schemas.microsoft.com/office/drawing/2014/main" id="{164517CD-4E6B-46C5-A085-3950C0CC10EA}"/>
+              </a:ext>
+            </a:extLst>
+          </p:cNvPr>
+          <p:cNvSpPr txBox="1"/>
+          <p:nvPr/>
+        </p:nvSpPr>
+        <p:spPr>
+          <a:xfrm>
+            <a:off x="6566162" y="6031468"/>
+            <a:ext cx="596638" cy="369332"/>
+          </a:xfrm>
+          <a:prstGeom prst="rect">
+            <a:avLst/>
+          </a:prstGeom>
+          <a:solidFill>
+            <a:schemeClr val="bg1"/>
+          </a:solidFill>
+        </p:spPr>
+        <p:txBody>
+          <a:bodyPr wrap="none" rtlCol="0">
+            <a:spAutoFit/>
+          </a:bodyPr>
+          <a:lstStyle/>
+          <a:p>
+            <a:r>
+              <a:rPr lang="en-US" dirty="0">
+                <a:solidFill>
+                  <a:schemeClr val="accent1"/>
+                </a:solidFill>
+              </a:rPr>
+              <a:t>.3 m</a:t>
+            </a:r>
+          </a:p>
+        </p:txBody>
+      </p:sp>
+      <p:sp>
+        <p:nvSpPr>
+          <p:cNvPr id="23" name="TextBox 22">
+            <a:extLst>
+              <a:ext uri="{FF2B5EF4-FFF2-40B4-BE49-F238E27FC236}">
+                <a16:creationId xmlns:a16="http://schemas.microsoft.com/office/drawing/2014/main" id="{75D9C5A4-7212-4AB7-B3B9-674AA90C233C}"/>
+              </a:ext>
+            </a:extLst>
+          </p:cNvPr>
+          <p:cNvSpPr txBox="1"/>
+          <p:nvPr/>
+        </p:nvSpPr>
+        <p:spPr>
+          <a:xfrm>
+            <a:off x="7915307" y="4965660"/>
+            <a:ext cx="771493" cy="369332"/>
+          </a:xfrm>
+          <a:prstGeom prst="rect">
+            <a:avLst/>
+          </a:prstGeom>
+          <a:solidFill>
+            <a:schemeClr val="bg1"/>
+          </a:solidFill>
+        </p:spPr>
+        <p:txBody>
+          <a:bodyPr wrap="none" rtlCol="0">
+            <a:spAutoFit/>
+          </a:bodyPr>
+          <a:lstStyle/>
+          <a:p>
+            <a:r>
+              <a:rPr lang="en-US" dirty="0">
+                <a:solidFill>
+                  <a:schemeClr val="accent1"/>
+                </a:solidFill>
+              </a:rPr>
+              <a:t>M</a:t>
+            </a:r>
+            <a:r>
+              <a:rPr lang="en-US" baseline="-25000" dirty="0">
+                <a:solidFill>
+                  <a:schemeClr val="accent1"/>
+                </a:solidFill>
+              </a:rPr>
+              <a:t>motor</a:t>
+            </a:r>
+          </a:p>
+        </p:txBody>
+      </p:sp>
     </p:spTree>
     <p:extLst>
       <p:ext uri="{BB962C8B-B14F-4D97-AF65-F5344CB8AC3E}">
-        <p14:creationId xmlns:p14="http://schemas.microsoft.com/office/powerpoint/2010/main" val="1685981082"/>
+        <p14:creationId xmlns:p14="http://schemas.microsoft.com/office/powerpoint/2010/main" val="2409310188"/>
       </p:ext>
     </p:extLst>
   </p:cSld>
   <p:clrMapOvr>
     <a:masterClrMapping/>
   </p:clrMapOvr>
-  <p:timing>
-    <p:tnLst>
-      <p:par>
-        <p:cTn id="1" dur="indefinite" restart="never" nodeType="tmRoot">
-          <p:childTnLst>
-            <p:seq concurrent="1" nextAc="seek">
-              <p:cTn id="2" dur="indefinite" nodeType="mainSeq">
-                <p:childTnLst>
-                  <p:par>
-                    <p:cTn id="3" fill="hold">
-                      <p:stCondLst>
-                        <p:cond delay="indefinite"/>
-                      </p:stCondLst>
-                      <p:childTnLst>
-                        <p:par>
-                          <p:cTn id="4" fill="hold">
-                            <p:stCondLst>
-                              <p:cond delay="0"/>
-                            </p:stCondLst>
-                            <p:childTnLst>
-                              <p:par>
-                                <p:cTn id="5" presetID="1" presetClass="entr" presetSubtype="0" fill="hold" nodeType="clickEffect">
-                                  <p:stCondLst>
-                                    <p:cond delay="0"/>
-                                  </p:stCondLst>
-                                  <p:childTnLst>
-                                    <p:set>
-                                      <p:cBhvr>
-                                        <p:cTn id="6" dur="1" fill="hold">
-                                          <p:stCondLst>
-                                            <p:cond delay="0"/>
-                                          </p:stCondLst>
-                                        </p:cTn>
-                                        <p:tgtEl>
-                                          <p:spTgt spid="3">
-                                            <p:txEl>
-                                              <p:pRg st="1" end="1"/>
-                                            </p:txEl>
-                                          </p:spTgt>
-                                        </p:tgtEl>
-                                        <p:attrNameLst>
-                                          <p:attrName>style.visibility</p:attrName>
-                                        </p:attrNameLst>
-                                      </p:cBhvr>
-                                      <p:to>
-                                        <p:strVal val="visible"/>
-                                      </p:to>
-                                    </p:set>
-                                  </p:childTnLst>
-                                </p:cTn>
-                              </p:par>
-                              <p:par>
-                                <p:cTn id="7" presetID="1" presetClass="entr" presetSubtype="0" fill="hold" nodeType="withEffect">
-                                  <p:stCondLst>
-                                    <p:cond delay="0"/>
-                                  </p:stCondLst>
-                                  <p:childTnLst>
-                                    <p:set>
-                                      <p:cBhvr>
-                                        <p:cTn id="8" dur="1" fill="hold">
-                                          <p:stCondLst>
-                                            <p:cond delay="0"/>
-                                          </p:stCondLst>
-                                        </p:cTn>
-                                        <p:tgtEl>
-                                          <p:spTgt spid="3">
-                                            <p:txEl>
-                                              <p:pRg st="2" end="2"/>
-                                            </p:txEl>
-                                          </p:spTgt>
-                                        </p:tgtEl>
-                                        <p:attrNameLst>
-                                          <p:attrName>style.visibility</p:attrName>
-                                        </p:attrNameLst>
-                                      </p:cBhvr>
-                                      <p:to>
-                                        <p:strVal val="visible"/>
-                                      </p:to>
-                                    </p:set>
-                                  </p:childTnLst>
-                                </p:cTn>
-                              </p:par>
-                              <p:par>
-                                <p:cTn id="9" presetID="1" presetClass="entr" presetSubtype="0" fill="hold" nodeType="withEffect">
-                                  <p:stCondLst>
-                                    <p:cond delay="0"/>
-                                  </p:stCondLst>
-                                  <p:childTnLst>
-                                    <p:set>
-                                      <p:cBhvr>
-                                        <p:cTn id="10" dur="1" fill="hold">
-                                          <p:stCondLst>
-                                            <p:cond delay="0"/>
-                                          </p:stCondLst>
-                                        </p:cTn>
-                                        <p:tgtEl>
-                                          <p:spTgt spid="3">
-                                            <p:txEl>
-                                              <p:pRg st="3" end="3"/>
-                                            </p:txEl>
-                                          </p:spTgt>
-                                        </p:tgtEl>
-                                        <p:attrNameLst>
-                                          <p:attrName>style.visibility</p:attrName>
-                                        </p:attrNameLst>
-                                      </p:cBhvr>
-                                      <p:to>
-                                        <p:strVal val="visible"/>
-                                      </p:to>
-                                    </p:set>
-                                  </p:childTnLst>
-                                </p:cTn>
-                              </p:par>
-                              <p:par>
-                                <p:cTn id="11" presetID="1" presetClass="entr" presetSubtype="0" fill="hold" nodeType="withEffect">
-                                  <p:stCondLst>
-                                    <p:cond delay="0"/>
-                                  </p:stCondLst>
-                                  <p:childTnLst>
-                                    <p:set>
-                                      <p:cBhvr>
-                                        <p:cTn id="12" dur="1" fill="hold">
-                                          <p:stCondLst>
-                                            <p:cond delay="0"/>
-                                          </p:stCondLst>
-                                        </p:cTn>
-                                        <p:tgtEl>
-                                          <p:spTgt spid="3">
-                                            <p:txEl>
-                                              <p:pRg st="4" end="4"/>
-                                            </p:txEl>
-                                          </p:spTgt>
-                                        </p:tgtEl>
-                                        <p:attrNameLst>
-                                          <p:attrName>style.visibility</p:attrName>
-                                        </p:attrNameLst>
-                                      </p:cBhvr>
-                                      <p:to>
-                                        <p:strVal val="visible"/>
-                                      </p:to>
-                                    </p:set>
-                                  </p:childTnLst>
-                                </p:cTn>
-                              </p:par>
-                            </p:childTnLst>
-                          </p:cTn>
-                        </p:par>
-                      </p:childTnLst>
-                    </p:cTn>
-                  </p:par>
-                  <p:par>
-                    <p:cTn id="13" fill="hold">
-                      <p:stCondLst>
-                        <p:cond delay="indefinite"/>
-                      </p:stCondLst>
-                      <p:childTnLst>
-                        <p:par>
-                          <p:cTn id="14" fill="hold">
-                            <p:stCondLst>
-                              <p:cond delay="0"/>
-                            </p:stCondLst>
-                            <p:childTnLst>
-                              <p:par>
-                                <p:cTn id="15" presetID="1" presetClass="entr" presetSubtype="0" fill="hold" nodeType="clickEffect">
-                                  <p:stCondLst>
-                                    <p:cond delay="0"/>
-                                  </p:stCondLst>
-                                  <p:childTnLst>
-                                    <p:set>
-                                      <p:cBhvr>
-                                        <p:cTn id="16" dur="1" fill="hold">
-                                          <p:stCondLst>
-                                            <p:cond delay="0"/>
-                                          </p:stCondLst>
-                                        </p:cTn>
-                                        <p:tgtEl>
-                                          <p:spTgt spid="3">
-                                            <p:txEl>
-                                              <p:pRg st="5" end="5"/>
-                                            </p:txEl>
-                                          </p:spTgt>
-                                        </p:tgtEl>
-                                        <p:attrNameLst>
-                                          <p:attrName>style.visibility</p:attrName>
-                                        </p:attrNameLst>
-                                      </p:cBhvr>
-                                      <p:to>
-                                        <p:strVal val="visible"/>
-                                      </p:to>
-                                    </p:set>
-                                  </p:childTnLst>
-                                </p:cTn>
-                              </p:par>
-                              <p:par>
-                                <p:cTn id="17" presetID="1" presetClass="entr" presetSubtype="0" fill="hold" nodeType="withEffect">
-                                  <p:stCondLst>
-                                    <p:cond delay="0"/>
-                                  </p:stCondLst>
-                                  <p:childTnLst>
-                                    <p:set>
-                                      <p:cBhvr>
-                                        <p:cTn id="18" dur="1" fill="hold">
-                                          <p:stCondLst>
-                                            <p:cond delay="0"/>
-                                          </p:stCondLst>
-                                        </p:cTn>
-                                        <p:tgtEl>
-                                          <p:spTgt spid="3">
-                                            <p:txEl>
-                                              <p:pRg st="6" end="6"/>
-                                            </p:txEl>
-                                          </p:spTgt>
-                                        </p:tgtEl>
-                                        <p:attrNameLst>
-                                          <p:attrName>style.visibility</p:attrName>
-                                        </p:attrNameLst>
-                                      </p:cBhvr>
-                                      <p:to>
-                                        <p:strVal val="visible"/>
-                                      </p:to>
-                                    </p:set>
-                                  </p:childTnLst>
-                                </p:cTn>
-                              </p:par>
-                              <p:par>
-                                <p:cTn id="19" presetID="1" presetClass="entr" presetSubtype="0" fill="hold" nodeType="withEffect">
-                                  <p:stCondLst>
-                                    <p:cond delay="0"/>
-                                  </p:stCondLst>
-                                  <p:childTnLst>
-                                    <p:set>
-                                      <p:cBhvr>
-                                        <p:cTn id="20" dur="1" fill="hold">
-                                          <p:stCondLst>
-                                            <p:cond delay="0"/>
-                                          </p:stCondLst>
-                                        </p:cTn>
-                                        <p:tgtEl>
-                                          <p:spTgt spid="3">
-                                            <p:txEl>
-                                              <p:pRg st="7" end="7"/>
-                                            </p:txEl>
-                                          </p:spTgt>
-                                        </p:tgtEl>
-                                        <p:attrNameLst>
-                                          <p:attrName>style.visibility</p:attrName>
-                                        </p:attrNameLst>
-                                      </p:cBhvr>
-                                      <p:to>
-                                        <p:strVal val="visible"/>
-                                      </p:to>
-                                    </p:set>
-                                  </p:childTnLst>
-                                </p:cTn>
-                              </p:par>
-                            </p:childTnLst>
-                          </p:cTn>
-                        </p:par>
-                      </p:childTnLst>
-                    </p:cTn>
-                  </p:par>
-                  <p:par>
-                    <p:cTn id="21" fill="hold">
-                      <p:stCondLst>
-                        <p:cond delay="indefinite"/>
-                      </p:stCondLst>
-                      <p:childTnLst>
-                        <p:par>
-                          <p:cTn id="22" fill="hold">
-                            <p:stCondLst>
-                              <p:cond delay="0"/>
-                            </p:stCondLst>
-                            <p:childTnLst>
-                              <p:par>
-                                <p:cTn id="23" presetID="1" presetClass="entr" presetSubtype="0" fill="hold" nodeType="clickEffect">
-                                  <p:stCondLst>
-                                    <p:cond delay="0"/>
-                                  </p:stCondLst>
-                                  <p:childTnLst>
-                                    <p:set>
-                                      <p:cBhvr>
-                                        <p:cTn id="24" dur="1" fill="hold">
-                                          <p:stCondLst>
-                                            <p:cond delay="0"/>
-                                          </p:stCondLst>
-                                        </p:cTn>
-                                        <p:tgtEl>
-                                          <p:spTgt spid="3">
-                                            <p:txEl>
-                                              <p:pRg st="8" end="8"/>
-                                            </p:txEl>
-                                          </p:spTgt>
-                                        </p:tgtEl>
-                                        <p:attrNameLst>
-                                          <p:attrName>style.visibility</p:attrName>
-                                        </p:attrNameLst>
-                                      </p:cBhvr>
-                                      <p:to>
-                                        <p:strVal val="visible"/>
-                                      </p:to>
-                                    </p:set>
-                                  </p:childTnLst>
-                                </p:cTn>
-                              </p:par>
-                            </p:childTnLst>
-                          </p:cTn>
-                        </p:par>
-                      </p:childTnLst>
-                    </p:cTn>
-                  </p:par>
-                </p:childTnLst>
-              </p:cTn>
-              <p:prevCondLst>
-                <p:cond evt="onPrev" delay="0">
-                  <p:tgtEl>
-                    <p:sldTgt/>
-                  </p:tgtEl>
-                </p:cond>
-              </p:prevCondLst>
-              <p:nextCondLst>
-                <p:cond evt="onNext" delay="0">
-                  <p:tgtEl>
-                    <p:sldTgt/>
-                  </p:tgtEl>
-                </p:cond>
-              </p:nextCondLst>
-            </p:seq>
-          </p:childTnLst>
-        </p:cTn>
-      </p:par>
-    </p:tnLst>
-  </p:timing>
 </p:sld>
 </file>
 

--- a/Lecture Slides/VideoLectureSlides/13.2.pptx
+++ b/Lecture Slides/VideoLectureSlides/13.2.pptx
@@ -5,7 +5,7 @@
     <p:sldMasterId id="2147483660" r:id="rId4"/>
   </p:sldMasterIdLst>
   <p:notesMasterIdLst>
-    <p:notesMasterId r:id="rId14"/>
+    <p:notesMasterId r:id="rId16"/>
   </p:notesMasterIdLst>
   <p:sldIdLst>
     <p:sldId id="256" r:id="rId5"/>
@@ -17,6 +17,8 @@
     <p:sldId id="287" r:id="rId11"/>
     <p:sldId id="271" r:id="rId12"/>
     <p:sldId id="272" r:id="rId13"/>
+    <p:sldId id="288" r:id="rId14"/>
+    <p:sldId id="289" r:id="rId15"/>
   </p:sldIdLst>
   <p:sldSz cx="9144000" cy="6858000" type="screen4x3"/>
   <p:notesSz cx="6858000" cy="9144000"/>
@@ -230,7 +232,7 @@
           <a:p>
             <a:fld id="{1AA1AB63-216F-4D5B-8811-CCB935E98D4A}" type="datetimeFigureOut">
               <a:rPr lang="en-US" smtClean="0"/>
-              <a:t>12/30/2020</a:t>
+              <a:t>1/13/2022</a:t>
             </a:fld>
             <a:endParaRPr lang="en-US" dirty="0"/>
           </a:p>
@@ -3734,6 +3736,405 @@
 </p:sld>
 </file>
 
+<file path=ppt/slides/slide10.xml><?xml version="1.0" encoding="utf-8"?>
+<p:sld xmlns:a="http://schemas.openxmlformats.org/drawingml/2006/main" xmlns:r="http://schemas.openxmlformats.org/officeDocument/2006/relationships" xmlns:p="http://schemas.openxmlformats.org/presentationml/2006/main">
+  <p:cSld>
+    <p:spTree>
+      <p:nvGrpSpPr>
+        <p:cNvPr id="1" name=""/>
+        <p:cNvGrpSpPr/>
+        <p:nvPr/>
+      </p:nvGrpSpPr>
+      <p:grpSpPr>
+        <a:xfrm>
+          <a:off x="0" y="0"/>
+          <a:ext cx="0" cy="0"/>
+          <a:chOff x="0" y="0"/>
+          <a:chExt cx="0" cy="0"/>
+        </a:xfrm>
+      </p:grpSpPr>
+      <p:sp>
+        <p:nvSpPr>
+          <p:cNvPr id="2" name="Title 1"/>
+          <p:cNvSpPr>
+            <a:spLocks noGrp="1"/>
+          </p:cNvSpPr>
+          <p:nvPr>
+            <p:ph type="title"/>
+          </p:nvPr>
+        </p:nvSpPr>
+        <p:spPr/>
+        <p:txBody>
+          <a:bodyPr>
+            <a:normAutofit/>
+          </a:bodyPr>
+          <a:lstStyle/>
+          <a:p>
+            <a:r>
+              <a:rPr lang="en-US" dirty="0"/>
+              <a:t>Worked Example</a:t>
+            </a:r>
+          </a:p>
+        </p:txBody>
+      </p:sp>
+      <p:sp>
+        <p:nvSpPr>
+          <p:cNvPr id="3" name="Content Placeholder 2"/>
+          <p:cNvSpPr>
+            <a:spLocks noGrp="1"/>
+          </p:cNvSpPr>
+          <p:nvPr>
+            <p:ph idx="1"/>
+          </p:nvPr>
+        </p:nvSpPr>
+        <p:spPr>
+          <a:xfrm>
+            <a:off x="457993" y="1600200"/>
+            <a:ext cx="4800600" cy="4705350"/>
+          </a:xfrm>
+        </p:spPr>
+        <p:txBody>
+          <a:bodyPr>
+            <a:normAutofit fontScale="70000" lnSpcReduction="20000"/>
+          </a:bodyPr>
+          <a:lstStyle/>
+          <a:p>
+            <a:r>
+              <a:rPr lang="en-US" b="0" i="0" dirty="0">
+                <a:solidFill>
+                  <a:srgbClr val="000000"/>
+                </a:solidFill>
+                <a:effectLst/>
+                <a:latin typeface="Arial" panose="020B0604020202020204" pitchFamily="34" charset="0"/>
+              </a:rPr>
+              <a:t>A hardworking engineer is developing a playground ride for her kid. If she determines that the maximum acceleration of an empty ride in the instant shown should not exceed 5 rad/s</a:t>
+            </a:r>
+            <a:r>
+              <a:rPr lang="en-US" b="0" i="0" baseline="30000" dirty="0">
+                <a:solidFill>
+                  <a:srgbClr val="000000"/>
+                </a:solidFill>
+                <a:effectLst/>
+                <a:latin typeface="Arial" panose="020B0604020202020204" pitchFamily="34" charset="0"/>
+              </a:rPr>
+              <a:t>2</a:t>
+            </a:r>
+            <a:r>
+              <a:rPr lang="en-US" b="0" i="0" dirty="0">
+                <a:solidFill>
+                  <a:srgbClr val="000000"/>
+                </a:solidFill>
+                <a:effectLst/>
+                <a:latin typeface="Arial" panose="020B0604020202020204" pitchFamily="34" charset="0"/>
+              </a:rPr>
+              <a:t> due to safety reasons, what should be the length of the rod on which a 1kg seat is attached? The seat can be modelled as a thin disk with radius r=0.3m and the rod, no matter the length, has a mass of m=0.6kg. The angle in the instant shown is θ=45 deg. Choose the most realistic value for your final answer.</a:t>
+            </a:r>
+            <a:endParaRPr lang="en-US" dirty="0"/>
+          </a:p>
+        </p:txBody>
+      </p:sp>
+      <p:sp>
+        <p:nvSpPr>
+          <p:cNvPr id="4" name="Slide Number Placeholder 3"/>
+          <p:cNvSpPr>
+            <a:spLocks noGrp="1"/>
+          </p:cNvSpPr>
+          <p:nvPr>
+            <p:ph type="sldNum" sz="quarter" idx="12"/>
+          </p:nvPr>
+        </p:nvSpPr>
+        <p:spPr>
+          <a:xfrm>
+            <a:off x="6553200" y="6356350"/>
+            <a:ext cx="2133600" cy="365125"/>
+          </a:xfrm>
+        </p:spPr>
+        <p:txBody>
+          <a:bodyPr/>
+          <a:lstStyle/>
+          <a:p>
+            <a:fld id="{929262FE-7F58-4A1E-8AF3-5A510A86DEBD}" type="slidenum">
+              <a:rPr lang="en-US" smtClean="0"/>
+              <a:t>10</a:t>
+            </a:fld>
+            <a:endParaRPr lang="en-US" dirty="0"/>
+          </a:p>
+        </p:txBody>
+      </p:sp>
+      <p:pic>
+        <p:nvPicPr>
+          <p:cNvPr id="1026" name="Picture 2" descr="Problem 3 Diagram">
+            <a:extLst>
+              <a:ext uri="{FF2B5EF4-FFF2-40B4-BE49-F238E27FC236}">
+                <a16:creationId xmlns:a16="http://schemas.microsoft.com/office/drawing/2014/main" id="{75FEB478-AEAF-415F-B0DA-7BAF94782E3C}"/>
+              </a:ext>
+            </a:extLst>
+          </p:cNvPr>
+          <p:cNvPicPr>
+            <a:picLocks noChangeAspect="1" noChangeArrowheads="1"/>
+          </p:cNvPicPr>
+          <p:nvPr/>
+        </p:nvPicPr>
+        <p:blipFill>
+          <a:blip r:embed="rId2" cstate="print">
+            <a:extLst>
+              <a:ext uri="{28A0092B-C50C-407E-A947-70E740481C1C}">
+                <a14:useLocalDpi xmlns:a14="http://schemas.microsoft.com/office/drawing/2010/main" val="0"/>
+              </a:ext>
+            </a:extLst>
+          </a:blip>
+          <a:srcRect/>
+          <a:stretch>
+            <a:fillRect/>
+          </a:stretch>
+        </p:blipFill>
+        <p:spPr bwMode="auto">
+          <a:xfrm>
+            <a:off x="5249068" y="1651000"/>
+            <a:ext cx="3795867" cy="4705350"/>
+          </a:xfrm>
+          <a:prstGeom prst="rect">
+            <a:avLst/>
+          </a:prstGeom>
+          <a:noFill/>
+          <a:extLst>
+            <a:ext uri="{909E8E84-426E-40DD-AFC4-6F175D3DCCD1}">
+              <a14:hiddenFill xmlns:a14="http://schemas.microsoft.com/office/drawing/2010/main">
+                <a:solidFill>
+                  <a:srgbClr val="FFFFFF"/>
+                </a:solidFill>
+              </a14:hiddenFill>
+            </a:ext>
+          </a:extLst>
+        </p:spPr>
+      </p:pic>
+    </p:spTree>
+    <p:extLst>
+      <p:ext uri="{BB962C8B-B14F-4D97-AF65-F5344CB8AC3E}">
+        <p14:creationId xmlns:p14="http://schemas.microsoft.com/office/powerpoint/2010/main" val="3170246744"/>
+      </p:ext>
+    </p:extLst>
+  </p:cSld>
+  <p:clrMapOvr>
+    <a:masterClrMapping/>
+  </p:clrMapOvr>
+</p:sld>
+</file>
+
+<file path=ppt/slides/slide11.xml><?xml version="1.0" encoding="utf-8"?>
+<p:sld xmlns:a="http://schemas.openxmlformats.org/drawingml/2006/main" xmlns:r="http://schemas.openxmlformats.org/officeDocument/2006/relationships" xmlns:p="http://schemas.openxmlformats.org/presentationml/2006/main">
+  <p:cSld>
+    <p:spTree>
+      <p:nvGrpSpPr>
+        <p:cNvPr id="1" name=""/>
+        <p:cNvGrpSpPr/>
+        <p:nvPr/>
+      </p:nvGrpSpPr>
+      <p:grpSpPr>
+        <a:xfrm>
+          <a:off x="0" y="0"/>
+          <a:ext cx="0" cy="0"/>
+          <a:chOff x="0" y="0"/>
+          <a:chExt cx="0" cy="0"/>
+        </a:xfrm>
+      </p:grpSpPr>
+      <p:sp>
+        <p:nvSpPr>
+          <p:cNvPr id="2" name="Title 1"/>
+          <p:cNvSpPr>
+            <a:spLocks noGrp="1"/>
+          </p:cNvSpPr>
+          <p:nvPr>
+            <p:ph type="title"/>
+          </p:nvPr>
+        </p:nvSpPr>
+        <p:spPr/>
+        <p:txBody>
+          <a:bodyPr>
+            <a:normAutofit/>
+          </a:bodyPr>
+          <a:lstStyle/>
+          <a:p>
+            <a:r>
+              <a:rPr lang="en-US" dirty="0"/>
+              <a:t>Worked Example</a:t>
+            </a:r>
+          </a:p>
+        </p:txBody>
+      </p:sp>
+      <p:sp>
+        <p:nvSpPr>
+          <p:cNvPr id="3" name="Content Placeholder 2"/>
+          <p:cNvSpPr>
+            <a:spLocks noGrp="1"/>
+          </p:cNvSpPr>
+          <p:nvPr>
+            <p:ph idx="1"/>
+          </p:nvPr>
+        </p:nvSpPr>
+        <p:spPr>
+          <a:xfrm>
+            <a:off x="457993" y="1600200"/>
+            <a:ext cx="4800600" cy="4705350"/>
+          </a:xfrm>
+        </p:spPr>
+        <p:txBody>
+          <a:bodyPr>
+            <a:normAutofit fontScale="55000" lnSpcReduction="20000"/>
+          </a:bodyPr>
+          <a:lstStyle/>
+          <a:p>
+            <a:r>
+              <a:rPr lang="en-US" b="0" i="0" dirty="0">
+                <a:solidFill>
+                  <a:srgbClr val="000000"/>
+                </a:solidFill>
+                <a:effectLst/>
+                <a:latin typeface="Arial" panose="020B0604020202020204" pitchFamily="34" charset="0"/>
+              </a:rPr>
+              <a:t>Students are creating a miniature all-terrain vehicle for a competition. An idea was proposed for an additional wheel which could be lowered and raised to dislodge the vehicle if it ever got stuck on jagged rocks. They decide to apply minimum constraint design to their prototype, resulting in a singular linkage arm attached to a wheel with radius r=0.15m at an angle of θ=30 deg. The wheel has a mass of m=5kg and a radius of gyration k</a:t>
+            </a:r>
+            <a:r>
+              <a:rPr lang="en-US" b="0" i="0" baseline="-25000" dirty="0">
+                <a:solidFill>
+                  <a:srgbClr val="000000"/>
+                </a:solidFill>
+                <a:effectLst/>
+                <a:latin typeface="Arial" panose="020B0604020202020204" pitchFamily="34" charset="0"/>
+              </a:rPr>
+              <a:t>B</a:t>
+            </a:r>
+            <a:r>
+              <a:rPr lang="en-US" b="0" i="0" dirty="0">
+                <a:solidFill>
+                  <a:srgbClr val="000000"/>
+                </a:solidFill>
+                <a:effectLst/>
+                <a:latin typeface="Arial" panose="020B0604020202020204" pitchFamily="34" charset="0"/>
+              </a:rPr>
+              <a:t>=0.2m. If the students rev the wheel such that it initially spins with ω=30 rad/s, determine the reaction force exerted on the linkage AB. What is the time required for the wheel to stop rotating? The coefficient of kinetic friction is given as </a:t>
+            </a:r>
+            <a:r>
+              <a:rPr lang="en-US" b="0" i="0" dirty="0" err="1">
+                <a:solidFill>
+                  <a:srgbClr val="000000"/>
+                </a:solidFill>
+                <a:effectLst/>
+                <a:latin typeface="Arial" panose="020B0604020202020204" pitchFamily="34" charset="0"/>
+              </a:rPr>
+              <a:t>μ</a:t>
+            </a:r>
+            <a:r>
+              <a:rPr lang="en-US" baseline="-25000" dirty="0" err="1">
+                <a:solidFill>
+                  <a:srgbClr val="000000"/>
+                </a:solidFill>
+                <a:latin typeface="Arial" panose="020B0604020202020204" pitchFamily="34" charset="0"/>
+              </a:rPr>
+              <a:t>k</a:t>
+            </a:r>
+            <a:r>
+              <a:rPr lang="en-US" b="0" i="0" dirty="0">
+                <a:solidFill>
+                  <a:srgbClr val="000000"/>
+                </a:solidFill>
+                <a:effectLst/>
+                <a:latin typeface="Arial" panose="020B0604020202020204" pitchFamily="34" charset="0"/>
+              </a:rPr>
+              <a:t>=0.4. Assume the linkage arm is securely locked in once it is lowered and neglect the mass of the linkage arm.</a:t>
+            </a:r>
+            <a:endParaRPr lang="en-US" dirty="0"/>
+          </a:p>
+        </p:txBody>
+      </p:sp>
+      <p:sp>
+        <p:nvSpPr>
+          <p:cNvPr id="4" name="Slide Number Placeholder 3"/>
+          <p:cNvSpPr>
+            <a:spLocks noGrp="1"/>
+          </p:cNvSpPr>
+          <p:nvPr>
+            <p:ph type="sldNum" sz="quarter" idx="12"/>
+          </p:nvPr>
+        </p:nvSpPr>
+        <p:spPr>
+          <a:xfrm>
+            <a:off x="6553200" y="6356350"/>
+            <a:ext cx="2133600" cy="365125"/>
+          </a:xfrm>
+        </p:spPr>
+        <p:txBody>
+          <a:bodyPr/>
+          <a:lstStyle/>
+          <a:p>
+            <a:fld id="{929262FE-7F58-4A1E-8AF3-5A510A86DEBD}" type="slidenum">
+              <a:rPr lang="en-US" smtClean="0"/>
+              <a:t>11</a:t>
+            </a:fld>
+            <a:endParaRPr lang="en-US" dirty="0"/>
+          </a:p>
+        </p:txBody>
+      </p:sp>
+      <p:pic>
+        <p:nvPicPr>
+          <p:cNvPr id="2050" name="Picture 2" descr="Problem 3 Diagram">
+            <a:extLst>
+              <a:ext uri="{FF2B5EF4-FFF2-40B4-BE49-F238E27FC236}">
+                <a16:creationId xmlns:a16="http://schemas.microsoft.com/office/drawing/2014/main" id="{6BD456C6-7514-4500-931A-B5FFBE4FC692}"/>
+              </a:ext>
+            </a:extLst>
+          </p:cNvPr>
+          <p:cNvPicPr>
+            <a:picLocks noChangeAspect="1" noChangeArrowheads="1"/>
+          </p:cNvPicPr>
+          <p:nvPr/>
+        </p:nvPicPr>
+        <p:blipFill>
+          <a:blip r:embed="rId2" cstate="print">
+            <a:extLst>
+              <a:ext uri="{28A0092B-C50C-407E-A947-70E740481C1C}">
+                <a14:useLocalDpi xmlns:a14="http://schemas.microsoft.com/office/drawing/2010/main" val="0"/>
+              </a:ext>
+            </a:extLst>
+          </a:blip>
+          <a:srcRect/>
+          <a:stretch>
+            <a:fillRect/>
+          </a:stretch>
+        </p:blipFill>
+        <p:spPr bwMode="auto">
+          <a:xfrm>
+            <a:off x="5258593" y="1600200"/>
+            <a:ext cx="3696177" cy="4756474"/>
+          </a:xfrm>
+          <a:prstGeom prst="rect">
+            <a:avLst/>
+          </a:prstGeom>
+          <a:noFill/>
+          <a:extLst>
+            <a:ext uri="{909E8E84-426E-40DD-AFC4-6F175D3DCCD1}">
+              <a14:hiddenFill xmlns:a14="http://schemas.microsoft.com/office/drawing/2010/main">
+                <a:solidFill>
+                  <a:srgbClr val="FFFFFF"/>
+                </a:solidFill>
+              </a14:hiddenFill>
+            </a:ext>
+          </a:extLst>
+        </p:spPr>
+      </p:pic>
+    </p:spTree>
+    <p:extLst>
+      <p:ext uri="{BB962C8B-B14F-4D97-AF65-F5344CB8AC3E}">
+        <p14:creationId xmlns:p14="http://schemas.microsoft.com/office/powerpoint/2010/main" val="2485770276"/>
+      </p:ext>
+    </p:extLst>
+  </p:cSld>
+  <p:clrMapOvr>
+    <a:masterClrMapping/>
+  </p:clrMapOvr>
+</p:sld>
+</file>
+
 <file path=ppt/slides/slide2.xml><?xml version="1.0" encoding="utf-8"?>
 <p:sld xmlns:a="http://schemas.openxmlformats.org/drawingml/2006/main" xmlns:r="http://schemas.openxmlformats.org/officeDocument/2006/relationships" xmlns:p="http://schemas.openxmlformats.org/presentationml/2006/main">
   <p:cSld>
@@ -3775,8 +4176,8 @@
           </a:p>
         </p:txBody>
       </p:sp>
-      <mc:AlternateContent xmlns:mc="http://schemas.openxmlformats.org/markup-compatibility/2006">
-        <mc:Choice xmlns:a14="http://schemas.microsoft.com/office/drawing/2010/main" Requires="a14">
+      <mc:AlternateContent xmlns:mc="http://schemas.openxmlformats.org/markup-compatibility/2006" xmlns:a14="http://schemas.microsoft.com/office/drawing/2010/main">
+        <mc:Choice Requires="a14">
           <p:sp>
             <p:nvSpPr>
               <p:cNvPr id="3" name="Content Placeholder 2"/>
@@ -3963,7 +4364,7 @@
             </p:txBody>
           </p:sp>
         </mc:Choice>
-        <mc:Fallback>
+        <mc:Fallback xmlns="">
           <p:sp>
             <p:nvSpPr>
               <p:cNvPr id="3" name="Content Placeholder 2"/>
@@ -4407,8 +4808,8 @@
           </a:p>
         </p:txBody>
       </p:sp>
-      <mc:AlternateContent xmlns:mc="http://schemas.openxmlformats.org/markup-compatibility/2006">
-        <mc:Choice xmlns:a14="http://schemas.microsoft.com/office/drawing/2010/main" Requires="a14">
+      <mc:AlternateContent xmlns:mc="http://schemas.openxmlformats.org/markup-compatibility/2006" xmlns:a14="http://schemas.microsoft.com/office/drawing/2010/main">
+        <mc:Choice Requires="a14">
           <p:sp>
             <p:nvSpPr>
               <p:cNvPr id="3" name="Content Placeholder 2">
@@ -4514,7 +4915,7 @@
             </p:txBody>
           </p:sp>
         </mc:Choice>
-        <mc:Fallback>
+        <mc:Fallback xmlns="">
           <p:sp>
             <p:nvSpPr>
               <p:cNvPr id="3" name="Content Placeholder 2">
@@ -5090,8 +5491,8 @@
           </a:p>
         </p:txBody>
       </p:sp>
-      <mc:AlternateContent xmlns:mc="http://schemas.openxmlformats.org/markup-compatibility/2006">
-        <mc:Choice xmlns:a14="http://schemas.microsoft.com/office/drawing/2010/main" Requires="a14">
+      <mc:AlternateContent xmlns:mc="http://schemas.openxmlformats.org/markup-compatibility/2006" xmlns:a14="http://schemas.microsoft.com/office/drawing/2010/main">
+        <mc:Choice Requires="a14">
           <p:sp>
             <p:nvSpPr>
               <p:cNvPr id="3" name="Content Placeholder 2"/>
@@ -5383,7 +5784,7 @@
             </p:txBody>
           </p:sp>
         </mc:Choice>
-        <mc:Fallback>
+        <mc:Fallback xmlns="">
           <p:sp>
             <p:nvSpPr>
               <p:cNvPr id="3" name="Content Placeholder 2"/>
@@ -5984,8 +6385,8 @@
           </a:p>
         </p:txBody>
       </p:sp>
-      <mc:AlternateContent xmlns:mc="http://schemas.openxmlformats.org/markup-compatibility/2006">
-        <mc:Choice xmlns:a14="http://schemas.microsoft.com/office/drawing/2010/main" Requires="a14">
+      <mc:AlternateContent xmlns:mc="http://schemas.openxmlformats.org/markup-compatibility/2006" xmlns:a14="http://schemas.microsoft.com/office/drawing/2010/main">
+        <mc:Choice Requires="a14">
           <p:sp>
             <p:nvSpPr>
               <p:cNvPr id="3" name="Content Placeholder 2"/>
@@ -6535,7 +6936,7 @@
             </p:txBody>
           </p:sp>
         </mc:Choice>
-        <mc:Fallback>
+        <mc:Fallback xmlns="">
           <p:sp>
             <p:nvSpPr>
               <p:cNvPr id="3" name="Content Placeholder 2"/>
@@ -9187,21 +9588,6 @@
 </file>
 
 <file path=customXml/item1.xml><?xml version="1.0" encoding="utf-8"?>
-<?mso-contentType ?>
-<FormTemplates xmlns="http://schemas.microsoft.com/sharepoint/v3/contenttype/forms">
-  <Display>DocumentLibraryForm</Display>
-  <Edit>DocumentLibraryForm</Edit>
-  <New>DocumentLibraryForm</New>
-</FormTemplates>
-</file>
-
-<file path=customXml/item2.xml><?xml version="1.0" encoding="utf-8"?>
-<p:properties xmlns:p="http://schemas.microsoft.com/office/2006/metadata/properties" xmlns:xsi="http://www.w3.org/2001/XMLSchema-instance" xmlns:pc="http://schemas.microsoft.com/office/infopath/2007/PartnerControls">
-  <documentManagement/>
-</p:properties>
-</file>
-
-<file path=customXml/item3.xml><?xml version="1.0" encoding="utf-8"?>
 <ct:contentTypeSchema xmlns:ct="http://schemas.microsoft.com/office/2006/metadata/contentType" xmlns:ma="http://schemas.microsoft.com/office/2006/metadata/properties/metaAttributes" ct:_="" ma:_="" ma:contentTypeName="Document" ma:contentTypeID="0x010100A06DF21F5BB2734A800ED30F3F452129" ma:contentTypeVersion="12" ma:contentTypeDescription="Create a new document." ma:contentTypeScope="" ma:versionID="544d96a5fbac5de9d5d902b535c73fb2">
   <xsd:schema xmlns:xsd="http://www.w3.org/2001/XMLSchema" xmlns:xs="http://www.w3.org/2001/XMLSchema" xmlns:p="http://schemas.microsoft.com/office/2006/metadata/properties" xmlns:ns3="90d05cb5-950f-4f68-bc2c-e17794455b92" xmlns:ns4="b4eab9fa-dbb0-4082-8491-8bd54207a265" targetNamespace="http://schemas.microsoft.com/office/2006/metadata/properties" ma:root="true" ma:fieldsID="7a710efc71c2169bf9c05e5a40dddf12" ns3:_="" ns4:_="">
     <xsd:import namespace="90d05cb5-950f-4f68-bc2c-e17794455b92"/>
@@ -9418,10 +9804,36 @@
 </ct:contentTypeSchema>
 </file>
 
+<file path=customXml/item2.xml><?xml version="1.0" encoding="utf-8"?>
+<p:properties xmlns:p="http://schemas.microsoft.com/office/2006/metadata/properties" xmlns:xsi="http://www.w3.org/2001/XMLSchema-instance" xmlns:pc="http://schemas.microsoft.com/office/infopath/2007/PartnerControls">
+  <documentManagement/>
+</p:properties>
+</file>
+
+<file path=customXml/item3.xml><?xml version="1.0" encoding="utf-8"?>
+<?mso-contentType ?>
+<FormTemplates xmlns="http://schemas.microsoft.com/sharepoint/v3/contenttype/forms">
+  <Display>DocumentLibraryForm</Display>
+  <Edit>DocumentLibraryForm</Edit>
+  <New>DocumentLibraryForm</New>
+</FormTemplates>
+</file>
+
 <file path=customXml/itemProps1.xml><?xml version="1.0" encoding="utf-8"?>
-<ds:datastoreItem xmlns:ds="http://schemas.openxmlformats.org/officeDocument/2006/customXml" ds:itemID="{F5CF5F32-56DC-4068-8B04-457CF34A96F3}">
+<ds:datastoreItem xmlns:ds="http://schemas.openxmlformats.org/officeDocument/2006/customXml" ds:itemID="{A43B8A4B-79FE-4529-931C-D64224FA70E3}">
   <ds:schemaRefs>
-    <ds:schemaRef ds:uri="http://schemas.microsoft.com/sharepoint/v3/contenttype/forms"/>
+    <ds:schemaRef ds:uri="http://schemas.microsoft.com/office/2006/metadata/contentType"/>
+    <ds:schemaRef ds:uri="http://schemas.microsoft.com/office/2006/metadata/properties/metaAttributes"/>
+    <ds:schemaRef ds:uri="http://www.w3.org/2001/XMLSchema"/>
+    <ds:schemaRef ds:uri="http://schemas.microsoft.com/office/2006/metadata/properties"/>
+    <ds:schemaRef ds:uri="90d05cb5-950f-4f68-bc2c-e17794455b92"/>
+    <ds:schemaRef ds:uri="b4eab9fa-dbb0-4082-8491-8bd54207a265"/>
+    <ds:schemaRef ds:uri="http://schemas.microsoft.com/office/2006/documentManagement/types"/>
+    <ds:schemaRef ds:uri="http://schemas.microsoft.com/office/infopath/2007/PartnerControls"/>
+    <ds:schemaRef ds:uri="http://schemas.openxmlformats.org/package/2006/metadata/core-properties"/>
+    <ds:schemaRef ds:uri="http://purl.org/dc/elements/1.1/"/>
+    <ds:schemaRef ds:uri="http://purl.org/dc/terms/"/>
+    <ds:schemaRef ds:uri="http://schemas.microsoft.com/internal/obd"/>
   </ds:schemaRefs>
 </ds:datastoreItem>
 </file>
@@ -9444,20 +9856,9 @@
 </file>
 
 <file path=customXml/itemProps3.xml><?xml version="1.0" encoding="utf-8"?>
-<ds:datastoreItem xmlns:ds="http://schemas.openxmlformats.org/officeDocument/2006/customXml" ds:itemID="{A43B8A4B-79FE-4529-931C-D64224FA70E3}">
+<ds:datastoreItem xmlns:ds="http://schemas.openxmlformats.org/officeDocument/2006/customXml" ds:itemID="{F5CF5F32-56DC-4068-8B04-457CF34A96F3}">
   <ds:schemaRefs>
-    <ds:schemaRef ds:uri="http://schemas.microsoft.com/office/2006/metadata/contentType"/>
-    <ds:schemaRef ds:uri="http://schemas.microsoft.com/office/2006/metadata/properties/metaAttributes"/>
-    <ds:schemaRef ds:uri="http://www.w3.org/2001/XMLSchema"/>
-    <ds:schemaRef ds:uri="http://schemas.microsoft.com/office/2006/metadata/properties"/>
-    <ds:schemaRef ds:uri="90d05cb5-950f-4f68-bc2c-e17794455b92"/>
-    <ds:schemaRef ds:uri="b4eab9fa-dbb0-4082-8491-8bd54207a265"/>
-    <ds:schemaRef ds:uri="http://schemas.microsoft.com/office/2006/documentManagement/types"/>
-    <ds:schemaRef ds:uri="http://schemas.microsoft.com/office/infopath/2007/PartnerControls"/>
-    <ds:schemaRef ds:uri="http://schemas.openxmlformats.org/package/2006/metadata/core-properties"/>
-    <ds:schemaRef ds:uri="http://purl.org/dc/elements/1.1/"/>
-    <ds:schemaRef ds:uri="http://purl.org/dc/terms/"/>
-    <ds:schemaRef ds:uri="http://schemas.microsoft.com/internal/obd"/>
+    <ds:schemaRef ds:uri="http://schemas.microsoft.com/sharepoint/v3/contenttype/forms"/>
   </ds:schemaRefs>
 </ds:datastoreItem>
 </file>